--- a/_diagrams/images.pptx
+++ b/_diagrams/images.pptx
@@ -5,10 +5,10 @@
     <p:sldMasterId id="2147484326" r:id="rId1"/>
   </p:sldMasterIdLst>
   <p:notesMasterIdLst>
-    <p:notesMasterId r:id="rId14"/>
+    <p:notesMasterId r:id="rId15"/>
   </p:notesMasterIdLst>
   <p:handoutMasterIdLst>
-    <p:handoutMasterId r:id="rId15"/>
+    <p:handoutMasterId r:id="rId16"/>
   </p:handoutMasterIdLst>
   <p:sldIdLst>
     <p:sldId id="256" r:id="rId2"/>
@@ -23,6 +23,7 @@
     <p:sldId id="370" r:id="rId11"/>
     <p:sldId id="429" r:id="rId12"/>
     <p:sldId id="397" r:id="rId13"/>
+    <p:sldId id="446" r:id="rId14"/>
   </p:sldIdLst>
   <p:sldSz cx="9144000" cy="5143500" type="screen16x9"/>
   <p:notesSz cx="6881813" cy="9296400"/>
@@ -285,7 +286,7 @@
               <a:pPr>
                 <a:defRPr/>
               </a:pPr>
-              <a:t>12/30/2015</a:t>
+              <a:t>1/5/2016</a:t>
             </a:fld>
             <a:endParaRPr lang="en-US"/>
           </a:p>
@@ -504,7 +505,7 @@
               <a:pPr>
                 <a:defRPr/>
               </a:pPr>
-              <a:t>12/30/2015</a:t>
+              <a:t>1/5/2016</a:t>
             </a:fld>
             <a:endParaRPr lang="en-US"/>
           </a:p>
@@ -3888,12 +3889,12 @@
               <a:defRPr/>
             </a:pPr>
             <a:r>
-              <a:rPr lang="en-US" altLang="en-US" cap="none" dirty="0" err="1" smtClean="0"/>
-              <a:t>Pani</a:t>
-            </a:r>
-            <a:r>
               <a:rPr lang="en-US" altLang="en-US" cap="none" dirty="0" smtClean="0"/>
-              <a:t> Networks</a:t>
+              <a:t>Romana </a:t>
+            </a:r>
+            <a:r>
+              <a:rPr lang="en-US" altLang="en-US" cap="none" dirty="0" smtClean="0"/>
+              <a:t>Networks</a:t>
             </a:r>
           </a:p>
         </p:txBody>
@@ -16221,12 +16222,12 @@
           <a:p>
             <a:pPr algn="ctr"/>
             <a:r>
-              <a:rPr lang="en-US" sz="800" dirty="0" err="1" smtClean="0"/>
-              <a:t>Pani</a:t>
-            </a:r>
-            <a:r>
               <a:rPr lang="en-US" sz="800" dirty="0" smtClean="0"/>
-              <a:t> Router</a:t>
+              <a:t>Romana </a:t>
+            </a:r>
+            <a:r>
+              <a:rPr lang="en-US" sz="800" dirty="0" smtClean="0"/>
+              <a:t>Router</a:t>
             </a:r>
             <a:endParaRPr lang="en-US" sz="800" dirty="0"/>
           </a:p>
@@ -16269,12 +16270,12 @@
           <a:p>
             <a:pPr algn="ctr"/>
             <a:r>
-              <a:rPr lang="en-US" sz="800" dirty="0" err="1" smtClean="0"/>
-              <a:t>Pani</a:t>
-            </a:r>
-            <a:r>
               <a:rPr lang="en-US" sz="800" dirty="0" smtClean="0"/>
-              <a:t> Router</a:t>
+              <a:t>Romana </a:t>
+            </a:r>
+            <a:r>
+              <a:rPr lang="en-US" sz="800" dirty="0" smtClean="0"/>
+              <a:t>Router</a:t>
             </a:r>
             <a:endParaRPr lang="en-US" sz="800" dirty="0"/>
           </a:p>
@@ -16284,6 +16285,1312 @@
     <p:extLst>
       <p:ext uri="{BB962C8B-B14F-4D97-AF65-F5344CB8AC3E}">
         <p14:creationId xmlns:p14="http://schemas.microsoft.com/office/powerpoint/2010/main" val="476829273"/>
+      </p:ext>
+    </p:extLst>
+  </p:cSld>
+  <p:clrMapOvr>
+    <a:masterClrMapping/>
+  </p:clrMapOvr>
+  <p:timing>
+    <p:tnLst>
+      <p:par>
+        <p:cTn id="1" dur="indefinite" restart="never" nodeType="tmRoot"/>
+      </p:par>
+    </p:tnLst>
+  </p:timing>
+</p:sld>
+</file>
+
+<file path=ppt/slides/slide13.xml><?xml version="1.0" encoding="utf-8"?>
+<p:sld xmlns:a="http://schemas.openxmlformats.org/drawingml/2006/main" xmlns:r="http://schemas.openxmlformats.org/officeDocument/2006/relationships" xmlns:p="http://schemas.openxmlformats.org/presentationml/2006/main">
+  <p:cSld>
+    <p:spTree>
+      <p:nvGrpSpPr>
+        <p:cNvPr id="1" name=""/>
+        <p:cNvGrpSpPr/>
+        <p:nvPr/>
+      </p:nvGrpSpPr>
+      <p:grpSpPr>
+        <a:xfrm>
+          <a:off x="0" y="0"/>
+          <a:ext cx="0" cy="0"/>
+          <a:chOff x="0" y="0"/>
+          <a:chExt cx="0" cy="0"/>
+        </a:xfrm>
+      </p:grpSpPr>
+      <p:sp>
+        <p:nvSpPr>
+          <p:cNvPr id="9" name="Content Placeholder 8"/>
+          <p:cNvSpPr>
+            <a:spLocks noGrp="1"/>
+          </p:cNvSpPr>
+          <p:nvPr>
+            <p:ph idx="1"/>
+          </p:nvPr>
+        </p:nvSpPr>
+        <p:spPr>
+          <a:xfrm>
+            <a:off x="381000" y="3475646"/>
+            <a:ext cx="8382000" cy="1267804"/>
+          </a:xfrm>
+        </p:spPr>
+        <p:txBody>
+          <a:bodyPr/>
+          <a:lstStyle/>
+          <a:p>
+            <a:r>
+              <a:rPr lang="en-US" sz="2000" dirty="0"/>
+              <a:t>North/South Latency reduced 50%-85%</a:t>
+            </a:r>
+          </a:p>
+          <a:p>
+            <a:r>
+              <a:rPr lang="en-US" sz="2000" dirty="0" smtClean="0"/>
+              <a:t>10% improvement for East/West traffic between hosts (no </a:t>
+            </a:r>
+            <a:r>
+              <a:rPr lang="en-US" sz="2000" dirty="0" err="1" smtClean="0"/>
+              <a:t>encap</a:t>
+            </a:r>
+            <a:r>
+              <a:rPr lang="en-US" sz="2000" dirty="0" smtClean="0"/>
+              <a:t>)</a:t>
+            </a:r>
+          </a:p>
+          <a:p>
+            <a:r>
+              <a:rPr lang="en-US" sz="2000" dirty="0" smtClean="0"/>
+              <a:t>No </a:t>
+            </a:r>
+            <a:r>
+              <a:rPr lang="en-US" sz="2000" dirty="0"/>
+              <a:t>performance penalty for local </a:t>
+            </a:r>
+            <a:r>
+              <a:rPr lang="en-US" sz="2000" dirty="0" smtClean="0"/>
+              <a:t>on-host East/West traffic</a:t>
+            </a:r>
+            <a:endParaRPr lang="en-US" sz="2000" dirty="0"/>
+          </a:p>
+          <a:p>
+            <a:endParaRPr lang="en-US" sz="2000" dirty="0" smtClean="0"/>
+          </a:p>
+        </p:txBody>
+      </p:sp>
+      <p:sp>
+        <p:nvSpPr>
+          <p:cNvPr id="4" name="Date Placeholder 3"/>
+          <p:cNvSpPr>
+            <a:spLocks noGrp="1"/>
+          </p:cNvSpPr>
+          <p:nvPr>
+            <p:ph type="dt" sz="half" idx="10"/>
+          </p:nvPr>
+        </p:nvSpPr>
+        <p:spPr/>
+        <p:txBody>
+          <a:bodyPr/>
+          <a:lstStyle/>
+          <a:p>
+            <a:pPr>
+              <a:defRPr/>
+            </a:pPr>
+            <a:r>
+              <a:rPr lang="en-US" smtClean="0"/>
+              <a:t>October 2015</a:t>
+            </a:r>
+            <a:endParaRPr lang="en-US" dirty="0"/>
+          </a:p>
+        </p:txBody>
+      </p:sp>
+      <p:sp>
+        <p:nvSpPr>
+          <p:cNvPr id="5" name="Footer Placeholder 4"/>
+          <p:cNvSpPr>
+            <a:spLocks noGrp="1"/>
+          </p:cNvSpPr>
+          <p:nvPr>
+            <p:ph type="ftr" sz="quarter" idx="11"/>
+          </p:nvPr>
+        </p:nvSpPr>
+        <p:spPr/>
+        <p:txBody>
+          <a:bodyPr/>
+          <a:lstStyle/>
+          <a:p>
+            <a:pPr>
+              <a:defRPr/>
+            </a:pPr>
+            <a:r>
+              <a:rPr lang="en-US" smtClean="0"/>
+              <a:t>CONFIDENTIAL</a:t>
+            </a:r>
+            <a:endParaRPr lang="en-US"/>
+          </a:p>
+        </p:txBody>
+      </p:sp>
+      <p:sp>
+        <p:nvSpPr>
+          <p:cNvPr id="6" name="Slide Number Placeholder 5"/>
+          <p:cNvSpPr>
+            <a:spLocks noGrp="1"/>
+          </p:cNvSpPr>
+          <p:nvPr>
+            <p:ph type="sldNum" sz="quarter" idx="12"/>
+          </p:nvPr>
+        </p:nvSpPr>
+        <p:spPr/>
+        <p:txBody>
+          <a:bodyPr/>
+          <a:lstStyle/>
+          <a:p>
+            <a:pPr>
+              <a:defRPr/>
+            </a:pPr>
+            <a:r>
+              <a:rPr lang="en-US" altLang="en-US" smtClean="0"/>
+              <a:t>Slide </a:t>
+            </a:r>
+            <a:fld id="{10E111BE-253C-478D-8508-EF864B59E8C0}" type="slidenum">
+              <a:rPr lang="en-US" altLang="en-US" smtClean="0"/>
+              <a:pPr>
+                <a:defRPr/>
+              </a:pPr>
+              <a:t>12</a:t>
+            </a:fld>
+            <a:endParaRPr lang="en-US" altLang="en-US"/>
+          </a:p>
+        </p:txBody>
+      </p:sp>
+      <p:graphicFrame>
+        <p:nvGraphicFramePr>
+          <p:cNvPr id="8" name="Table 7"/>
+          <p:cNvGraphicFramePr>
+            <a:graphicFrameLocks noGrp="1"/>
+          </p:cNvGraphicFramePr>
+          <p:nvPr>
+            <p:extLst>
+              <p:ext uri="{D42A27DB-BD31-4B8C-83A1-F6EECF244321}">
+                <p14:modId xmlns:p14="http://schemas.microsoft.com/office/powerpoint/2010/main" val="982874670"/>
+              </p:ext>
+            </p:extLst>
+          </p:nvPr>
+        </p:nvGraphicFramePr>
+        <p:xfrm>
+          <a:off x="638846" y="935710"/>
+          <a:ext cx="6028008" cy="2426467"/>
+        </p:xfrm>
+        <a:graphic>
+          <a:graphicData uri="http://schemas.openxmlformats.org/drawingml/2006/table">
+            <a:tbl>
+              <a:tblPr>
+                <a:tableStyleId>{D7AC3CCA-C797-4891-BE02-D94E43425B78}</a:tableStyleId>
+              </a:tblPr>
+              <a:tblGrid>
+                <a:gridCol w="2115488"/>
+                <a:gridCol w="978130"/>
+                <a:gridCol w="978130"/>
+                <a:gridCol w="978130"/>
+                <a:gridCol w="978130"/>
+              </a:tblGrid>
+              <a:tr h="357006">
+                <a:tc>
+                  <a:txBody>
+                    <a:bodyPr/>
+                    <a:lstStyle/>
+                    <a:p>
+                      <a:pPr algn="l" fontAlgn="b"/>
+                      <a:r>
+                        <a:rPr lang="en-US" sz="1600" u="none" strike="noStrike" dirty="0">
+                          <a:effectLst/>
+                        </a:rPr>
+                        <a:t> </a:t>
+                      </a:r>
+                      <a:endParaRPr lang="en-US" sz="1600" b="0" i="0" u="none" strike="noStrike" dirty="0">
+                        <a:solidFill>
+                          <a:srgbClr val="000000"/>
+                        </a:solidFill>
+                        <a:effectLst/>
+                        <a:latin typeface="Calibri" panose="020F0502020204030204" pitchFamily="34" charset="0"/>
+                      </a:endParaRPr>
+                    </a:p>
+                  </a:txBody>
+                  <a:tcPr marL="13281" marR="13281" marT="13281" marB="0" anchor="b">
+                    <a:solidFill>
+                      <a:schemeClr val="bg1">
+                        <a:lumMod val="85000"/>
+                      </a:schemeClr>
+                    </a:solidFill>
+                  </a:tcPr>
+                </a:tc>
+                <a:tc gridSpan="2">
+                  <a:txBody>
+                    <a:bodyPr/>
+                    <a:lstStyle/>
+                    <a:p>
+                      <a:pPr algn="ctr" fontAlgn="b"/>
+                      <a:r>
+                        <a:rPr lang="en-US" sz="1600" u="none" strike="noStrike" dirty="0" smtClean="0">
+                          <a:effectLst/>
+                        </a:rPr>
+                        <a:t>North/South</a:t>
+                      </a:r>
+                      <a:r>
+                        <a:rPr lang="en-US" sz="1600" u="none" strike="noStrike" baseline="0" dirty="0" smtClean="0">
+                          <a:effectLst/>
+                        </a:rPr>
+                        <a:t> </a:t>
+                      </a:r>
+                    </a:p>
+                    <a:p>
+                      <a:pPr algn="ctr" fontAlgn="b"/>
+                      <a:r>
+                        <a:rPr lang="en-US" sz="1600" u="none" strike="noStrike" dirty="0" smtClean="0">
+                          <a:effectLst/>
+                        </a:rPr>
+                        <a:t>(Routed)</a:t>
+                      </a:r>
+                      <a:endParaRPr lang="en-US" sz="1600" b="0" i="0" u="none" strike="noStrike" dirty="0">
+                        <a:solidFill>
+                          <a:srgbClr val="000000"/>
+                        </a:solidFill>
+                        <a:effectLst/>
+                        <a:latin typeface="Calibri" panose="020F0502020204030204" pitchFamily="34" charset="0"/>
+                      </a:endParaRPr>
+                    </a:p>
+                  </a:txBody>
+                  <a:tcPr marL="13281" marR="13281" marT="13281" marB="0" anchor="b">
+                    <a:solidFill>
+                      <a:schemeClr val="tx2">
+                        <a:lumMod val="60000"/>
+                        <a:lumOff val="40000"/>
+                      </a:schemeClr>
+                    </a:solidFill>
+                  </a:tcPr>
+                </a:tc>
+                <a:tc hMerge="1">
+                  <a:txBody>
+                    <a:bodyPr/>
+                    <a:lstStyle/>
+                    <a:p>
+                      <a:endParaRPr lang="en-US"/>
+                    </a:p>
+                  </a:txBody>
+                  <a:tcPr/>
+                </a:tc>
+                <a:tc gridSpan="2">
+                  <a:txBody>
+                    <a:bodyPr/>
+                    <a:lstStyle/>
+                    <a:p>
+                      <a:pPr algn="ctr" fontAlgn="b"/>
+                      <a:r>
+                        <a:rPr lang="en-US" sz="1600" u="none" strike="noStrike" dirty="0" smtClean="0">
+                          <a:effectLst/>
+                        </a:rPr>
+                        <a:t>East/West </a:t>
+                      </a:r>
+                    </a:p>
+                    <a:p>
+                      <a:pPr algn="ctr" fontAlgn="b"/>
+                      <a:r>
+                        <a:rPr lang="en-US" sz="1600" u="none" strike="noStrike" dirty="0" smtClean="0">
+                          <a:effectLst/>
+                        </a:rPr>
+                        <a:t>(Switched)</a:t>
+                      </a:r>
+                      <a:endParaRPr lang="en-US" sz="1600" b="0" i="0" u="none" strike="noStrike" dirty="0">
+                        <a:solidFill>
+                          <a:srgbClr val="000000"/>
+                        </a:solidFill>
+                        <a:effectLst/>
+                        <a:latin typeface="Calibri" panose="020F0502020204030204" pitchFamily="34" charset="0"/>
+                      </a:endParaRPr>
+                    </a:p>
+                  </a:txBody>
+                  <a:tcPr marL="13281" marR="13281" marT="13281" marB="0" anchor="b">
+                    <a:solidFill>
+                      <a:schemeClr val="tx2">
+                        <a:lumMod val="60000"/>
+                        <a:lumOff val="40000"/>
+                      </a:schemeClr>
+                    </a:solidFill>
+                  </a:tcPr>
+                </a:tc>
+                <a:tc hMerge="1">
+                  <a:txBody>
+                    <a:bodyPr/>
+                    <a:lstStyle/>
+                    <a:p>
+                      <a:endParaRPr lang="en-US"/>
+                    </a:p>
+                  </a:txBody>
+                  <a:tcPr>
+                    <a:solidFill>
+                      <a:schemeClr val="tx2">
+                        <a:lumMod val="60000"/>
+                        <a:lumOff val="40000"/>
+                      </a:schemeClr>
+                    </a:solidFill>
+                  </a:tcPr>
+                </a:tc>
+              </a:tr>
+              <a:tr h="343275">
+                <a:tc>
+                  <a:txBody>
+                    <a:bodyPr/>
+                    <a:lstStyle/>
+                    <a:p>
+                      <a:pPr algn="l" fontAlgn="b"/>
+                      <a:r>
+                        <a:rPr lang="en-US" sz="1600" u="none" strike="noStrike" dirty="0">
+                          <a:effectLst/>
+                        </a:rPr>
+                        <a:t>Time (</a:t>
+                      </a:r>
+                      <a:r>
+                        <a:rPr lang="en-US" sz="1600" u="none" strike="noStrike" dirty="0" err="1">
+                          <a:effectLst/>
+                        </a:rPr>
+                        <a:t>ms</a:t>
+                      </a:r>
+                      <a:r>
+                        <a:rPr lang="en-US" sz="1600" u="none" strike="noStrike" dirty="0">
+                          <a:effectLst/>
+                        </a:rPr>
+                        <a:t>)</a:t>
+                      </a:r>
+                      <a:endParaRPr lang="en-US" sz="1600" b="0" i="0" u="none" strike="noStrike" dirty="0">
+                        <a:solidFill>
+                          <a:srgbClr val="000000"/>
+                        </a:solidFill>
+                        <a:effectLst/>
+                        <a:latin typeface="Calibri" panose="020F0502020204030204" pitchFamily="34" charset="0"/>
+                      </a:endParaRPr>
+                    </a:p>
+                  </a:txBody>
+                  <a:tcPr marL="13281" marR="13281" marT="13281" marB="0" anchor="b"/>
+                </a:tc>
+                <a:tc>
+                  <a:txBody>
+                    <a:bodyPr/>
+                    <a:lstStyle/>
+                    <a:p>
+                      <a:pPr algn="ctr" fontAlgn="ctr"/>
+                      <a:r>
+                        <a:rPr lang="en-US" sz="1600" u="none" strike="noStrike" dirty="0">
+                          <a:effectLst/>
+                        </a:rPr>
+                        <a:t>Local</a:t>
+                      </a:r>
+                      <a:endParaRPr lang="en-US" sz="1600" b="0" i="0" u="none" strike="noStrike" dirty="0">
+                        <a:solidFill>
+                          <a:srgbClr val="000000"/>
+                        </a:solidFill>
+                        <a:effectLst/>
+                        <a:latin typeface="Calibri" panose="020F0502020204030204" pitchFamily="34" charset="0"/>
+                      </a:endParaRPr>
+                    </a:p>
+                  </a:txBody>
+                  <a:tcPr marL="13281" marR="13281" marT="13281" marB="0" anchor="ctr">
+                    <a:solidFill>
+                      <a:schemeClr val="tx2">
+                        <a:lumMod val="20000"/>
+                        <a:lumOff val="80000"/>
+                      </a:schemeClr>
+                    </a:solidFill>
+                  </a:tcPr>
+                </a:tc>
+                <a:tc>
+                  <a:txBody>
+                    <a:bodyPr/>
+                    <a:lstStyle/>
+                    <a:p>
+                      <a:pPr algn="ctr" fontAlgn="ctr"/>
+                      <a:r>
+                        <a:rPr lang="en-US" sz="1600" u="none" strike="noStrike" dirty="0">
+                          <a:effectLst/>
+                        </a:rPr>
+                        <a:t>Remote</a:t>
+                      </a:r>
+                      <a:endParaRPr lang="en-US" sz="1600" b="0" i="0" u="none" strike="noStrike" dirty="0">
+                        <a:solidFill>
+                          <a:srgbClr val="000000"/>
+                        </a:solidFill>
+                        <a:effectLst/>
+                        <a:latin typeface="Calibri" panose="020F0502020204030204" pitchFamily="34" charset="0"/>
+                      </a:endParaRPr>
+                    </a:p>
+                  </a:txBody>
+                  <a:tcPr marL="13281" marR="13281" marT="13281" marB="0" anchor="ctr">
+                    <a:solidFill>
+                      <a:schemeClr val="tx2">
+                        <a:lumMod val="20000"/>
+                        <a:lumOff val="80000"/>
+                      </a:schemeClr>
+                    </a:solidFill>
+                  </a:tcPr>
+                </a:tc>
+                <a:tc>
+                  <a:txBody>
+                    <a:bodyPr/>
+                    <a:lstStyle/>
+                    <a:p>
+                      <a:pPr algn="ctr" fontAlgn="ctr"/>
+                      <a:r>
+                        <a:rPr lang="en-US" sz="1600" u="none" strike="noStrike" dirty="0">
+                          <a:effectLst/>
+                        </a:rPr>
+                        <a:t>Local</a:t>
+                      </a:r>
+                      <a:endParaRPr lang="en-US" sz="1600" b="0" i="0" u="none" strike="noStrike" dirty="0">
+                        <a:solidFill>
+                          <a:srgbClr val="000000"/>
+                        </a:solidFill>
+                        <a:effectLst/>
+                        <a:latin typeface="Calibri" panose="020F0502020204030204" pitchFamily="34" charset="0"/>
+                      </a:endParaRPr>
+                    </a:p>
+                  </a:txBody>
+                  <a:tcPr marL="13281" marR="13281" marT="13281" marB="0" anchor="ctr">
+                    <a:solidFill>
+                      <a:schemeClr val="tx2">
+                        <a:lumMod val="20000"/>
+                        <a:lumOff val="80000"/>
+                      </a:schemeClr>
+                    </a:solidFill>
+                  </a:tcPr>
+                </a:tc>
+                <a:tc>
+                  <a:txBody>
+                    <a:bodyPr/>
+                    <a:lstStyle/>
+                    <a:p>
+                      <a:pPr algn="ctr" fontAlgn="ctr"/>
+                      <a:r>
+                        <a:rPr lang="en-US" sz="1600" u="none" strike="noStrike" dirty="0">
+                          <a:effectLst/>
+                        </a:rPr>
+                        <a:t>Remote</a:t>
+                      </a:r>
+                      <a:endParaRPr lang="en-US" sz="1600" b="0" i="0" u="none" strike="noStrike" dirty="0">
+                        <a:solidFill>
+                          <a:srgbClr val="000000"/>
+                        </a:solidFill>
+                        <a:effectLst/>
+                        <a:latin typeface="Calibri" panose="020F0502020204030204" pitchFamily="34" charset="0"/>
+                      </a:endParaRPr>
+                    </a:p>
+                  </a:txBody>
+                  <a:tcPr marL="13281" marR="13281" marT="13281" marB="0" anchor="ctr">
+                    <a:solidFill>
+                      <a:schemeClr val="tx2">
+                        <a:lumMod val="20000"/>
+                        <a:lumOff val="80000"/>
+                      </a:schemeClr>
+                    </a:solidFill>
+                  </a:tcPr>
+                </a:tc>
+              </a:tr>
+              <a:tr h="329544">
+                <a:tc>
+                  <a:txBody>
+                    <a:bodyPr/>
+                    <a:lstStyle/>
+                    <a:p>
+                      <a:pPr algn="r" fontAlgn="b"/>
+                      <a:r>
+                        <a:rPr lang="en-US" sz="1600" u="none" strike="noStrike" kern="1200" dirty="0" smtClean="0">
+                          <a:solidFill>
+                            <a:schemeClr val="dk1"/>
+                          </a:solidFill>
+                          <a:effectLst/>
+                          <a:latin typeface="+mn-lt"/>
+                          <a:ea typeface="+mn-ea"/>
+                          <a:cs typeface="+mn-cs"/>
+                        </a:rPr>
+                        <a:t>Native OpenStack</a:t>
+                      </a:r>
+                      <a:endParaRPr lang="en-US" sz="1600" u="none" strike="noStrike" kern="1200" dirty="0">
+                        <a:solidFill>
+                          <a:schemeClr val="dk1"/>
+                        </a:solidFill>
+                        <a:effectLst/>
+                        <a:latin typeface="+mn-lt"/>
+                        <a:ea typeface="+mn-ea"/>
+                        <a:cs typeface="+mn-cs"/>
+                      </a:endParaRPr>
+                    </a:p>
+                  </a:txBody>
+                  <a:tcPr marL="7620" marR="7620" marT="7620" marB="0" anchor="b"/>
+                </a:tc>
+                <a:tc>
+                  <a:txBody>
+                    <a:bodyPr/>
+                    <a:lstStyle/>
+                    <a:p>
+                      <a:pPr algn="ctr" fontAlgn="b"/>
+                      <a:r>
+                        <a:rPr lang="en-US" sz="1600" u="none" strike="noStrike" kern="1200" dirty="0" smtClean="0">
+                          <a:solidFill>
+                            <a:schemeClr val="dk1"/>
+                          </a:solidFill>
+                          <a:effectLst/>
+                          <a:latin typeface="+mn-lt"/>
+                          <a:ea typeface="+mn-ea"/>
+                          <a:cs typeface="+mn-cs"/>
+                        </a:rPr>
+                        <a:t>1.51*</a:t>
+                      </a:r>
+                      <a:endParaRPr lang="en-US" sz="1600" u="none" strike="noStrike" kern="1200" dirty="0">
+                        <a:solidFill>
+                          <a:schemeClr val="dk1"/>
+                        </a:solidFill>
+                        <a:effectLst/>
+                        <a:latin typeface="+mn-lt"/>
+                        <a:ea typeface="+mn-ea"/>
+                        <a:cs typeface="+mn-cs"/>
+                      </a:endParaRPr>
+                    </a:p>
+                  </a:txBody>
+                  <a:tcPr marL="7620" marR="7620" marT="7620" marB="0" anchor="b"/>
+                </a:tc>
+                <a:tc>
+                  <a:txBody>
+                    <a:bodyPr/>
+                    <a:lstStyle/>
+                    <a:p>
+                      <a:pPr algn="ctr" fontAlgn="b"/>
+                      <a:r>
+                        <a:rPr lang="en-US" sz="1600" u="none" strike="noStrike" kern="1200" dirty="0" smtClean="0">
+                          <a:solidFill>
+                            <a:schemeClr val="dk1"/>
+                          </a:solidFill>
+                          <a:effectLst/>
+                          <a:latin typeface="+mn-lt"/>
+                          <a:ea typeface="+mn-ea"/>
+                          <a:cs typeface="+mn-cs"/>
+                        </a:rPr>
+                        <a:t>1.51</a:t>
+                      </a:r>
+                      <a:endParaRPr lang="en-US" sz="1600" u="none" strike="noStrike" kern="1200" dirty="0">
+                        <a:solidFill>
+                          <a:schemeClr val="dk1"/>
+                        </a:solidFill>
+                        <a:effectLst/>
+                        <a:latin typeface="+mn-lt"/>
+                        <a:ea typeface="+mn-ea"/>
+                        <a:cs typeface="+mn-cs"/>
+                      </a:endParaRPr>
+                    </a:p>
+                  </a:txBody>
+                  <a:tcPr marL="7620" marR="7620" marT="7620" marB="0" anchor="b"/>
+                </a:tc>
+                <a:tc>
+                  <a:txBody>
+                    <a:bodyPr/>
+                    <a:lstStyle/>
+                    <a:p>
+                      <a:pPr algn="ctr" fontAlgn="b"/>
+                      <a:r>
+                        <a:rPr lang="en-US" sz="1600" u="none" strike="noStrike" kern="1200" dirty="0" smtClean="0">
+                          <a:solidFill>
+                            <a:schemeClr val="dk1"/>
+                          </a:solidFill>
+                          <a:effectLst/>
+                          <a:latin typeface="+mn-lt"/>
+                          <a:ea typeface="+mn-ea"/>
+                          <a:cs typeface="+mn-cs"/>
+                        </a:rPr>
+                        <a:t>0.24</a:t>
+                      </a:r>
+                      <a:endParaRPr lang="en-US" sz="1600" u="none" strike="noStrike" kern="1200" dirty="0">
+                        <a:solidFill>
+                          <a:schemeClr val="dk1"/>
+                        </a:solidFill>
+                        <a:effectLst/>
+                        <a:latin typeface="+mn-lt"/>
+                        <a:ea typeface="+mn-ea"/>
+                        <a:cs typeface="+mn-cs"/>
+                      </a:endParaRPr>
+                    </a:p>
+                  </a:txBody>
+                  <a:tcPr marL="7620" marR="7620" marT="7620" marB="0" anchor="b"/>
+                </a:tc>
+                <a:tc>
+                  <a:txBody>
+                    <a:bodyPr/>
+                    <a:lstStyle/>
+                    <a:p>
+                      <a:pPr algn="ctr" fontAlgn="b"/>
+                      <a:r>
+                        <a:rPr lang="en-US" sz="1600" u="none" strike="noStrike" kern="1200" dirty="0" smtClean="0">
+                          <a:solidFill>
+                            <a:schemeClr val="dk1"/>
+                          </a:solidFill>
+                          <a:effectLst/>
+                          <a:latin typeface="+mn-lt"/>
+                          <a:ea typeface="+mn-ea"/>
+                          <a:cs typeface="+mn-cs"/>
+                        </a:rPr>
+                        <a:t>0.85</a:t>
+                      </a:r>
+                      <a:endParaRPr lang="en-US" sz="1600" u="none" strike="noStrike" kern="1200" dirty="0">
+                        <a:solidFill>
+                          <a:schemeClr val="dk1"/>
+                        </a:solidFill>
+                        <a:effectLst/>
+                        <a:latin typeface="+mn-lt"/>
+                        <a:ea typeface="+mn-ea"/>
+                        <a:cs typeface="+mn-cs"/>
+                      </a:endParaRPr>
+                    </a:p>
+                  </a:txBody>
+                  <a:tcPr marL="7620" marR="7620" marT="7620" marB="0" anchor="b"/>
+                </a:tc>
+              </a:tr>
+              <a:tr h="343275">
+                <a:tc>
+                  <a:txBody>
+                    <a:bodyPr/>
+                    <a:lstStyle/>
+                    <a:p>
+                      <a:pPr algn="r" fontAlgn="b"/>
+                      <a:r>
+                        <a:rPr lang="en-US" sz="1600" u="none" strike="noStrike" kern="1200" dirty="0" smtClean="0">
+                          <a:solidFill>
+                            <a:schemeClr val="dk1"/>
+                          </a:solidFill>
+                          <a:effectLst/>
+                          <a:latin typeface="+mn-lt"/>
+                          <a:ea typeface="+mn-ea"/>
+                          <a:cs typeface="+mn-cs"/>
+                        </a:rPr>
+                        <a:t>Romana </a:t>
+                      </a:r>
+                      <a:r>
+                        <a:rPr lang="en-US" sz="1600" u="none" strike="noStrike" kern="1200" dirty="0">
+                          <a:solidFill>
+                            <a:schemeClr val="dk1"/>
+                          </a:solidFill>
+                          <a:effectLst/>
+                          <a:latin typeface="+mn-lt"/>
+                          <a:ea typeface="+mn-ea"/>
+                          <a:cs typeface="+mn-cs"/>
+                        </a:rPr>
+                        <a:t>Networks</a:t>
+                      </a:r>
+                    </a:p>
+                  </a:txBody>
+                  <a:tcPr marL="7620" marR="7620" marT="7620" marB="0" anchor="b"/>
+                </a:tc>
+                <a:tc>
+                  <a:txBody>
+                    <a:bodyPr/>
+                    <a:lstStyle/>
+                    <a:p>
+                      <a:pPr algn="ctr" fontAlgn="b"/>
+                      <a:r>
+                        <a:rPr lang="en-US" sz="1600" u="none" strike="noStrike" kern="1200" dirty="0" smtClean="0">
+                          <a:solidFill>
+                            <a:schemeClr val="dk1"/>
+                          </a:solidFill>
+                          <a:effectLst/>
+                          <a:latin typeface="+mn-lt"/>
+                          <a:ea typeface="+mn-ea"/>
+                          <a:cs typeface="+mn-cs"/>
+                        </a:rPr>
+                        <a:t>0.24</a:t>
+                      </a:r>
+                      <a:endParaRPr lang="en-US" sz="1600" u="none" strike="noStrike" kern="1200" dirty="0">
+                        <a:solidFill>
+                          <a:schemeClr val="dk1"/>
+                        </a:solidFill>
+                        <a:effectLst/>
+                        <a:latin typeface="+mn-lt"/>
+                        <a:ea typeface="+mn-ea"/>
+                        <a:cs typeface="+mn-cs"/>
+                      </a:endParaRPr>
+                    </a:p>
+                  </a:txBody>
+                  <a:tcPr marL="7620" marR="7620" marT="7620" marB="0" anchor="b"/>
+                </a:tc>
+                <a:tc>
+                  <a:txBody>
+                    <a:bodyPr/>
+                    <a:lstStyle/>
+                    <a:p>
+                      <a:pPr algn="ctr" fontAlgn="b"/>
+                      <a:r>
+                        <a:rPr lang="en-US" sz="1600" u="none" strike="noStrike" kern="1200" dirty="0" smtClean="0">
+                          <a:solidFill>
+                            <a:schemeClr val="dk1"/>
+                          </a:solidFill>
+                          <a:effectLst/>
+                          <a:latin typeface="+mn-lt"/>
+                          <a:ea typeface="+mn-ea"/>
+                          <a:cs typeface="+mn-cs"/>
+                        </a:rPr>
+                        <a:t>0.77</a:t>
+                      </a:r>
+                      <a:endParaRPr lang="en-US" sz="1600" u="none" strike="noStrike" kern="1200" dirty="0">
+                        <a:solidFill>
+                          <a:schemeClr val="dk1"/>
+                        </a:solidFill>
+                        <a:effectLst/>
+                        <a:latin typeface="+mn-lt"/>
+                        <a:ea typeface="+mn-ea"/>
+                        <a:cs typeface="+mn-cs"/>
+                      </a:endParaRPr>
+                    </a:p>
+                  </a:txBody>
+                  <a:tcPr marL="7620" marR="7620" marT="7620" marB="0" anchor="b"/>
+                </a:tc>
+                <a:tc>
+                  <a:txBody>
+                    <a:bodyPr/>
+                    <a:lstStyle/>
+                    <a:p>
+                      <a:pPr algn="ctr" fontAlgn="b"/>
+                      <a:r>
+                        <a:rPr lang="en-US" sz="1600" u="none" strike="noStrike" kern="1200" dirty="0" smtClean="0">
+                          <a:solidFill>
+                            <a:schemeClr val="dk1"/>
+                          </a:solidFill>
+                          <a:effectLst/>
+                          <a:latin typeface="+mn-lt"/>
+                          <a:ea typeface="+mn-ea"/>
+                          <a:cs typeface="+mn-cs"/>
+                        </a:rPr>
+                        <a:t>0.24**</a:t>
+                      </a:r>
+                      <a:endParaRPr lang="en-US" sz="1600" u="none" strike="noStrike" kern="1200" dirty="0">
+                        <a:solidFill>
+                          <a:schemeClr val="dk1"/>
+                        </a:solidFill>
+                        <a:effectLst/>
+                        <a:latin typeface="+mn-lt"/>
+                        <a:ea typeface="+mn-ea"/>
+                        <a:cs typeface="+mn-cs"/>
+                      </a:endParaRPr>
+                    </a:p>
+                  </a:txBody>
+                  <a:tcPr marL="7620" marR="7620" marT="7620" marB="0" anchor="b"/>
+                </a:tc>
+                <a:tc>
+                  <a:txBody>
+                    <a:bodyPr/>
+                    <a:lstStyle/>
+                    <a:p>
+                      <a:pPr algn="ctr" fontAlgn="b"/>
+                      <a:r>
+                        <a:rPr lang="en-US" sz="1600" u="none" strike="noStrike" kern="1200" dirty="0" smtClean="0">
+                          <a:solidFill>
+                            <a:schemeClr val="dk1"/>
+                          </a:solidFill>
+                          <a:effectLst/>
+                          <a:latin typeface="+mn-lt"/>
+                          <a:ea typeface="+mn-ea"/>
+                          <a:cs typeface="+mn-cs"/>
+                        </a:rPr>
+                        <a:t>0.77**</a:t>
+                      </a:r>
+                      <a:endParaRPr lang="en-US" sz="1600" u="none" strike="noStrike" kern="1200" dirty="0">
+                        <a:solidFill>
+                          <a:schemeClr val="dk1"/>
+                        </a:solidFill>
+                        <a:effectLst/>
+                        <a:latin typeface="+mn-lt"/>
+                        <a:ea typeface="+mn-ea"/>
+                        <a:cs typeface="+mn-cs"/>
+                      </a:endParaRPr>
+                    </a:p>
+                  </a:txBody>
+                  <a:tcPr marL="7620" marR="7620" marT="7620" marB="0" anchor="b"/>
+                </a:tc>
+              </a:tr>
+              <a:tr h="343275">
+                <a:tc>
+                  <a:txBody>
+                    <a:bodyPr/>
+                    <a:lstStyle/>
+                    <a:p>
+                      <a:pPr algn="l" fontAlgn="b"/>
+                      <a:r>
+                        <a:rPr lang="en-US" sz="1600" u="none" strike="noStrike" dirty="0">
+                          <a:effectLst/>
+                        </a:rPr>
+                        <a:t>Relative Performance</a:t>
+                      </a:r>
+                      <a:endParaRPr lang="en-US" sz="1600" b="0" i="0" u="none" strike="noStrike" dirty="0">
+                        <a:solidFill>
+                          <a:srgbClr val="000000"/>
+                        </a:solidFill>
+                        <a:effectLst/>
+                        <a:latin typeface="Calibri" panose="020F0502020204030204" pitchFamily="34" charset="0"/>
+                      </a:endParaRPr>
+                    </a:p>
+                  </a:txBody>
+                  <a:tcPr marL="13281" marR="13281" marT="13281" marB="0" anchor="b"/>
+                </a:tc>
+                <a:tc>
+                  <a:txBody>
+                    <a:bodyPr/>
+                    <a:lstStyle/>
+                    <a:p>
+                      <a:pPr algn="ctr" fontAlgn="ctr"/>
+                      <a:r>
+                        <a:rPr lang="en-US" sz="1600" u="none" strike="noStrike" dirty="0">
+                          <a:effectLst/>
+                        </a:rPr>
+                        <a:t>Local</a:t>
+                      </a:r>
+                      <a:endParaRPr lang="en-US" sz="1600" b="0" i="0" u="none" strike="noStrike" dirty="0">
+                        <a:solidFill>
+                          <a:srgbClr val="000000"/>
+                        </a:solidFill>
+                        <a:effectLst/>
+                        <a:latin typeface="Calibri" panose="020F0502020204030204" pitchFamily="34" charset="0"/>
+                      </a:endParaRPr>
+                    </a:p>
+                  </a:txBody>
+                  <a:tcPr marL="13281" marR="13281" marT="13281" marB="0" anchor="ctr">
+                    <a:solidFill>
+                      <a:schemeClr val="tx2">
+                        <a:lumMod val="20000"/>
+                        <a:lumOff val="80000"/>
+                      </a:schemeClr>
+                    </a:solidFill>
+                  </a:tcPr>
+                </a:tc>
+                <a:tc>
+                  <a:txBody>
+                    <a:bodyPr/>
+                    <a:lstStyle/>
+                    <a:p>
+                      <a:pPr algn="ctr" fontAlgn="ctr"/>
+                      <a:r>
+                        <a:rPr lang="en-US" sz="1600" u="none" strike="noStrike" dirty="0">
+                          <a:effectLst/>
+                        </a:rPr>
+                        <a:t>Remote</a:t>
+                      </a:r>
+                      <a:endParaRPr lang="en-US" sz="1600" b="0" i="0" u="none" strike="noStrike" dirty="0">
+                        <a:solidFill>
+                          <a:srgbClr val="000000"/>
+                        </a:solidFill>
+                        <a:effectLst/>
+                        <a:latin typeface="Calibri" panose="020F0502020204030204" pitchFamily="34" charset="0"/>
+                      </a:endParaRPr>
+                    </a:p>
+                  </a:txBody>
+                  <a:tcPr marL="13281" marR="13281" marT="13281" marB="0" anchor="ctr">
+                    <a:solidFill>
+                      <a:schemeClr val="tx2">
+                        <a:lumMod val="20000"/>
+                        <a:lumOff val="80000"/>
+                      </a:schemeClr>
+                    </a:solidFill>
+                  </a:tcPr>
+                </a:tc>
+                <a:tc>
+                  <a:txBody>
+                    <a:bodyPr/>
+                    <a:lstStyle/>
+                    <a:p>
+                      <a:pPr algn="ctr" fontAlgn="ctr"/>
+                      <a:r>
+                        <a:rPr lang="en-US" sz="1600" u="none" strike="noStrike" dirty="0">
+                          <a:effectLst/>
+                        </a:rPr>
+                        <a:t>Local</a:t>
+                      </a:r>
+                      <a:endParaRPr lang="en-US" sz="1600" b="0" i="0" u="none" strike="noStrike" dirty="0">
+                        <a:solidFill>
+                          <a:srgbClr val="000000"/>
+                        </a:solidFill>
+                        <a:effectLst/>
+                        <a:latin typeface="Calibri" panose="020F0502020204030204" pitchFamily="34" charset="0"/>
+                      </a:endParaRPr>
+                    </a:p>
+                  </a:txBody>
+                  <a:tcPr marL="13281" marR="13281" marT="13281" marB="0" anchor="ctr">
+                    <a:solidFill>
+                      <a:schemeClr val="tx2">
+                        <a:lumMod val="20000"/>
+                        <a:lumOff val="80000"/>
+                      </a:schemeClr>
+                    </a:solidFill>
+                  </a:tcPr>
+                </a:tc>
+                <a:tc>
+                  <a:txBody>
+                    <a:bodyPr/>
+                    <a:lstStyle/>
+                    <a:p>
+                      <a:pPr algn="ctr" fontAlgn="ctr"/>
+                      <a:r>
+                        <a:rPr lang="en-US" sz="1600" u="none" strike="noStrike" dirty="0">
+                          <a:effectLst/>
+                        </a:rPr>
+                        <a:t>Remote</a:t>
+                      </a:r>
+                      <a:endParaRPr lang="en-US" sz="1600" b="0" i="0" u="none" strike="noStrike" dirty="0">
+                        <a:solidFill>
+                          <a:srgbClr val="000000"/>
+                        </a:solidFill>
+                        <a:effectLst/>
+                        <a:latin typeface="Calibri" panose="020F0502020204030204" pitchFamily="34" charset="0"/>
+                      </a:endParaRPr>
+                    </a:p>
+                  </a:txBody>
+                  <a:tcPr marL="13281" marR="13281" marT="13281" marB="0" anchor="ctr">
+                    <a:solidFill>
+                      <a:schemeClr val="tx2">
+                        <a:lumMod val="20000"/>
+                        <a:lumOff val="80000"/>
+                      </a:schemeClr>
+                    </a:solidFill>
+                  </a:tcPr>
+                </a:tc>
+              </a:tr>
+              <a:tr h="300291">
+                <a:tc>
+                  <a:txBody>
+                    <a:bodyPr/>
+                    <a:lstStyle/>
+                    <a:p>
+                      <a:pPr algn="r" fontAlgn="b"/>
+                      <a:r>
+                        <a:rPr lang="en-US" sz="1600" u="none" strike="noStrike" kern="1200" dirty="0" smtClean="0">
+                          <a:solidFill>
+                            <a:schemeClr val="dk1"/>
+                          </a:solidFill>
+                          <a:effectLst/>
+                          <a:latin typeface="+mn-lt"/>
+                          <a:ea typeface="+mn-ea"/>
+                          <a:cs typeface="+mn-cs"/>
+                        </a:rPr>
+                        <a:t>Native</a:t>
+                      </a:r>
+                      <a:r>
+                        <a:rPr lang="en-US" sz="1600" u="none" strike="noStrike" kern="1200" baseline="0" dirty="0" smtClean="0">
+                          <a:solidFill>
+                            <a:schemeClr val="dk1"/>
+                          </a:solidFill>
+                          <a:effectLst/>
+                          <a:latin typeface="+mn-lt"/>
+                          <a:ea typeface="+mn-ea"/>
+                          <a:cs typeface="+mn-cs"/>
+                        </a:rPr>
+                        <a:t> </a:t>
+                      </a:r>
+                      <a:r>
+                        <a:rPr lang="en-US" sz="1600" u="none" strike="noStrike" kern="1200" dirty="0" smtClean="0">
+                          <a:solidFill>
+                            <a:schemeClr val="dk1"/>
+                          </a:solidFill>
+                          <a:effectLst/>
+                          <a:latin typeface="+mn-lt"/>
+                          <a:ea typeface="+mn-ea"/>
+                          <a:cs typeface="+mn-cs"/>
+                        </a:rPr>
+                        <a:t>OpenStack</a:t>
+                      </a:r>
+                      <a:endParaRPr lang="en-US" sz="1600" u="none" strike="noStrike" kern="1200" dirty="0">
+                        <a:solidFill>
+                          <a:schemeClr val="dk1"/>
+                        </a:solidFill>
+                        <a:effectLst/>
+                        <a:latin typeface="+mn-lt"/>
+                        <a:ea typeface="+mn-ea"/>
+                        <a:cs typeface="+mn-cs"/>
+                      </a:endParaRPr>
+                    </a:p>
+                  </a:txBody>
+                  <a:tcPr marL="7620" marR="7620" marT="7620" marB="0" anchor="b"/>
+                </a:tc>
+                <a:tc>
+                  <a:txBody>
+                    <a:bodyPr/>
+                    <a:lstStyle/>
+                    <a:p>
+                      <a:pPr algn="ctr" fontAlgn="b"/>
+                      <a:r>
+                        <a:rPr lang="en-US" sz="1600" u="none" strike="noStrike" kern="1200">
+                          <a:solidFill>
+                            <a:schemeClr val="dk1"/>
+                          </a:solidFill>
+                          <a:effectLst/>
+                          <a:latin typeface="+mn-lt"/>
+                          <a:ea typeface="+mn-ea"/>
+                          <a:cs typeface="+mn-cs"/>
+                        </a:rPr>
+                        <a:t>100%</a:t>
+                      </a:r>
+                    </a:p>
+                  </a:txBody>
+                  <a:tcPr marL="7620" marR="7620" marT="7620" marB="0" anchor="b"/>
+                </a:tc>
+                <a:tc>
+                  <a:txBody>
+                    <a:bodyPr/>
+                    <a:lstStyle/>
+                    <a:p>
+                      <a:pPr algn="ctr" fontAlgn="b"/>
+                      <a:r>
+                        <a:rPr lang="en-US" sz="1600" u="none" strike="noStrike" kern="1200">
+                          <a:solidFill>
+                            <a:schemeClr val="dk1"/>
+                          </a:solidFill>
+                          <a:effectLst/>
+                          <a:latin typeface="+mn-lt"/>
+                          <a:ea typeface="+mn-ea"/>
+                          <a:cs typeface="+mn-cs"/>
+                        </a:rPr>
+                        <a:t>100%</a:t>
+                      </a:r>
+                    </a:p>
+                  </a:txBody>
+                  <a:tcPr marL="7620" marR="7620" marT="7620" marB="0" anchor="b"/>
+                </a:tc>
+                <a:tc>
+                  <a:txBody>
+                    <a:bodyPr/>
+                    <a:lstStyle/>
+                    <a:p>
+                      <a:pPr algn="ctr" fontAlgn="b"/>
+                      <a:r>
+                        <a:rPr lang="en-US" sz="1600" u="none" strike="noStrike" kern="1200" dirty="0">
+                          <a:solidFill>
+                            <a:schemeClr val="dk1"/>
+                          </a:solidFill>
+                          <a:effectLst/>
+                          <a:latin typeface="+mn-lt"/>
+                          <a:ea typeface="+mn-ea"/>
+                          <a:cs typeface="+mn-cs"/>
+                        </a:rPr>
+                        <a:t>100%</a:t>
+                      </a:r>
+                    </a:p>
+                  </a:txBody>
+                  <a:tcPr marL="7620" marR="7620" marT="7620" marB="0" anchor="b"/>
+                </a:tc>
+                <a:tc>
+                  <a:txBody>
+                    <a:bodyPr/>
+                    <a:lstStyle/>
+                    <a:p>
+                      <a:pPr algn="ctr" fontAlgn="b"/>
+                      <a:r>
+                        <a:rPr lang="en-US" sz="1600" u="none" strike="noStrike" kern="1200" dirty="0">
+                          <a:solidFill>
+                            <a:schemeClr val="dk1"/>
+                          </a:solidFill>
+                          <a:effectLst/>
+                          <a:latin typeface="+mn-lt"/>
+                          <a:ea typeface="+mn-ea"/>
+                          <a:cs typeface="+mn-cs"/>
+                        </a:rPr>
+                        <a:t>100%</a:t>
+                      </a:r>
+                    </a:p>
+                  </a:txBody>
+                  <a:tcPr marL="7620" marR="7620" marT="7620" marB="0" anchor="b"/>
+                </a:tc>
+              </a:tr>
+              <a:tr h="265846">
+                <a:tc>
+                  <a:txBody>
+                    <a:bodyPr/>
+                    <a:lstStyle/>
+                    <a:p>
+                      <a:pPr algn="r" fontAlgn="b"/>
+                      <a:r>
+                        <a:rPr lang="en-US" sz="1600" u="none" strike="noStrike" kern="1200" dirty="0" smtClean="0">
+                          <a:solidFill>
+                            <a:schemeClr val="dk1"/>
+                          </a:solidFill>
+                          <a:effectLst/>
+                          <a:latin typeface="+mn-lt"/>
+                          <a:ea typeface="+mn-ea"/>
+                          <a:cs typeface="+mn-cs"/>
+                        </a:rPr>
+                        <a:t>Romana </a:t>
+                      </a:r>
+                      <a:r>
+                        <a:rPr lang="en-US" sz="1600" u="none" strike="noStrike" kern="1200" dirty="0">
+                          <a:solidFill>
+                            <a:schemeClr val="dk1"/>
+                          </a:solidFill>
+                          <a:effectLst/>
+                          <a:latin typeface="+mn-lt"/>
+                          <a:ea typeface="+mn-ea"/>
+                          <a:cs typeface="+mn-cs"/>
+                        </a:rPr>
+                        <a:t>Networks</a:t>
+                      </a:r>
+                    </a:p>
+                  </a:txBody>
+                  <a:tcPr marL="7620" marR="7620" marT="7620" marB="0" anchor="b"/>
+                </a:tc>
+                <a:tc>
+                  <a:txBody>
+                    <a:bodyPr/>
+                    <a:lstStyle/>
+                    <a:p>
+                      <a:pPr algn="ctr" fontAlgn="b"/>
+                      <a:r>
+                        <a:rPr lang="en-US" sz="1600" u="none" strike="noStrike" kern="1200" dirty="0">
+                          <a:solidFill>
+                            <a:schemeClr val="dk1"/>
+                          </a:solidFill>
+                          <a:effectLst/>
+                          <a:latin typeface="+mn-lt"/>
+                          <a:ea typeface="+mn-ea"/>
+                          <a:cs typeface="+mn-cs"/>
+                        </a:rPr>
+                        <a:t>16%</a:t>
+                      </a:r>
+                    </a:p>
+                  </a:txBody>
+                  <a:tcPr marL="7620" marR="7620" marT="7620" marB="0" anchor="b"/>
+                </a:tc>
+                <a:tc>
+                  <a:txBody>
+                    <a:bodyPr/>
+                    <a:lstStyle/>
+                    <a:p>
+                      <a:pPr algn="ctr" fontAlgn="b"/>
+                      <a:r>
+                        <a:rPr lang="en-US" sz="1600" u="none" strike="noStrike" kern="1200" dirty="0">
+                          <a:solidFill>
+                            <a:schemeClr val="dk1"/>
+                          </a:solidFill>
+                          <a:effectLst/>
+                          <a:latin typeface="+mn-lt"/>
+                          <a:ea typeface="+mn-ea"/>
+                          <a:cs typeface="+mn-cs"/>
+                        </a:rPr>
+                        <a:t>51%</a:t>
+                      </a:r>
+                    </a:p>
+                  </a:txBody>
+                  <a:tcPr marL="7620" marR="7620" marT="7620" marB="0" anchor="b"/>
+                </a:tc>
+                <a:tc>
+                  <a:txBody>
+                    <a:bodyPr/>
+                    <a:lstStyle/>
+                    <a:p>
+                      <a:pPr algn="ctr" fontAlgn="b"/>
+                      <a:r>
+                        <a:rPr lang="en-US" sz="1600" u="none" strike="noStrike" kern="1200">
+                          <a:solidFill>
+                            <a:schemeClr val="dk1"/>
+                          </a:solidFill>
+                          <a:effectLst/>
+                          <a:latin typeface="+mn-lt"/>
+                          <a:ea typeface="+mn-ea"/>
+                          <a:cs typeface="+mn-cs"/>
+                        </a:rPr>
+                        <a:t>100%</a:t>
+                      </a:r>
+                    </a:p>
+                  </a:txBody>
+                  <a:tcPr marL="7620" marR="7620" marT="7620" marB="0" anchor="b"/>
+                </a:tc>
+                <a:tc>
+                  <a:txBody>
+                    <a:bodyPr/>
+                    <a:lstStyle/>
+                    <a:p>
+                      <a:pPr algn="ctr" fontAlgn="b"/>
+                      <a:r>
+                        <a:rPr lang="en-US" sz="1600" u="none" strike="noStrike" kern="1200" dirty="0">
+                          <a:solidFill>
+                            <a:schemeClr val="dk1"/>
+                          </a:solidFill>
+                          <a:effectLst/>
+                          <a:latin typeface="+mn-lt"/>
+                          <a:ea typeface="+mn-ea"/>
+                          <a:cs typeface="+mn-cs"/>
+                        </a:rPr>
+                        <a:t>90%</a:t>
+                      </a:r>
+                    </a:p>
+                  </a:txBody>
+                  <a:tcPr marL="7620" marR="7620" marT="7620" marB="0" anchor="b"/>
+                </a:tc>
+              </a:tr>
+            </a:tbl>
+          </a:graphicData>
+        </a:graphic>
+      </p:graphicFrame>
+      <p:sp>
+        <p:nvSpPr>
+          <p:cNvPr id="10" name="TextBox 9"/>
+          <p:cNvSpPr txBox="1"/>
+          <p:nvPr/>
+        </p:nvSpPr>
+        <p:spPr>
+          <a:xfrm>
+            <a:off x="6666854" y="2750477"/>
+            <a:ext cx="1791346" cy="861774"/>
+          </a:xfrm>
+          <a:prstGeom prst="rect">
+            <a:avLst/>
+          </a:prstGeom>
+          <a:noFill/>
+        </p:spPr>
+        <p:txBody>
+          <a:bodyPr wrap="square" rtlCol="0">
+            <a:spAutoFit/>
+          </a:bodyPr>
+          <a:lstStyle/>
+          <a:p>
+            <a:r>
+              <a:rPr lang="en-US" sz="1000" dirty="0" smtClean="0"/>
+              <a:t>*  All N/S OpenStack traffic </a:t>
+            </a:r>
+          </a:p>
+          <a:p>
+            <a:r>
+              <a:rPr lang="en-US" sz="1000" dirty="0"/>
+              <a:t> </a:t>
+            </a:r>
+            <a:r>
+              <a:rPr lang="en-US" sz="1000" dirty="0" smtClean="0"/>
+              <a:t>   goes off host</a:t>
+            </a:r>
+          </a:p>
+          <a:p>
+            <a:r>
+              <a:rPr lang="en-US" sz="1000" dirty="0" smtClean="0"/>
+              <a:t>** </a:t>
+            </a:r>
+            <a:r>
+              <a:rPr lang="en-US" sz="1000" dirty="0"/>
+              <a:t>All </a:t>
+            </a:r>
+            <a:r>
+              <a:rPr lang="en-US" sz="1000" dirty="0" smtClean="0"/>
+              <a:t>Romana </a:t>
+            </a:r>
+            <a:r>
+              <a:rPr lang="en-US" sz="1000" dirty="0"/>
+              <a:t>traffic is routed</a:t>
+            </a:r>
+          </a:p>
+          <a:p>
+            <a:endParaRPr lang="en-US" sz="1000" dirty="0"/>
+          </a:p>
+        </p:txBody>
+      </p:sp>
+    </p:spTree>
+    <p:extLst>
+      <p:ext uri="{BB962C8B-B14F-4D97-AF65-F5344CB8AC3E}">
+        <p14:creationId xmlns:p14="http://schemas.microsoft.com/office/powerpoint/2010/main" val="721469545"/>
       </p:ext>
     </p:extLst>
   </p:cSld>
@@ -22849,7 +24156,11 @@
             <a:pPr algn="ctr"/>
             <a:r>
               <a:rPr lang="en-US" sz="800" dirty="0" smtClean="0"/>
-              <a:t>Pani Router</a:t>
+              <a:t>Romana </a:t>
+            </a:r>
+            <a:r>
+              <a:rPr lang="en-US" sz="800" dirty="0" smtClean="0"/>
+              <a:t>Router</a:t>
             </a:r>
             <a:endParaRPr lang="en-US" sz="800" dirty="0"/>
           </a:p>
@@ -22893,7 +24204,11 @@
             <a:pPr algn="ctr"/>
             <a:r>
               <a:rPr lang="en-US" sz="800" dirty="0" smtClean="0"/>
-              <a:t>Pani Router</a:t>
+              <a:t>Romana </a:t>
+            </a:r>
+            <a:r>
+              <a:rPr lang="en-US" sz="800" dirty="0" smtClean="0"/>
+              <a:t>Router</a:t>
             </a:r>
             <a:endParaRPr lang="en-US" sz="800" dirty="0"/>
           </a:p>
@@ -29468,22 +30783,30 @@
                 </a:spcAft>
               </a:pPr>
               <a:r>
-                <a:rPr lang="en-NZ" sz="953">
+                <a:rPr lang="en-NZ" sz="953" dirty="0" smtClean="0">
                   <a:latin typeface="+mn-lt"/>
                   <a:ea typeface="Droid Sans Fallback" pitchFamily="2"/>
                   <a:cs typeface="FreeSans" pitchFamily="2"/>
                 </a:rPr>
-                <a:t>Pani</a:t>
+                <a:t>Romana</a:t>
+              </a:r>
+              <a:r>
+                <a:rPr lang="en-NZ" sz="953" dirty="0">
+                  <a:latin typeface="+mn-lt"/>
+                  <a:ea typeface="Droid Sans Fallback" pitchFamily="2"/>
+                  <a:cs typeface="FreeSans" pitchFamily="2"/>
+                </a:rPr>
+                <a:t/>
               </a:r>
               <a:br>
-                <a:rPr lang="en-NZ" sz="953">
+                <a:rPr lang="en-NZ" sz="953" dirty="0">
                   <a:latin typeface="+mn-lt"/>
                   <a:ea typeface="Droid Sans Fallback" pitchFamily="2"/>
                   <a:cs typeface="FreeSans" pitchFamily="2"/>
                 </a:rPr>
               </a:br>
               <a:r>
-                <a:rPr lang="en-NZ" sz="953">
+                <a:rPr lang="en-NZ" sz="953" dirty="0">
                   <a:latin typeface="+mn-lt"/>
                   <a:ea typeface="Droid Sans Fallback" pitchFamily="2"/>
                   <a:cs typeface="FreeSans" pitchFamily="2"/>
@@ -29570,22 +30893,30 @@
                 </a:spcAft>
               </a:pPr>
               <a:r>
-                <a:rPr lang="en-NZ" sz="953">
+                <a:rPr lang="en-NZ" sz="953" dirty="0" smtClean="0">
                   <a:latin typeface="+mn-lt"/>
                   <a:ea typeface="Droid Sans Fallback" pitchFamily="2"/>
                   <a:cs typeface="FreeSans" pitchFamily="2"/>
                 </a:rPr>
-                <a:t>Pani</a:t>
+                <a:t>Romana</a:t>
+              </a:r>
+              <a:r>
+                <a:rPr lang="en-NZ" sz="953" dirty="0">
+                  <a:latin typeface="+mn-lt"/>
+                  <a:ea typeface="Droid Sans Fallback" pitchFamily="2"/>
+                  <a:cs typeface="FreeSans" pitchFamily="2"/>
+                </a:rPr>
+                <a:t/>
               </a:r>
               <a:br>
-                <a:rPr lang="en-NZ" sz="953">
+                <a:rPr lang="en-NZ" sz="953" dirty="0">
                   <a:latin typeface="+mn-lt"/>
                   <a:ea typeface="Droid Sans Fallback" pitchFamily="2"/>
                   <a:cs typeface="FreeSans" pitchFamily="2"/>
                 </a:rPr>
               </a:br>
               <a:r>
-                <a:rPr lang="en-NZ" sz="953">
+                <a:rPr lang="en-NZ" sz="953" dirty="0">
                   <a:latin typeface="+mn-lt"/>
                   <a:ea typeface="Droid Sans Fallback" pitchFamily="2"/>
                   <a:cs typeface="FreeSans" pitchFamily="2"/>
@@ -29672,22 +31003,30 @@
                 </a:spcAft>
               </a:pPr>
               <a:r>
-                <a:rPr lang="en-NZ" sz="953">
+                <a:rPr lang="en-NZ" sz="953" dirty="0" smtClean="0">
                   <a:latin typeface="+mn-lt"/>
                   <a:ea typeface="Droid Sans Fallback" pitchFamily="2"/>
                   <a:cs typeface="FreeSans" pitchFamily="2"/>
                 </a:rPr>
-                <a:t>Pani</a:t>
+                <a:t>Romana</a:t>
+              </a:r>
+              <a:r>
+                <a:rPr lang="en-NZ" sz="953" dirty="0">
+                  <a:latin typeface="+mn-lt"/>
+                  <a:ea typeface="Droid Sans Fallback" pitchFamily="2"/>
+                  <a:cs typeface="FreeSans" pitchFamily="2"/>
+                </a:rPr>
+                <a:t/>
               </a:r>
               <a:br>
-                <a:rPr lang="en-NZ" sz="953">
+                <a:rPr lang="en-NZ" sz="953" dirty="0">
                   <a:latin typeface="+mn-lt"/>
                   <a:ea typeface="Droid Sans Fallback" pitchFamily="2"/>
                   <a:cs typeface="FreeSans" pitchFamily="2"/>
                 </a:rPr>
               </a:br>
               <a:r>
-                <a:rPr lang="en-NZ" sz="953">
+                <a:rPr lang="en-NZ" sz="953" dirty="0">
                   <a:latin typeface="+mn-lt"/>
                   <a:ea typeface="Droid Sans Fallback" pitchFamily="2"/>
                   <a:cs typeface="FreeSans" pitchFamily="2"/>
@@ -32159,7 +33498,11 @@
             </a:pPr>
             <a:r>
               <a:rPr lang="en-US" sz="1050" dirty="0" smtClean="0"/>
-              <a:t>Pani IPAM assigns each Host an IP from /16</a:t>
+              <a:t>Romana </a:t>
+            </a:r>
+            <a:r>
+              <a:rPr lang="en-US" sz="1050" dirty="0" smtClean="0"/>
+              <a:t>IPAM assigns each Host an IP from /16</a:t>
             </a:r>
           </a:p>
           <a:p>

--- a/_diagrams/images.pptx
+++ b/_diagrams/images.pptx
@@ -286,7 +286,7 @@
               <a:pPr>
                 <a:defRPr/>
               </a:pPr>
-              <a:t>1/5/2016</a:t>
+              <a:t>1/25/2016</a:t>
             </a:fld>
             <a:endParaRPr lang="en-US"/>
           </a:p>
@@ -505,7 +505,7 @@
               <a:pPr>
                 <a:defRPr/>
               </a:pPr>
-              <a:t>1/5/2016</a:t>
+              <a:t>1/25/2016</a:t>
             </a:fld>
             <a:endParaRPr lang="en-US"/>
           </a:p>
@@ -3890,11 +3890,7 @@
             </a:pPr>
             <a:r>
               <a:rPr lang="en-US" altLang="en-US" cap="none" dirty="0" smtClean="0"/>
-              <a:t>Romana </a:t>
-            </a:r>
-            <a:r>
-              <a:rPr lang="en-US" altLang="en-US" cap="none" dirty="0" smtClean="0"/>
-              <a:t>Networks</a:t>
+              <a:t>Romana Networks</a:t>
             </a:r>
           </a:p>
         </p:txBody>
@@ -16223,11 +16219,7 @@
             <a:pPr algn="ctr"/>
             <a:r>
               <a:rPr lang="en-US" sz="800" dirty="0" smtClean="0"/>
-              <a:t>Romana </a:t>
-            </a:r>
-            <a:r>
-              <a:rPr lang="en-US" sz="800" dirty="0" smtClean="0"/>
-              <a:t>Router</a:t>
+              <a:t>Romana Router</a:t>
             </a:r>
             <a:endParaRPr lang="en-US" sz="800" dirty="0"/>
           </a:p>
@@ -16271,11 +16263,7 @@
             <a:pPr algn="ctr"/>
             <a:r>
               <a:rPr lang="en-US" sz="800" dirty="0" smtClean="0"/>
-              <a:t>Romana </a:t>
-            </a:r>
-            <a:r>
-              <a:rPr lang="en-US" sz="800" dirty="0" smtClean="0"/>
-              <a:t>Router</a:t>
+              <a:t>Romana Router</a:t>
             </a:r>
             <a:endParaRPr lang="en-US" sz="800" dirty="0"/>
           </a:p>
@@ -24156,11 +24144,7 @@
             <a:pPr algn="ctr"/>
             <a:r>
               <a:rPr lang="en-US" sz="800" dirty="0" smtClean="0"/>
-              <a:t>Romana </a:t>
-            </a:r>
-            <a:r>
-              <a:rPr lang="en-US" sz="800" dirty="0" smtClean="0"/>
-              <a:t>Router</a:t>
+              <a:t>Host Routing</a:t>
             </a:r>
             <a:endParaRPr lang="en-US" sz="800" dirty="0"/>
           </a:p>
@@ -24204,11 +24188,11 @@
             <a:pPr algn="ctr"/>
             <a:r>
               <a:rPr lang="en-US" sz="800" dirty="0" smtClean="0"/>
-              <a:t>Romana </a:t>
+              <a:t>Host </a:t>
             </a:r>
             <a:r>
               <a:rPr lang="en-US" sz="800" dirty="0" smtClean="0"/>
-              <a:t>Router</a:t>
+              <a:t>Routing</a:t>
             </a:r>
             <a:endParaRPr lang="en-US" sz="800" dirty="0"/>
           </a:p>
@@ -33498,11 +33482,7 @@
             </a:pPr>
             <a:r>
               <a:rPr lang="en-US" sz="1050" dirty="0" smtClean="0"/>
-              <a:t>Romana </a:t>
-            </a:r>
-            <a:r>
-              <a:rPr lang="en-US" sz="1050" dirty="0" smtClean="0"/>
-              <a:t>IPAM assigns each Host an IP from /16</a:t>
+              <a:t>Romana IPAM assigns each Host an IP from /16</a:t>
             </a:r>
           </a:p>
           <a:p>

--- a/_diagrams/images.pptx
+++ b/_diagrams/images.pptx
@@ -5,10 +5,10 @@
     <p:sldMasterId id="2147484326" r:id="rId1"/>
   </p:sldMasterIdLst>
   <p:notesMasterIdLst>
-    <p:notesMasterId r:id="rId15"/>
+    <p:notesMasterId r:id="rId16"/>
   </p:notesMasterIdLst>
   <p:handoutMasterIdLst>
-    <p:handoutMasterId r:id="rId16"/>
+    <p:handoutMasterId r:id="rId17"/>
   </p:handoutMasterIdLst>
   <p:sldIdLst>
     <p:sldId id="256" r:id="rId2"/>
@@ -19,11 +19,12 @@
     <p:sldId id="445" r:id="rId7"/>
     <p:sldId id="443" r:id="rId8"/>
     <p:sldId id="444" r:id="rId9"/>
-    <p:sldId id="427" r:id="rId10"/>
-    <p:sldId id="370" r:id="rId11"/>
-    <p:sldId id="429" r:id="rId12"/>
-    <p:sldId id="397" r:id="rId13"/>
-    <p:sldId id="446" r:id="rId14"/>
+    <p:sldId id="447" r:id="rId10"/>
+    <p:sldId id="427" r:id="rId11"/>
+    <p:sldId id="370" r:id="rId12"/>
+    <p:sldId id="429" r:id="rId13"/>
+    <p:sldId id="397" r:id="rId14"/>
+    <p:sldId id="446" r:id="rId15"/>
   </p:sldIdLst>
   <p:sldSz cx="9144000" cy="5143500" type="screen16x9"/>
   <p:notesSz cx="6881813" cy="9296400"/>
@@ -286,7 +287,7 @@
               <a:pPr>
                 <a:defRPr/>
               </a:pPr>
-              <a:t>1/25/2016</a:t>
+              <a:t>2/11/2016</a:t>
             </a:fld>
             <a:endParaRPr lang="en-US"/>
           </a:p>
@@ -505,7 +506,7 @@
               <a:pPr>
                 <a:defRPr/>
               </a:pPr>
-              <a:t>1/25/2016</a:t>
+              <a:t>2/11/2016</a:t>
             </a:fld>
             <a:endParaRPr lang="en-US"/>
           </a:p>
@@ -4281,6 +4282,3001 @@
       </p:grpSpPr>
       <p:sp>
         <p:nvSpPr>
+          <p:cNvPr id="2" name="Title 1"/>
+          <p:cNvSpPr>
+            <a:spLocks noGrp="1"/>
+          </p:cNvSpPr>
+          <p:nvPr>
+            <p:ph type="title"/>
+          </p:nvPr>
+        </p:nvSpPr>
+        <p:spPr/>
+        <p:txBody>
+          <a:bodyPr>
+            <a:normAutofit fontScale="90000"/>
+          </a:bodyPr>
+          <a:lstStyle/>
+          <a:p>
+            <a:r>
+              <a:rPr lang="en-US" dirty="0" smtClean="0"/>
+              <a:t>Route Aggregation</a:t>
+            </a:r>
+            <a:endParaRPr lang="en-US" dirty="0"/>
+          </a:p>
+        </p:txBody>
+      </p:sp>
+      <p:sp>
+        <p:nvSpPr>
+          <p:cNvPr id="4" name="Date Placeholder 3"/>
+          <p:cNvSpPr>
+            <a:spLocks noGrp="1"/>
+          </p:cNvSpPr>
+          <p:nvPr>
+            <p:ph type="dt" sz="half" idx="10"/>
+          </p:nvPr>
+        </p:nvSpPr>
+        <p:spPr/>
+        <p:txBody>
+          <a:bodyPr/>
+          <a:lstStyle/>
+          <a:p>
+            <a:r>
+              <a:rPr lang="en-US" smtClean="0"/>
+              <a:t>October 2015</a:t>
+            </a:r>
+            <a:endParaRPr lang="en-US" dirty="0"/>
+          </a:p>
+        </p:txBody>
+      </p:sp>
+      <p:sp>
+        <p:nvSpPr>
+          <p:cNvPr id="5" name="Footer Placeholder 4"/>
+          <p:cNvSpPr>
+            <a:spLocks noGrp="1"/>
+          </p:cNvSpPr>
+          <p:nvPr>
+            <p:ph type="ftr" sz="quarter" idx="11"/>
+          </p:nvPr>
+        </p:nvSpPr>
+        <p:spPr/>
+        <p:txBody>
+          <a:bodyPr/>
+          <a:lstStyle/>
+          <a:p>
+            <a:r>
+              <a:rPr lang="en-US" smtClean="0"/>
+              <a:t>CONFIDENTIAL</a:t>
+            </a:r>
+            <a:endParaRPr lang="en-US" dirty="0"/>
+          </a:p>
+        </p:txBody>
+      </p:sp>
+      <p:sp>
+        <p:nvSpPr>
+          <p:cNvPr id="6" name="Slide Number Placeholder 5"/>
+          <p:cNvSpPr>
+            <a:spLocks noGrp="1"/>
+          </p:cNvSpPr>
+          <p:nvPr>
+            <p:ph type="sldNum" sz="quarter" idx="12"/>
+          </p:nvPr>
+        </p:nvSpPr>
+        <p:spPr/>
+        <p:txBody>
+          <a:bodyPr/>
+          <a:lstStyle/>
+          <a:p>
+            <a:r>
+              <a:rPr lang="en-US" altLang="en-US" smtClean="0"/>
+              <a:t>Slide </a:t>
+            </a:r>
+            <a:fld id="{14F857B0-40D7-47E8-A7EE-F9989D1955A0}" type="slidenum">
+              <a:rPr lang="en-US" altLang="en-US" smtClean="0"/>
+              <a:pPr/>
+              <a:t>9</a:t>
+            </a:fld>
+            <a:endParaRPr lang="en-US" altLang="en-US" dirty="0"/>
+          </a:p>
+        </p:txBody>
+      </p:sp>
+      <p:sp>
+        <p:nvSpPr>
+          <p:cNvPr id="34" name="Rectangle 33"/>
+          <p:cNvSpPr/>
+          <p:nvPr/>
+        </p:nvSpPr>
+        <p:spPr>
+          <a:xfrm>
+            <a:off x="4136989" y="1193557"/>
+            <a:ext cx="743235" cy="457200"/>
+          </a:xfrm>
+          <a:prstGeom prst="rect">
+            <a:avLst/>
+          </a:prstGeom>
+        </p:spPr>
+        <p:style>
+          <a:lnRef idx="2">
+            <a:schemeClr val="accent1">
+              <a:shade val="50000"/>
+            </a:schemeClr>
+          </a:lnRef>
+          <a:fillRef idx="1">
+            <a:schemeClr val="accent1"/>
+          </a:fillRef>
+          <a:effectRef idx="0">
+            <a:schemeClr val="accent1"/>
+          </a:effectRef>
+          <a:fontRef idx="minor">
+            <a:schemeClr val="lt1"/>
+          </a:fontRef>
+        </p:style>
+        <p:txBody>
+          <a:bodyPr rtlCol="0" anchor="ctr"/>
+          <a:lstStyle/>
+          <a:p>
+            <a:pPr algn="ctr"/>
+            <a:r>
+              <a:rPr lang="en-US" sz="1200" dirty="0" smtClean="0"/>
+              <a:t>R    Leaf 1</a:t>
+            </a:r>
+            <a:endParaRPr lang="en-US" sz="1200" dirty="0"/>
+          </a:p>
+        </p:txBody>
+      </p:sp>
+      <p:cxnSp>
+        <p:nvCxnSpPr>
+          <p:cNvPr id="41" name="Elbow Connector 40"/>
+          <p:cNvCxnSpPr>
+            <a:stCxn id="20" idx="0"/>
+            <a:endCxn id="34" idx="2"/>
+          </p:cNvCxnSpPr>
+          <p:nvPr/>
+        </p:nvCxnSpPr>
+        <p:spPr>
+          <a:xfrm rot="5400000" flipH="1" flipV="1">
+            <a:off x="2683436" y="607794"/>
+            <a:ext cx="782208" cy="2868134"/>
+          </a:xfrm>
+          <a:prstGeom prst="bentConnector3">
+            <a:avLst>
+              <a:gd name="adj1" fmla="val 50000"/>
+            </a:avLst>
+          </a:prstGeom>
+          <a:ln w="12700">
+            <a:solidFill>
+              <a:schemeClr val="tx1"/>
+            </a:solidFill>
+          </a:ln>
+        </p:spPr>
+        <p:style>
+          <a:lnRef idx="1">
+            <a:schemeClr val="accent1"/>
+          </a:lnRef>
+          <a:fillRef idx="0">
+            <a:schemeClr val="accent1"/>
+          </a:fillRef>
+          <a:effectRef idx="0">
+            <a:schemeClr val="accent1"/>
+          </a:effectRef>
+          <a:fontRef idx="minor">
+            <a:schemeClr val="tx1"/>
+          </a:fontRef>
+        </p:style>
+      </p:cxnSp>
+      <p:cxnSp>
+        <p:nvCxnSpPr>
+          <p:cNvPr id="43" name="Elbow Connector 42"/>
+          <p:cNvCxnSpPr>
+            <a:stCxn id="118" idx="0"/>
+          </p:cNvCxnSpPr>
+          <p:nvPr/>
+        </p:nvCxnSpPr>
+        <p:spPr>
+          <a:xfrm rot="16200000" flipV="1">
+            <a:off x="5814074" y="760951"/>
+            <a:ext cx="369164" cy="2922006"/>
+          </a:xfrm>
+          <a:prstGeom prst="bentConnector2">
+            <a:avLst/>
+          </a:prstGeom>
+          <a:ln w="12700">
+            <a:solidFill>
+              <a:schemeClr val="tx1"/>
+            </a:solidFill>
+          </a:ln>
+        </p:spPr>
+        <p:style>
+          <a:lnRef idx="1">
+            <a:schemeClr val="accent1"/>
+          </a:lnRef>
+          <a:fillRef idx="0">
+            <a:schemeClr val="accent1"/>
+          </a:fillRef>
+          <a:effectRef idx="0">
+            <a:schemeClr val="accent1"/>
+          </a:effectRef>
+          <a:fontRef idx="minor">
+            <a:schemeClr val="tx1"/>
+          </a:fontRef>
+        </p:style>
+      </p:cxnSp>
+      <p:cxnSp>
+        <p:nvCxnSpPr>
+          <p:cNvPr id="45" name="Straight Connector 44"/>
+          <p:cNvCxnSpPr>
+            <a:stCxn id="93" idx="0"/>
+            <a:endCxn id="34" idx="2"/>
+          </p:cNvCxnSpPr>
+          <p:nvPr/>
+        </p:nvCxnSpPr>
+        <p:spPr>
+          <a:xfrm flipH="1" flipV="1">
+            <a:off x="4508607" y="1650757"/>
+            <a:ext cx="8164" cy="755779"/>
+          </a:xfrm>
+          <a:prstGeom prst="line">
+            <a:avLst/>
+          </a:prstGeom>
+          <a:ln w="12700">
+            <a:solidFill>
+              <a:schemeClr val="tx1"/>
+            </a:solidFill>
+          </a:ln>
+        </p:spPr>
+        <p:style>
+          <a:lnRef idx="1">
+            <a:schemeClr val="accent1"/>
+          </a:lnRef>
+          <a:fillRef idx="0">
+            <a:schemeClr val="accent1"/>
+          </a:fillRef>
+          <a:effectRef idx="0">
+            <a:schemeClr val="accent1"/>
+          </a:effectRef>
+          <a:fontRef idx="minor">
+            <a:schemeClr val="tx1"/>
+          </a:fontRef>
+        </p:style>
+      </p:cxnSp>
+      <p:sp>
+        <p:nvSpPr>
+          <p:cNvPr id="91" name="TextBox 90"/>
+          <p:cNvSpPr txBox="1"/>
+          <p:nvPr/>
+        </p:nvSpPr>
+        <p:spPr>
+          <a:xfrm>
+            <a:off x="4947463" y="1053046"/>
+            <a:ext cx="3510898" cy="1061829"/>
+          </a:xfrm>
+          <a:prstGeom prst="rect">
+            <a:avLst/>
+          </a:prstGeom>
+          <a:noFill/>
+        </p:spPr>
+        <p:txBody>
+          <a:bodyPr wrap="none" rtlCol="0">
+            <a:spAutoFit/>
+          </a:bodyPr>
+          <a:lstStyle/>
+          <a:p>
+            <a:pPr>
+              <a:tabLst>
+                <a:tab pos="403225" algn="l"/>
+              </a:tabLst>
+            </a:pPr>
+            <a:r>
+              <a:rPr lang="en-US" sz="1050" dirty="0" smtClean="0"/>
+              <a:t>Leaf gets full /9 network and allocates /16 to each Host</a:t>
+            </a:r>
+          </a:p>
+          <a:p>
+            <a:pPr>
+              <a:tabLst>
+                <a:tab pos="403225" algn="l"/>
+              </a:tabLst>
+            </a:pPr>
+            <a:r>
+              <a:rPr lang="en-US" sz="1050" dirty="0" smtClean="0"/>
+              <a:t>Romana IPAM assigns each Host an IP from /16</a:t>
+            </a:r>
+          </a:p>
+          <a:p>
+            <a:pPr>
+              <a:tabLst>
+                <a:tab pos="403225" algn="l"/>
+              </a:tabLst>
+            </a:pPr>
+            <a:endParaRPr lang="en-US" sz="1050" dirty="0"/>
+          </a:p>
+          <a:p>
+            <a:pPr>
+              <a:tabLst>
+                <a:tab pos="403225" algn="l"/>
+              </a:tabLst>
+            </a:pPr>
+            <a:r>
+              <a:rPr lang="en-US" sz="1050" dirty="0" smtClean="0"/>
+              <a:t>For Containers on Host, Host is allocated its own /24</a:t>
+            </a:r>
+          </a:p>
+          <a:p>
+            <a:pPr>
+              <a:tabLst>
+                <a:tab pos="403225" algn="l"/>
+              </a:tabLst>
+            </a:pPr>
+            <a:r>
+              <a:rPr lang="en-US" sz="1050" dirty="0" smtClean="0"/>
+              <a:t>Containers on VM get IP out of VM’s /24</a:t>
+            </a:r>
+          </a:p>
+          <a:p>
+            <a:pPr>
+              <a:tabLst>
+                <a:tab pos="174625" algn="l"/>
+              </a:tabLst>
+            </a:pPr>
+            <a:r>
+              <a:rPr lang="en-US" sz="1050" dirty="0"/>
+              <a:t>	</a:t>
+            </a:r>
+          </a:p>
+        </p:txBody>
+      </p:sp>
+      <p:grpSp>
+        <p:nvGrpSpPr>
+          <p:cNvPr id="46" name="Group 45"/>
+          <p:cNvGrpSpPr/>
+          <p:nvPr/>
+        </p:nvGrpSpPr>
+        <p:grpSpPr>
+          <a:xfrm>
+            <a:off x="546571" y="2432965"/>
+            <a:ext cx="2372107" cy="2187803"/>
+            <a:chOff x="546571" y="2432965"/>
+            <a:chExt cx="2372107" cy="2187803"/>
+          </a:xfrm>
+        </p:grpSpPr>
+        <p:sp>
+          <p:nvSpPr>
+            <p:cNvPr id="20" name="Rectangle 19"/>
+            <p:cNvSpPr/>
+            <p:nvPr/>
+          </p:nvSpPr>
+          <p:spPr>
+            <a:xfrm>
+              <a:off x="546571" y="2432965"/>
+              <a:ext cx="2187803" cy="2187803"/>
+            </a:xfrm>
+            <a:prstGeom prst="rect">
+              <a:avLst/>
+            </a:prstGeom>
+            <a:solidFill>
+              <a:schemeClr val="tx2">
+                <a:lumMod val="40000"/>
+                <a:lumOff val="60000"/>
+              </a:schemeClr>
+            </a:solidFill>
+          </p:spPr>
+          <p:style>
+            <a:lnRef idx="2">
+              <a:schemeClr val="accent1">
+                <a:shade val="50000"/>
+              </a:schemeClr>
+            </a:lnRef>
+            <a:fillRef idx="1">
+              <a:schemeClr val="accent1"/>
+            </a:fillRef>
+            <a:effectRef idx="0">
+              <a:schemeClr val="accent1"/>
+            </a:effectRef>
+            <a:fontRef idx="minor">
+              <a:schemeClr val="lt1"/>
+            </a:fontRef>
+          </p:style>
+          <p:txBody>
+            <a:bodyPr rtlCol="0" anchor="t"/>
+            <a:lstStyle/>
+            <a:p>
+              <a:pPr algn="ctr"/>
+              <a:r>
+                <a:rPr lang="en-US" dirty="0" smtClean="0"/>
+                <a:t>Node 1</a:t>
+              </a:r>
+            </a:p>
+          </p:txBody>
+        </p:sp>
+        <p:sp>
+          <p:nvSpPr>
+            <p:cNvPr id="11" name="Rectangle 10"/>
+            <p:cNvSpPr/>
+            <p:nvPr/>
+          </p:nvSpPr>
+          <p:spPr>
+            <a:xfrm>
+              <a:off x="594907" y="3943350"/>
+              <a:ext cx="489215" cy="584220"/>
+            </a:xfrm>
+            <a:prstGeom prst="rect">
+              <a:avLst/>
+            </a:prstGeom>
+            <a:solidFill>
+              <a:schemeClr val="tx2">
+                <a:lumMod val="75000"/>
+              </a:schemeClr>
+            </a:solidFill>
+          </p:spPr>
+          <p:style>
+            <a:lnRef idx="2">
+              <a:schemeClr val="accent1">
+                <a:shade val="50000"/>
+              </a:schemeClr>
+            </a:lnRef>
+            <a:fillRef idx="1">
+              <a:schemeClr val="accent1"/>
+            </a:fillRef>
+            <a:effectRef idx="0">
+              <a:schemeClr val="accent1"/>
+            </a:effectRef>
+            <a:fontRef idx="minor">
+              <a:schemeClr val="lt1"/>
+            </a:fontRef>
+          </p:style>
+          <p:txBody>
+            <a:bodyPr rtlCol="0" anchor="t"/>
+            <a:lstStyle/>
+            <a:p>
+              <a:pPr algn="ctr"/>
+              <a:r>
+                <a:rPr lang="en-US" sz="1100" dirty="0" smtClean="0"/>
+                <a:t>VM1</a:t>
+              </a:r>
+              <a:endParaRPr lang="en-US" sz="1100" dirty="0"/>
+            </a:p>
+          </p:txBody>
+        </p:sp>
+        <p:sp>
+          <p:nvSpPr>
+            <p:cNvPr id="58" name="Rectangle 57"/>
+            <p:cNvSpPr/>
+            <p:nvPr/>
+          </p:nvSpPr>
+          <p:spPr>
+            <a:xfrm>
+              <a:off x="1129610" y="3943350"/>
+              <a:ext cx="489215" cy="584220"/>
+            </a:xfrm>
+            <a:prstGeom prst="rect">
+              <a:avLst/>
+            </a:prstGeom>
+            <a:solidFill>
+              <a:schemeClr val="tx2">
+                <a:lumMod val="75000"/>
+              </a:schemeClr>
+            </a:solidFill>
+          </p:spPr>
+          <p:style>
+            <a:lnRef idx="2">
+              <a:schemeClr val="accent1">
+                <a:shade val="50000"/>
+              </a:schemeClr>
+            </a:lnRef>
+            <a:fillRef idx="1">
+              <a:schemeClr val="accent1"/>
+            </a:fillRef>
+            <a:effectRef idx="0">
+              <a:schemeClr val="accent1"/>
+            </a:effectRef>
+            <a:fontRef idx="minor">
+              <a:schemeClr val="lt1"/>
+            </a:fontRef>
+          </p:style>
+          <p:txBody>
+            <a:bodyPr rtlCol="0" anchor="t"/>
+            <a:lstStyle/>
+            <a:p>
+              <a:pPr algn="ctr"/>
+              <a:r>
+                <a:rPr lang="en-US" sz="1000" dirty="0" smtClean="0"/>
+                <a:t>VM2</a:t>
+              </a:r>
+              <a:endParaRPr lang="en-US" sz="1000" dirty="0"/>
+            </a:p>
+          </p:txBody>
+        </p:sp>
+        <p:sp>
+          <p:nvSpPr>
+            <p:cNvPr id="60" name="Rectangle 59"/>
+            <p:cNvSpPr/>
+            <p:nvPr/>
+          </p:nvSpPr>
+          <p:spPr>
+            <a:xfrm>
+              <a:off x="1662120" y="3943350"/>
+              <a:ext cx="489215" cy="584220"/>
+            </a:xfrm>
+            <a:prstGeom prst="rect">
+              <a:avLst/>
+            </a:prstGeom>
+            <a:solidFill>
+              <a:schemeClr val="tx2">
+                <a:lumMod val="75000"/>
+              </a:schemeClr>
+            </a:solidFill>
+          </p:spPr>
+          <p:style>
+            <a:lnRef idx="2">
+              <a:schemeClr val="accent1">
+                <a:shade val="50000"/>
+              </a:schemeClr>
+            </a:lnRef>
+            <a:fillRef idx="1">
+              <a:schemeClr val="accent1"/>
+            </a:fillRef>
+            <a:effectRef idx="0">
+              <a:schemeClr val="accent1"/>
+            </a:effectRef>
+            <a:fontRef idx="minor">
+              <a:schemeClr val="lt1"/>
+            </a:fontRef>
+          </p:style>
+          <p:txBody>
+            <a:bodyPr rtlCol="0" anchor="t"/>
+            <a:lstStyle/>
+            <a:p>
+              <a:pPr algn="ctr"/>
+              <a:r>
+                <a:rPr lang="en-US" sz="1000" dirty="0" smtClean="0"/>
+                <a:t>VM3</a:t>
+              </a:r>
+              <a:endParaRPr lang="en-US" sz="1000" dirty="0"/>
+            </a:p>
+          </p:txBody>
+        </p:sp>
+        <p:sp>
+          <p:nvSpPr>
+            <p:cNvPr id="61" name="Rectangle 60"/>
+            <p:cNvSpPr/>
+            <p:nvPr/>
+          </p:nvSpPr>
+          <p:spPr>
+            <a:xfrm>
+              <a:off x="2196823" y="3943350"/>
+              <a:ext cx="489215" cy="584220"/>
+            </a:xfrm>
+            <a:prstGeom prst="rect">
+              <a:avLst/>
+            </a:prstGeom>
+            <a:solidFill>
+              <a:schemeClr val="tx2">
+                <a:lumMod val="75000"/>
+              </a:schemeClr>
+            </a:solidFill>
+          </p:spPr>
+          <p:style>
+            <a:lnRef idx="2">
+              <a:schemeClr val="accent1">
+                <a:shade val="50000"/>
+              </a:schemeClr>
+            </a:lnRef>
+            <a:fillRef idx="1">
+              <a:schemeClr val="accent1"/>
+            </a:fillRef>
+            <a:effectRef idx="0">
+              <a:schemeClr val="accent1"/>
+            </a:effectRef>
+            <a:fontRef idx="minor">
+              <a:schemeClr val="lt1"/>
+            </a:fontRef>
+          </p:style>
+          <p:txBody>
+            <a:bodyPr rtlCol="0" anchor="t"/>
+            <a:lstStyle/>
+            <a:p>
+              <a:pPr algn="ctr"/>
+              <a:r>
+                <a:rPr lang="en-US" sz="1000" dirty="0" smtClean="0"/>
+                <a:t>VM4</a:t>
+              </a:r>
+              <a:endParaRPr lang="en-US" sz="1000" dirty="0"/>
+            </a:p>
+          </p:txBody>
+        </p:sp>
+        <p:sp>
+          <p:nvSpPr>
+            <p:cNvPr id="21" name="Rectangle 20"/>
+            <p:cNvSpPr/>
+            <p:nvPr/>
+          </p:nvSpPr>
+          <p:spPr>
+            <a:xfrm>
+              <a:off x="1327929" y="2942268"/>
+              <a:ext cx="625087" cy="625087"/>
+            </a:xfrm>
+            <a:prstGeom prst="rect">
+              <a:avLst/>
+            </a:prstGeom>
+            <a:solidFill>
+              <a:schemeClr val="tx1">
+                <a:lumMod val="75000"/>
+                <a:lumOff val="25000"/>
+              </a:schemeClr>
+            </a:solidFill>
+          </p:spPr>
+          <p:style>
+            <a:lnRef idx="2">
+              <a:schemeClr val="accent1">
+                <a:shade val="50000"/>
+              </a:schemeClr>
+            </a:lnRef>
+            <a:fillRef idx="1">
+              <a:schemeClr val="accent1"/>
+            </a:fillRef>
+            <a:effectRef idx="0">
+              <a:schemeClr val="accent1"/>
+            </a:effectRef>
+            <a:fontRef idx="minor">
+              <a:schemeClr val="lt1"/>
+            </a:fontRef>
+          </p:style>
+          <p:txBody>
+            <a:bodyPr rtlCol="0" anchor="ctr"/>
+            <a:lstStyle/>
+            <a:p>
+              <a:pPr algn="ctr"/>
+              <a:r>
+                <a:rPr lang="en-US" sz="1200" dirty="0" smtClean="0"/>
+                <a:t>R1</a:t>
+              </a:r>
+              <a:endParaRPr lang="en-US" sz="1200" dirty="0"/>
+            </a:p>
+          </p:txBody>
+        </p:sp>
+        <p:sp>
+          <p:nvSpPr>
+            <p:cNvPr id="22" name="Rectangle 21"/>
+            <p:cNvSpPr/>
+            <p:nvPr/>
+          </p:nvSpPr>
+          <p:spPr>
+            <a:xfrm>
+              <a:off x="631152" y="4209600"/>
+              <a:ext cx="416724" cy="312543"/>
+            </a:xfrm>
+            <a:prstGeom prst="rect">
+              <a:avLst/>
+            </a:prstGeom>
+            <a:solidFill>
+              <a:srgbClr val="FFFF00"/>
+            </a:solidFill>
+          </p:spPr>
+          <p:style>
+            <a:lnRef idx="2">
+              <a:schemeClr val="accent1">
+                <a:shade val="50000"/>
+              </a:schemeClr>
+            </a:lnRef>
+            <a:fillRef idx="1">
+              <a:schemeClr val="accent1"/>
+            </a:fillRef>
+            <a:effectRef idx="0">
+              <a:schemeClr val="accent1"/>
+            </a:effectRef>
+            <a:fontRef idx="minor">
+              <a:schemeClr val="lt1"/>
+            </a:fontRef>
+          </p:style>
+          <p:txBody>
+            <a:bodyPr rtlCol="0" anchor="ctr"/>
+            <a:lstStyle/>
+            <a:p>
+              <a:pPr algn="ctr"/>
+              <a:r>
+                <a:rPr lang="en-US" sz="900" dirty="0" smtClean="0">
+                  <a:solidFill>
+                    <a:schemeClr val="tx2"/>
+                  </a:solidFill>
+                </a:rPr>
+                <a:t>A1</a:t>
+              </a:r>
+              <a:endParaRPr lang="en-US" sz="900" dirty="0">
+                <a:solidFill>
+                  <a:schemeClr val="tx2"/>
+                </a:solidFill>
+              </a:endParaRPr>
+            </a:p>
+          </p:txBody>
+        </p:sp>
+        <p:sp>
+          <p:nvSpPr>
+            <p:cNvPr id="23" name="Rectangle 22"/>
+            <p:cNvSpPr/>
+            <p:nvPr/>
+          </p:nvSpPr>
+          <p:spPr>
+            <a:xfrm>
+              <a:off x="1165855" y="4209600"/>
+              <a:ext cx="416724" cy="312543"/>
+            </a:xfrm>
+            <a:prstGeom prst="rect">
+              <a:avLst/>
+            </a:prstGeom>
+            <a:solidFill>
+              <a:srgbClr val="C00000"/>
+            </a:solidFill>
+          </p:spPr>
+          <p:style>
+            <a:lnRef idx="2">
+              <a:schemeClr val="accent1">
+                <a:shade val="50000"/>
+              </a:schemeClr>
+            </a:lnRef>
+            <a:fillRef idx="1">
+              <a:schemeClr val="accent1"/>
+            </a:fillRef>
+            <a:effectRef idx="0">
+              <a:schemeClr val="accent1"/>
+            </a:effectRef>
+            <a:fontRef idx="minor">
+              <a:schemeClr val="lt1"/>
+            </a:fontRef>
+          </p:style>
+          <p:txBody>
+            <a:bodyPr rtlCol="0" anchor="ctr"/>
+            <a:lstStyle/>
+            <a:p>
+              <a:pPr algn="ctr"/>
+              <a:r>
+                <a:rPr lang="en-US" sz="900" dirty="0" smtClean="0"/>
+                <a:t>B1</a:t>
+              </a:r>
+              <a:endParaRPr lang="en-US" sz="900" dirty="0"/>
+            </a:p>
+          </p:txBody>
+        </p:sp>
+        <p:sp>
+          <p:nvSpPr>
+            <p:cNvPr id="24" name="Rectangle 23"/>
+            <p:cNvSpPr/>
+            <p:nvPr/>
+          </p:nvSpPr>
+          <p:spPr>
+            <a:xfrm>
+              <a:off x="1698365" y="4209600"/>
+              <a:ext cx="416724" cy="312543"/>
+            </a:xfrm>
+            <a:prstGeom prst="rect">
+              <a:avLst/>
+            </a:prstGeom>
+            <a:solidFill>
+              <a:srgbClr val="FFFF00"/>
+            </a:solidFill>
+          </p:spPr>
+          <p:style>
+            <a:lnRef idx="2">
+              <a:schemeClr val="accent1">
+                <a:shade val="50000"/>
+              </a:schemeClr>
+            </a:lnRef>
+            <a:fillRef idx="1">
+              <a:schemeClr val="accent1"/>
+            </a:fillRef>
+            <a:effectRef idx="0">
+              <a:schemeClr val="accent1"/>
+            </a:effectRef>
+            <a:fontRef idx="minor">
+              <a:schemeClr val="lt1"/>
+            </a:fontRef>
+          </p:style>
+          <p:txBody>
+            <a:bodyPr rtlCol="0" anchor="ctr"/>
+            <a:lstStyle/>
+            <a:p>
+              <a:pPr algn="ctr"/>
+              <a:r>
+                <a:rPr lang="en-US" sz="900" dirty="0" smtClean="0">
+                  <a:solidFill>
+                    <a:schemeClr val="tx2"/>
+                  </a:solidFill>
+                </a:rPr>
+                <a:t>A2</a:t>
+              </a:r>
+              <a:endParaRPr lang="en-US" sz="900" dirty="0">
+                <a:solidFill>
+                  <a:schemeClr val="tx2"/>
+                </a:solidFill>
+              </a:endParaRPr>
+            </a:p>
+          </p:txBody>
+        </p:sp>
+        <p:sp>
+          <p:nvSpPr>
+            <p:cNvPr id="25" name="Rectangle 24"/>
+            <p:cNvSpPr/>
+            <p:nvPr/>
+          </p:nvSpPr>
+          <p:spPr>
+            <a:xfrm>
+              <a:off x="2233068" y="4209600"/>
+              <a:ext cx="416724" cy="312543"/>
+            </a:xfrm>
+            <a:prstGeom prst="rect">
+              <a:avLst/>
+            </a:prstGeom>
+            <a:solidFill>
+              <a:srgbClr val="00B0F0"/>
+            </a:solidFill>
+          </p:spPr>
+          <p:style>
+            <a:lnRef idx="2">
+              <a:schemeClr val="accent1">
+                <a:shade val="50000"/>
+              </a:schemeClr>
+            </a:lnRef>
+            <a:fillRef idx="1">
+              <a:schemeClr val="accent1"/>
+            </a:fillRef>
+            <a:effectRef idx="0">
+              <a:schemeClr val="accent1"/>
+            </a:effectRef>
+            <a:fontRef idx="minor">
+              <a:schemeClr val="lt1"/>
+            </a:fontRef>
+          </p:style>
+          <p:txBody>
+            <a:bodyPr rtlCol="0" anchor="ctr"/>
+            <a:lstStyle/>
+            <a:p>
+              <a:pPr algn="ctr"/>
+              <a:r>
+                <a:rPr lang="en-US" sz="900" dirty="0" smtClean="0"/>
+                <a:t>C1</a:t>
+              </a:r>
+              <a:endParaRPr lang="en-US" sz="900" dirty="0"/>
+            </a:p>
+          </p:txBody>
+        </p:sp>
+        <p:cxnSp>
+          <p:nvCxnSpPr>
+            <p:cNvPr id="53" name="Straight Connector 52"/>
+            <p:cNvCxnSpPr>
+              <a:endCxn id="21" idx="2"/>
+            </p:cNvCxnSpPr>
+            <p:nvPr/>
+          </p:nvCxnSpPr>
+          <p:spPr>
+            <a:xfrm flipV="1">
+              <a:off x="914400" y="3567355"/>
+              <a:ext cx="726073" cy="367163"/>
+            </a:xfrm>
+            <a:prstGeom prst="line">
+              <a:avLst/>
+            </a:prstGeom>
+            <a:ln w="12700">
+              <a:solidFill>
+                <a:schemeClr val="tx1"/>
+              </a:solidFill>
+            </a:ln>
+          </p:spPr>
+          <p:style>
+            <a:lnRef idx="1">
+              <a:schemeClr val="accent1"/>
+            </a:lnRef>
+            <a:fillRef idx="0">
+              <a:schemeClr val="accent1"/>
+            </a:fillRef>
+            <a:effectRef idx="0">
+              <a:schemeClr val="accent1"/>
+            </a:effectRef>
+            <a:fontRef idx="minor">
+              <a:schemeClr val="tx1"/>
+            </a:fontRef>
+          </p:style>
+        </p:cxnSp>
+        <p:cxnSp>
+          <p:nvCxnSpPr>
+            <p:cNvPr id="55" name="Straight Connector 54"/>
+            <p:cNvCxnSpPr>
+              <a:stCxn id="58" idx="0"/>
+              <a:endCxn id="21" idx="2"/>
+            </p:cNvCxnSpPr>
+            <p:nvPr/>
+          </p:nvCxnSpPr>
+          <p:spPr>
+            <a:xfrm flipV="1">
+              <a:off x="1374218" y="3567355"/>
+              <a:ext cx="266255" cy="375995"/>
+            </a:xfrm>
+            <a:prstGeom prst="line">
+              <a:avLst/>
+            </a:prstGeom>
+            <a:ln w="12700">
+              <a:solidFill>
+                <a:schemeClr val="tx1"/>
+              </a:solidFill>
+            </a:ln>
+          </p:spPr>
+          <p:style>
+            <a:lnRef idx="1">
+              <a:schemeClr val="accent1"/>
+            </a:lnRef>
+            <a:fillRef idx="0">
+              <a:schemeClr val="accent1"/>
+            </a:fillRef>
+            <a:effectRef idx="0">
+              <a:schemeClr val="accent1"/>
+            </a:effectRef>
+            <a:fontRef idx="minor">
+              <a:schemeClr val="tx1"/>
+            </a:fontRef>
+          </p:style>
+        </p:cxnSp>
+        <p:cxnSp>
+          <p:nvCxnSpPr>
+            <p:cNvPr id="57" name="Straight Connector 56"/>
+            <p:cNvCxnSpPr>
+              <a:stCxn id="60" idx="0"/>
+              <a:endCxn id="21" idx="2"/>
+            </p:cNvCxnSpPr>
+            <p:nvPr/>
+          </p:nvCxnSpPr>
+          <p:spPr>
+            <a:xfrm flipH="1" flipV="1">
+              <a:off x="1640473" y="3567355"/>
+              <a:ext cx="266255" cy="375995"/>
+            </a:xfrm>
+            <a:prstGeom prst="line">
+              <a:avLst/>
+            </a:prstGeom>
+            <a:ln w="12700">
+              <a:solidFill>
+                <a:schemeClr val="tx1"/>
+              </a:solidFill>
+            </a:ln>
+          </p:spPr>
+          <p:style>
+            <a:lnRef idx="1">
+              <a:schemeClr val="accent1"/>
+            </a:lnRef>
+            <a:fillRef idx="0">
+              <a:schemeClr val="accent1"/>
+            </a:fillRef>
+            <a:effectRef idx="0">
+              <a:schemeClr val="accent1"/>
+            </a:effectRef>
+            <a:fontRef idx="minor">
+              <a:schemeClr val="tx1"/>
+            </a:fontRef>
+          </p:style>
+        </p:cxnSp>
+        <p:cxnSp>
+          <p:nvCxnSpPr>
+            <p:cNvPr id="59" name="Straight Connector 58"/>
+            <p:cNvCxnSpPr>
+              <a:stCxn id="61" idx="0"/>
+              <a:endCxn id="21" idx="2"/>
+            </p:cNvCxnSpPr>
+            <p:nvPr/>
+          </p:nvCxnSpPr>
+          <p:spPr>
+            <a:xfrm flipH="1" flipV="1">
+              <a:off x="1640473" y="3567355"/>
+              <a:ext cx="800958" cy="375995"/>
+            </a:xfrm>
+            <a:prstGeom prst="line">
+              <a:avLst/>
+            </a:prstGeom>
+            <a:ln w="12700">
+              <a:solidFill>
+                <a:schemeClr val="tx1"/>
+              </a:solidFill>
+            </a:ln>
+          </p:spPr>
+          <p:style>
+            <a:lnRef idx="1">
+              <a:schemeClr val="accent1"/>
+            </a:lnRef>
+            <a:fillRef idx="0">
+              <a:schemeClr val="accent1"/>
+            </a:fillRef>
+            <a:effectRef idx="0">
+              <a:schemeClr val="accent1"/>
+            </a:effectRef>
+            <a:fontRef idx="minor">
+              <a:schemeClr val="tx1"/>
+            </a:fontRef>
+          </p:style>
+        </p:cxnSp>
+        <p:sp>
+          <p:nvSpPr>
+            <p:cNvPr id="117" name="TextBox 116"/>
+            <p:cNvSpPr txBox="1"/>
+            <p:nvPr/>
+          </p:nvSpPr>
+          <p:spPr>
+            <a:xfrm>
+              <a:off x="2156931" y="3627088"/>
+              <a:ext cx="761747" cy="230832"/>
+            </a:xfrm>
+            <a:prstGeom prst="rect">
+              <a:avLst/>
+            </a:prstGeom>
+            <a:noFill/>
+          </p:spPr>
+          <p:txBody>
+            <a:bodyPr wrap="none" rtlCol="0">
+              <a:spAutoFit/>
+            </a:bodyPr>
+            <a:lstStyle/>
+            <a:p>
+              <a:r>
+                <a:rPr lang="en-US" sz="900" dirty="0" smtClean="0"/>
+                <a:t>10.1.4.1/24</a:t>
+              </a:r>
+              <a:endParaRPr lang="en-US" sz="900" dirty="0"/>
+            </a:p>
+          </p:txBody>
+        </p:sp>
+      </p:grpSp>
+      <p:sp>
+        <p:nvSpPr>
+          <p:cNvPr id="74" name="TextBox 73"/>
+          <p:cNvSpPr txBox="1"/>
+          <p:nvPr/>
+        </p:nvSpPr>
+        <p:spPr>
+          <a:xfrm>
+            <a:off x="1291815" y="4620768"/>
+            <a:ext cx="1293944" cy="230832"/>
+          </a:xfrm>
+          <a:prstGeom prst="rect">
+            <a:avLst/>
+          </a:prstGeom>
+          <a:noFill/>
+        </p:spPr>
+        <p:txBody>
+          <a:bodyPr wrap="none" rtlCol="0">
+            <a:spAutoFit/>
+          </a:bodyPr>
+          <a:lstStyle/>
+          <a:p>
+            <a:pPr algn="r"/>
+            <a:r>
+              <a:rPr lang="en-US" sz="900" dirty="0"/>
+              <a:t>A</a:t>
+            </a:r>
+            <a:r>
+              <a:rPr lang="en-US" sz="900" dirty="0" smtClean="0"/>
+              <a:t>1 POD IP: 10.1.1.18</a:t>
+            </a:r>
+            <a:endParaRPr lang="en-US" sz="900" dirty="0"/>
+          </a:p>
+        </p:txBody>
+      </p:sp>
+      <p:cxnSp>
+        <p:nvCxnSpPr>
+          <p:cNvPr id="39" name="Straight Arrow Connector 38"/>
+          <p:cNvCxnSpPr>
+            <a:stCxn id="74" idx="1"/>
+          </p:cNvCxnSpPr>
+          <p:nvPr/>
+        </p:nvCxnSpPr>
+        <p:spPr>
+          <a:xfrm flipH="1" flipV="1">
+            <a:off x="869528" y="4458742"/>
+            <a:ext cx="422287" cy="277442"/>
+          </a:xfrm>
+          <a:prstGeom prst="straightConnector1">
+            <a:avLst/>
+          </a:prstGeom>
+          <a:ln w="12700">
+            <a:solidFill>
+              <a:schemeClr val="tx1"/>
+            </a:solidFill>
+            <a:tailEnd type="triangle"/>
+          </a:ln>
+        </p:spPr>
+        <p:style>
+          <a:lnRef idx="1">
+            <a:schemeClr val="accent1"/>
+          </a:lnRef>
+          <a:fillRef idx="0">
+            <a:schemeClr val="accent1"/>
+          </a:fillRef>
+          <a:effectRef idx="0">
+            <a:schemeClr val="accent1"/>
+          </a:effectRef>
+          <a:fontRef idx="minor">
+            <a:schemeClr val="tx1"/>
+          </a:fontRef>
+        </p:style>
+      </p:cxnSp>
+      <p:grpSp>
+        <p:nvGrpSpPr>
+          <p:cNvPr id="82" name="Group 81"/>
+          <p:cNvGrpSpPr/>
+          <p:nvPr/>
+        </p:nvGrpSpPr>
+        <p:grpSpPr>
+          <a:xfrm>
+            <a:off x="3422869" y="2406536"/>
+            <a:ext cx="2187803" cy="2187803"/>
+            <a:chOff x="546571" y="2432965"/>
+            <a:chExt cx="2187803" cy="2187803"/>
+          </a:xfrm>
+        </p:grpSpPr>
+        <p:sp>
+          <p:nvSpPr>
+            <p:cNvPr id="93" name="Rectangle 92"/>
+            <p:cNvSpPr/>
+            <p:nvPr/>
+          </p:nvSpPr>
+          <p:spPr>
+            <a:xfrm>
+              <a:off x="546571" y="2432965"/>
+              <a:ext cx="2187803" cy="2187803"/>
+            </a:xfrm>
+            <a:prstGeom prst="rect">
+              <a:avLst/>
+            </a:prstGeom>
+            <a:solidFill>
+              <a:schemeClr val="tx2">
+                <a:lumMod val="40000"/>
+                <a:lumOff val="60000"/>
+              </a:schemeClr>
+            </a:solidFill>
+          </p:spPr>
+          <p:style>
+            <a:lnRef idx="2">
+              <a:schemeClr val="accent1">
+                <a:shade val="50000"/>
+              </a:schemeClr>
+            </a:lnRef>
+            <a:fillRef idx="1">
+              <a:schemeClr val="accent1"/>
+            </a:fillRef>
+            <a:effectRef idx="0">
+              <a:schemeClr val="accent1"/>
+            </a:effectRef>
+            <a:fontRef idx="minor">
+              <a:schemeClr val="lt1"/>
+            </a:fontRef>
+          </p:style>
+          <p:txBody>
+            <a:bodyPr rtlCol="0" anchor="t"/>
+            <a:lstStyle/>
+            <a:p>
+              <a:pPr algn="ctr"/>
+              <a:r>
+                <a:rPr lang="en-US" dirty="0" smtClean="0"/>
+                <a:t>Node 2</a:t>
+              </a:r>
+            </a:p>
+          </p:txBody>
+        </p:sp>
+        <p:sp>
+          <p:nvSpPr>
+            <p:cNvPr id="94" name="Rectangle 93"/>
+            <p:cNvSpPr/>
+            <p:nvPr/>
+          </p:nvSpPr>
+          <p:spPr>
+            <a:xfrm>
+              <a:off x="594907" y="3943350"/>
+              <a:ext cx="489215" cy="584220"/>
+            </a:xfrm>
+            <a:prstGeom prst="rect">
+              <a:avLst/>
+            </a:prstGeom>
+            <a:solidFill>
+              <a:schemeClr val="tx2">
+                <a:lumMod val="75000"/>
+              </a:schemeClr>
+            </a:solidFill>
+          </p:spPr>
+          <p:style>
+            <a:lnRef idx="2">
+              <a:schemeClr val="accent1">
+                <a:shade val="50000"/>
+              </a:schemeClr>
+            </a:lnRef>
+            <a:fillRef idx="1">
+              <a:schemeClr val="accent1"/>
+            </a:fillRef>
+            <a:effectRef idx="0">
+              <a:schemeClr val="accent1"/>
+            </a:effectRef>
+            <a:fontRef idx="minor">
+              <a:schemeClr val="lt1"/>
+            </a:fontRef>
+          </p:style>
+          <p:txBody>
+            <a:bodyPr rtlCol="0" anchor="t"/>
+            <a:lstStyle/>
+            <a:p>
+              <a:pPr algn="ctr"/>
+              <a:r>
+                <a:rPr lang="en-US" sz="1100" dirty="0" smtClean="0"/>
+                <a:t>VM1</a:t>
+              </a:r>
+              <a:endParaRPr lang="en-US" sz="1100" dirty="0"/>
+            </a:p>
+          </p:txBody>
+        </p:sp>
+        <p:sp>
+          <p:nvSpPr>
+            <p:cNvPr id="95" name="Rectangle 94"/>
+            <p:cNvSpPr/>
+            <p:nvPr/>
+          </p:nvSpPr>
+          <p:spPr>
+            <a:xfrm>
+              <a:off x="1129610" y="3943350"/>
+              <a:ext cx="489215" cy="584220"/>
+            </a:xfrm>
+            <a:prstGeom prst="rect">
+              <a:avLst/>
+            </a:prstGeom>
+            <a:solidFill>
+              <a:schemeClr val="tx2">
+                <a:lumMod val="75000"/>
+              </a:schemeClr>
+            </a:solidFill>
+          </p:spPr>
+          <p:style>
+            <a:lnRef idx="2">
+              <a:schemeClr val="accent1">
+                <a:shade val="50000"/>
+              </a:schemeClr>
+            </a:lnRef>
+            <a:fillRef idx="1">
+              <a:schemeClr val="accent1"/>
+            </a:fillRef>
+            <a:effectRef idx="0">
+              <a:schemeClr val="accent1"/>
+            </a:effectRef>
+            <a:fontRef idx="minor">
+              <a:schemeClr val="lt1"/>
+            </a:fontRef>
+          </p:style>
+          <p:txBody>
+            <a:bodyPr rtlCol="0" anchor="t"/>
+            <a:lstStyle/>
+            <a:p>
+              <a:pPr algn="ctr"/>
+              <a:r>
+                <a:rPr lang="en-US" sz="1000" dirty="0" smtClean="0"/>
+                <a:t>VM2</a:t>
+              </a:r>
+              <a:endParaRPr lang="en-US" sz="1000" dirty="0"/>
+            </a:p>
+          </p:txBody>
+        </p:sp>
+        <p:sp>
+          <p:nvSpPr>
+            <p:cNvPr id="96" name="Rectangle 95"/>
+            <p:cNvSpPr/>
+            <p:nvPr/>
+          </p:nvSpPr>
+          <p:spPr>
+            <a:xfrm>
+              <a:off x="1662120" y="3943350"/>
+              <a:ext cx="489215" cy="584220"/>
+            </a:xfrm>
+            <a:prstGeom prst="rect">
+              <a:avLst/>
+            </a:prstGeom>
+            <a:solidFill>
+              <a:schemeClr val="tx2">
+                <a:lumMod val="75000"/>
+              </a:schemeClr>
+            </a:solidFill>
+          </p:spPr>
+          <p:style>
+            <a:lnRef idx="2">
+              <a:schemeClr val="accent1">
+                <a:shade val="50000"/>
+              </a:schemeClr>
+            </a:lnRef>
+            <a:fillRef idx="1">
+              <a:schemeClr val="accent1"/>
+            </a:fillRef>
+            <a:effectRef idx="0">
+              <a:schemeClr val="accent1"/>
+            </a:effectRef>
+            <a:fontRef idx="minor">
+              <a:schemeClr val="lt1"/>
+            </a:fontRef>
+          </p:style>
+          <p:txBody>
+            <a:bodyPr rtlCol="0" anchor="t"/>
+            <a:lstStyle/>
+            <a:p>
+              <a:pPr algn="ctr"/>
+              <a:r>
+                <a:rPr lang="en-US" sz="1000" dirty="0" smtClean="0"/>
+                <a:t>VM3</a:t>
+              </a:r>
+              <a:endParaRPr lang="en-US" sz="1000" dirty="0"/>
+            </a:p>
+          </p:txBody>
+        </p:sp>
+        <p:sp>
+          <p:nvSpPr>
+            <p:cNvPr id="101" name="Rectangle 100"/>
+            <p:cNvSpPr/>
+            <p:nvPr/>
+          </p:nvSpPr>
+          <p:spPr>
+            <a:xfrm>
+              <a:off x="2196823" y="3943350"/>
+              <a:ext cx="489215" cy="584220"/>
+            </a:xfrm>
+            <a:prstGeom prst="rect">
+              <a:avLst/>
+            </a:prstGeom>
+            <a:solidFill>
+              <a:schemeClr val="tx2">
+                <a:lumMod val="75000"/>
+              </a:schemeClr>
+            </a:solidFill>
+          </p:spPr>
+          <p:style>
+            <a:lnRef idx="2">
+              <a:schemeClr val="accent1">
+                <a:shade val="50000"/>
+              </a:schemeClr>
+            </a:lnRef>
+            <a:fillRef idx="1">
+              <a:schemeClr val="accent1"/>
+            </a:fillRef>
+            <a:effectRef idx="0">
+              <a:schemeClr val="accent1"/>
+            </a:effectRef>
+            <a:fontRef idx="minor">
+              <a:schemeClr val="lt1"/>
+            </a:fontRef>
+          </p:style>
+          <p:txBody>
+            <a:bodyPr rtlCol="0" anchor="t"/>
+            <a:lstStyle/>
+            <a:p>
+              <a:pPr algn="ctr"/>
+              <a:r>
+                <a:rPr lang="en-US" sz="1000" dirty="0" smtClean="0"/>
+                <a:t>VM4</a:t>
+              </a:r>
+              <a:endParaRPr lang="en-US" sz="1000" dirty="0"/>
+            </a:p>
+          </p:txBody>
+        </p:sp>
+        <p:sp>
+          <p:nvSpPr>
+            <p:cNvPr id="102" name="Rectangle 101"/>
+            <p:cNvSpPr/>
+            <p:nvPr/>
+          </p:nvSpPr>
+          <p:spPr>
+            <a:xfrm>
+              <a:off x="1327929" y="2942268"/>
+              <a:ext cx="625087" cy="625087"/>
+            </a:xfrm>
+            <a:prstGeom prst="rect">
+              <a:avLst/>
+            </a:prstGeom>
+            <a:solidFill>
+              <a:schemeClr val="tx1">
+                <a:lumMod val="75000"/>
+                <a:lumOff val="25000"/>
+              </a:schemeClr>
+            </a:solidFill>
+          </p:spPr>
+          <p:style>
+            <a:lnRef idx="2">
+              <a:schemeClr val="accent1">
+                <a:shade val="50000"/>
+              </a:schemeClr>
+            </a:lnRef>
+            <a:fillRef idx="1">
+              <a:schemeClr val="accent1"/>
+            </a:fillRef>
+            <a:effectRef idx="0">
+              <a:schemeClr val="accent1"/>
+            </a:effectRef>
+            <a:fontRef idx="minor">
+              <a:schemeClr val="lt1"/>
+            </a:fontRef>
+          </p:style>
+          <p:txBody>
+            <a:bodyPr rtlCol="0" anchor="ctr"/>
+            <a:lstStyle/>
+            <a:p>
+              <a:pPr algn="ctr"/>
+              <a:r>
+                <a:rPr lang="en-US" sz="1200" dirty="0" smtClean="0"/>
+                <a:t>R2</a:t>
+              </a:r>
+              <a:endParaRPr lang="en-US" sz="1200" dirty="0"/>
+            </a:p>
+          </p:txBody>
+        </p:sp>
+        <p:sp>
+          <p:nvSpPr>
+            <p:cNvPr id="103" name="Rectangle 102"/>
+            <p:cNvSpPr/>
+            <p:nvPr/>
+          </p:nvSpPr>
+          <p:spPr>
+            <a:xfrm>
+              <a:off x="631152" y="4209600"/>
+              <a:ext cx="416724" cy="312543"/>
+            </a:xfrm>
+            <a:prstGeom prst="rect">
+              <a:avLst/>
+            </a:prstGeom>
+            <a:solidFill>
+              <a:srgbClr val="00B0F0"/>
+            </a:solidFill>
+          </p:spPr>
+          <p:style>
+            <a:lnRef idx="2">
+              <a:schemeClr val="accent1">
+                <a:shade val="50000"/>
+              </a:schemeClr>
+            </a:lnRef>
+            <a:fillRef idx="1">
+              <a:schemeClr val="accent1"/>
+            </a:fillRef>
+            <a:effectRef idx="0">
+              <a:schemeClr val="accent1"/>
+            </a:effectRef>
+            <a:fontRef idx="minor">
+              <a:schemeClr val="lt1"/>
+            </a:fontRef>
+          </p:style>
+          <p:txBody>
+            <a:bodyPr rtlCol="0" anchor="ctr"/>
+            <a:lstStyle/>
+            <a:p>
+              <a:pPr algn="ctr"/>
+              <a:r>
+                <a:rPr lang="en-US" sz="1000" dirty="0" smtClean="0">
+                  <a:solidFill>
+                    <a:schemeClr val="bg1"/>
+                  </a:solidFill>
+                </a:rPr>
+                <a:t>C2</a:t>
+              </a:r>
+              <a:endParaRPr lang="en-US" sz="1000" dirty="0">
+                <a:solidFill>
+                  <a:schemeClr val="bg1"/>
+                </a:solidFill>
+              </a:endParaRPr>
+            </a:p>
+          </p:txBody>
+        </p:sp>
+        <p:sp>
+          <p:nvSpPr>
+            <p:cNvPr id="104" name="Rectangle 103"/>
+            <p:cNvSpPr/>
+            <p:nvPr/>
+          </p:nvSpPr>
+          <p:spPr>
+            <a:xfrm>
+              <a:off x="1165855" y="4209600"/>
+              <a:ext cx="416724" cy="312543"/>
+            </a:xfrm>
+            <a:prstGeom prst="rect">
+              <a:avLst/>
+            </a:prstGeom>
+            <a:solidFill>
+              <a:srgbClr val="C00000"/>
+            </a:solidFill>
+          </p:spPr>
+          <p:style>
+            <a:lnRef idx="2">
+              <a:schemeClr val="accent1">
+                <a:shade val="50000"/>
+              </a:schemeClr>
+            </a:lnRef>
+            <a:fillRef idx="1">
+              <a:schemeClr val="accent1"/>
+            </a:fillRef>
+            <a:effectRef idx="0">
+              <a:schemeClr val="accent1"/>
+            </a:effectRef>
+            <a:fontRef idx="minor">
+              <a:schemeClr val="lt1"/>
+            </a:fontRef>
+          </p:style>
+          <p:txBody>
+            <a:bodyPr rtlCol="0" anchor="ctr"/>
+            <a:lstStyle/>
+            <a:p>
+              <a:pPr algn="ctr"/>
+              <a:r>
+                <a:rPr lang="en-US" sz="1000" dirty="0" smtClean="0"/>
+                <a:t>B2</a:t>
+              </a:r>
+              <a:endParaRPr lang="en-US" sz="1000" dirty="0"/>
+            </a:p>
+          </p:txBody>
+        </p:sp>
+        <p:sp>
+          <p:nvSpPr>
+            <p:cNvPr id="105" name="Rectangle 104"/>
+            <p:cNvSpPr/>
+            <p:nvPr/>
+          </p:nvSpPr>
+          <p:spPr>
+            <a:xfrm>
+              <a:off x="1698365" y="4209600"/>
+              <a:ext cx="416724" cy="312543"/>
+            </a:xfrm>
+            <a:prstGeom prst="rect">
+              <a:avLst/>
+            </a:prstGeom>
+            <a:solidFill>
+              <a:srgbClr val="FFFF00"/>
+            </a:solidFill>
+          </p:spPr>
+          <p:style>
+            <a:lnRef idx="2">
+              <a:schemeClr val="accent1">
+                <a:shade val="50000"/>
+              </a:schemeClr>
+            </a:lnRef>
+            <a:fillRef idx="1">
+              <a:schemeClr val="accent1"/>
+            </a:fillRef>
+            <a:effectRef idx="0">
+              <a:schemeClr val="accent1"/>
+            </a:effectRef>
+            <a:fontRef idx="minor">
+              <a:schemeClr val="lt1"/>
+            </a:fontRef>
+          </p:style>
+          <p:txBody>
+            <a:bodyPr rtlCol="0" anchor="ctr"/>
+            <a:lstStyle/>
+            <a:p>
+              <a:pPr algn="ctr"/>
+              <a:r>
+                <a:rPr lang="en-US" sz="1000" dirty="0" smtClean="0">
+                  <a:solidFill>
+                    <a:schemeClr val="tx2"/>
+                  </a:solidFill>
+                </a:rPr>
+                <a:t>A3</a:t>
+              </a:r>
+              <a:endParaRPr lang="en-US" sz="1000" dirty="0">
+                <a:solidFill>
+                  <a:schemeClr val="tx2"/>
+                </a:solidFill>
+              </a:endParaRPr>
+            </a:p>
+          </p:txBody>
+        </p:sp>
+        <p:sp>
+          <p:nvSpPr>
+            <p:cNvPr id="106" name="Rectangle 105"/>
+            <p:cNvSpPr/>
+            <p:nvPr/>
+          </p:nvSpPr>
+          <p:spPr>
+            <a:xfrm>
+              <a:off x="2233068" y="4209600"/>
+              <a:ext cx="416724" cy="312543"/>
+            </a:xfrm>
+            <a:prstGeom prst="rect">
+              <a:avLst/>
+            </a:prstGeom>
+            <a:solidFill>
+              <a:srgbClr val="00B0F0"/>
+            </a:solidFill>
+          </p:spPr>
+          <p:style>
+            <a:lnRef idx="2">
+              <a:schemeClr val="accent1">
+                <a:shade val="50000"/>
+              </a:schemeClr>
+            </a:lnRef>
+            <a:fillRef idx="1">
+              <a:schemeClr val="accent1"/>
+            </a:fillRef>
+            <a:effectRef idx="0">
+              <a:schemeClr val="accent1"/>
+            </a:effectRef>
+            <a:fontRef idx="minor">
+              <a:schemeClr val="lt1"/>
+            </a:fontRef>
+          </p:style>
+          <p:txBody>
+            <a:bodyPr rtlCol="0" anchor="ctr"/>
+            <a:lstStyle/>
+            <a:p>
+              <a:pPr algn="ctr"/>
+              <a:r>
+                <a:rPr lang="en-US" sz="1000" dirty="0" smtClean="0"/>
+                <a:t>C3</a:t>
+              </a:r>
+              <a:endParaRPr lang="en-US" sz="1000" dirty="0"/>
+            </a:p>
+          </p:txBody>
+        </p:sp>
+        <p:cxnSp>
+          <p:nvCxnSpPr>
+            <p:cNvPr id="107" name="Straight Connector 106"/>
+            <p:cNvCxnSpPr>
+              <a:endCxn id="102" idx="2"/>
+            </p:cNvCxnSpPr>
+            <p:nvPr/>
+          </p:nvCxnSpPr>
+          <p:spPr>
+            <a:xfrm flipV="1">
+              <a:off x="914400" y="3567355"/>
+              <a:ext cx="726073" cy="367163"/>
+            </a:xfrm>
+            <a:prstGeom prst="line">
+              <a:avLst/>
+            </a:prstGeom>
+            <a:ln w="12700">
+              <a:solidFill>
+                <a:schemeClr val="tx1"/>
+              </a:solidFill>
+            </a:ln>
+          </p:spPr>
+          <p:style>
+            <a:lnRef idx="1">
+              <a:schemeClr val="accent1"/>
+            </a:lnRef>
+            <a:fillRef idx="0">
+              <a:schemeClr val="accent1"/>
+            </a:fillRef>
+            <a:effectRef idx="0">
+              <a:schemeClr val="accent1"/>
+            </a:effectRef>
+            <a:fontRef idx="minor">
+              <a:schemeClr val="tx1"/>
+            </a:fontRef>
+          </p:style>
+        </p:cxnSp>
+        <p:cxnSp>
+          <p:nvCxnSpPr>
+            <p:cNvPr id="109" name="Straight Connector 108"/>
+            <p:cNvCxnSpPr>
+              <a:stCxn id="95" idx="0"/>
+              <a:endCxn id="102" idx="2"/>
+            </p:cNvCxnSpPr>
+            <p:nvPr/>
+          </p:nvCxnSpPr>
+          <p:spPr>
+            <a:xfrm flipV="1">
+              <a:off x="1374218" y="3567355"/>
+              <a:ext cx="266255" cy="375995"/>
+            </a:xfrm>
+            <a:prstGeom prst="line">
+              <a:avLst/>
+            </a:prstGeom>
+            <a:ln w="12700">
+              <a:solidFill>
+                <a:schemeClr val="tx1"/>
+              </a:solidFill>
+            </a:ln>
+          </p:spPr>
+          <p:style>
+            <a:lnRef idx="1">
+              <a:schemeClr val="accent1"/>
+            </a:lnRef>
+            <a:fillRef idx="0">
+              <a:schemeClr val="accent1"/>
+            </a:fillRef>
+            <a:effectRef idx="0">
+              <a:schemeClr val="accent1"/>
+            </a:effectRef>
+            <a:fontRef idx="minor">
+              <a:schemeClr val="tx1"/>
+            </a:fontRef>
+          </p:style>
+        </p:cxnSp>
+        <p:cxnSp>
+          <p:nvCxnSpPr>
+            <p:cNvPr id="110" name="Straight Connector 109"/>
+            <p:cNvCxnSpPr>
+              <a:stCxn id="96" idx="0"/>
+              <a:endCxn id="102" idx="2"/>
+            </p:cNvCxnSpPr>
+            <p:nvPr/>
+          </p:nvCxnSpPr>
+          <p:spPr>
+            <a:xfrm flipH="1" flipV="1">
+              <a:off x="1640473" y="3567355"/>
+              <a:ext cx="266255" cy="375995"/>
+            </a:xfrm>
+            <a:prstGeom prst="line">
+              <a:avLst/>
+            </a:prstGeom>
+            <a:ln w="12700">
+              <a:solidFill>
+                <a:schemeClr val="tx1"/>
+              </a:solidFill>
+            </a:ln>
+          </p:spPr>
+          <p:style>
+            <a:lnRef idx="1">
+              <a:schemeClr val="accent1"/>
+            </a:lnRef>
+            <a:fillRef idx="0">
+              <a:schemeClr val="accent1"/>
+            </a:fillRef>
+            <a:effectRef idx="0">
+              <a:schemeClr val="accent1"/>
+            </a:effectRef>
+            <a:fontRef idx="minor">
+              <a:schemeClr val="tx1"/>
+            </a:fontRef>
+          </p:style>
+        </p:cxnSp>
+        <p:cxnSp>
+          <p:nvCxnSpPr>
+            <p:cNvPr id="111" name="Straight Connector 110"/>
+            <p:cNvCxnSpPr>
+              <a:stCxn id="101" idx="0"/>
+              <a:endCxn id="102" idx="2"/>
+            </p:cNvCxnSpPr>
+            <p:nvPr/>
+          </p:nvCxnSpPr>
+          <p:spPr>
+            <a:xfrm flipH="1" flipV="1">
+              <a:off x="1640473" y="3567355"/>
+              <a:ext cx="800958" cy="375995"/>
+            </a:xfrm>
+            <a:prstGeom prst="line">
+              <a:avLst/>
+            </a:prstGeom>
+            <a:ln w="12700">
+              <a:solidFill>
+                <a:schemeClr val="tx1"/>
+              </a:solidFill>
+            </a:ln>
+          </p:spPr>
+          <p:style>
+            <a:lnRef idx="1">
+              <a:schemeClr val="accent1"/>
+            </a:lnRef>
+            <a:fillRef idx="0">
+              <a:schemeClr val="accent1"/>
+            </a:fillRef>
+            <a:effectRef idx="0">
+              <a:schemeClr val="accent1"/>
+            </a:effectRef>
+            <a:fontRef idx="minor">
+              <a:schemeClr val="tx1"/>
+            </a:fontRef>
+          </p:style>
+        </p:cxnSp>
+        <p:sp>
+          <p:nvSpPr>
+            <p:cNvPr id="112" name="TextBox 111"/>
+            <p:cNvSpPr txBox="1"/>
+            <p:nvPr/>
+          </p:nvSpPr>
+          <p:spPr>
+            <a:xfrm>
+              <a:off x="1958126" y="3591365"/>
+              <a:ext cx="761747" cy="230832"/>
+            </a:xfrm>
+            <a:prstGeom prst="rect">
+              <a:avLst/>
+            </a:prstGeom>
+            <a:noFill/>
+          </p:spPr>
+          <p:txBody>
+            <a:bodyPr wrap="none" rtlCol="0">
+              <a:spAutoFit/>
+            </a:bodyPr>
+            <a:lstStyle/>
+            <a:p>
+              <a:r>
+                <a:rPr lang="en-US" sz="900" dirty="0" smtClean="0"/>
+                <a:t>10.2.4.1/24</a:t>
+              </a:r>
+              <a:endParaRPr lang="en-US" sz="900" dirty="0"/>
+            </a:p>
+          </p:txBody>
+        </p:sp>
+      </p:grpSp>
+      <p:grpSp>
+        <p:nvGrpSpPr>
+          <p:cNvPr id="115" name="Group 114"/>
+          <p:cNvGrpSpPr/>
+          <p:nvPr/>
+        </p:nvGrpSpPr>
+        <p:grpSpPr>
+          <a:xfrm>
+            <a:off x="6365757" y="2406536"/>
+            <a:ext cx="2187803" cy="2187803"/>
+            <a:chOff x="546571" y="2432965"/>
+            <a:chExt cx="2187803" cy="2187803"/>
+          </a:xfrm>
+        </p:grpSpPr>
+        <p:sp>
+          <p:nvSpPr>
+            <p:cNvPr id="118" name="Rectangle 117"/>
+            <p:cNvSpPr/>
+            <p:nvPr/>
+          </p:nvSpPr>
+          <p:spPr>
+            <a:xfrm>
+              <a:off x="546571" y="2432965"/>
+              <a:ext cx="2187803" cy="2187803"/>
+            </a:xfrm>
+            <a:prstGeom prst="rect">
+              <a:avLst/>
+            </a:prstGeom>
+            <a:solidFill>
+              <a:schemeClr val="tx2">
+                <a:lumMod val="40000"/>
+                <a:lumOff val="60000"/>
+              </a:schemeClr>
+            </a:solidFill>
+          </p:spPr>
+          <p:style>
+            <a:lnRef idx="2">
+              <a:schemeClr val="accent1">
+                <a:shade val="50000"/>
+              </a:schemeClr>
+            </a:lnRef>
+            <a:fillRef idx="1">
+              <a:schemeClr val="accent1"/>
+            </a:fillRef>
+            <a:effectRef idx="0">
+              <a:schemeClr val="accent1"/>
+            </a:effectRef>
+            <a:fontRef idx="minor">
+              <a:schemeClr val="lt1"/>
+            </a:fontRef>
+          </p:style>
+          <p:txBody>
+            <a:bodyPr rtlCol="0" anchor="t"/>
+            <a:lstStyle/>
+            <a:p>
+              <a:pPr algn="ctr"/>
+              <a:r>
+                <a:rPr lang="en-US" dirty="0" smtClean="0"/>
+                <a:t>Node 3</a:t>
+              </a:r>
+            </a:p>
+          </p:txBody>
+        </p:sp>
+        <p:sp>
+          <p:nvSpPr>
+            <p:cNvPr id="119" name="Rectangle 118"/>
+            <p:cNvSpPr/>
+            <p:nvPr/>
+          </p:nvSpPr>
+          <p:spPr>
+            <a:xfrm>
+              <a:off x="594907" y="3943350"/>
+              <a:ext cx="489215" cy="584220"/>
+            </a:xfrm>
+            <a:prstGeom prst="rect">
+              <a:avLst/>
+            </a:prstGeom>
+            <a:solidFill>
+              <a:schemeClr val="tx2">
+                <a:lumMod val="75000"/>
+              </a:schemeClr>
+            </a:solidFill>
+          </p:spPr>
+          <p:style>
+            <a:lnRef idx="2">
+              <a:schemeClr val="accent1">
+                <a:shade val="50000"/>
+              </a:schemeClr>
+            </a:lnRef>
+            <a:fillRef idx="1">
+              <a:schemeClr val="accent1"/>
+            </a:fillRef>
+            <a:effectRef idx="0">
+              <a:schemeClr val="accent1"/>
+            </a:effectRef>
+            <a:fontRef idx="minor">
+              <a:schemeClr val="lt1"/>
+            </a:fontRef>
+          </p:style>
+          <p:txBody>
+            <a:bodyPr rtlCol="0" anchor="t"/>
+            <a:lstStyle/>
+            <a:p>
+              <a:pPr algn="ctr"/>
+              <a:r>
+                <a:rPr lang="en-US" sz="1100" dirty="0" smtClean="0"/>
+                <a:t>VM1</a:t>
+              </a:r>
+              <a:endParaRPr lang="en-US" sz="1100" dirty="0"/>
+            </a:p>
+          </p:txBody>
+        </p:sp>
+        <p:sp>
+          <p:nvSpPr>
+            <p:cNvPr id="120" name="Rectangle 119"/>
+            <p:cNvSpPr/>
+            <p:nvPr/>
+          </p:nvSpPr>
+          <p:spPr>
+            <a:xfrm>
+              <a:off x="1129610" y="3943350"/>
+              <a:ext cx="489215" cy="584220"/>
+            </a:xfrm>
+            <a:prstGeom prst="rect">
+              <a:avLst/>
+            </a:prstGeom>
+            <a:solidFill>
+              <a:schemeClr val="tx2">
+                <a:lumMod val="75000"/>
+              </a:schemeClr>
+            </a:solidFill>
+          </p:spPr>
+          <p:style>
+            <a:lnRef idx="2">
+              <a:schemeClr val="accent1">
+                <a:shade val="50000"/>
+              </a:schemeClr>
+            </a:lnRef>
+            <a:fillRef idx="1">
+              <a:schemeClr val="accent1"/>
+            </a:fillRef>
+            <a:effectRef idx="0">
+              <a:schemeClr val="accent1"/>
+            </a:effectRef>
+            <a:fontRef idx="minor">
+              <a:schemeClr val="lt1"/>
+            </a:fontRef>
+          </p:style>
+          <p:txBody>
+            <a:bodyPr rtlCol="0" anchor="t"/>
+            <a:lstStyle/>
+            <a:p>
+              <a:pPr algn="ctr"/>
+              <a:r>
+                <a:rPr lang="en-US" sz="1000" dirty="0" smtClean="0"/>
+                <a:t>VM2</a:t>
+              </a:r>
+              <a:endParaRPr lang="en-US" sz="1000" dirty="0"/>
+            </a:p>
+          </p:txBody>
+        </p:sp>
+        <p:sp>
+          <p:nvSpPr>
+            <p:cNvPr id="121" name="Rectangle 120"/>
+            <p:cNvSpPr/>
+            <p:nvPr/>
+          </p:nvSpPr>
+          <p:spPr>
+            <a:xfrm>
+              <a:off x="1662120" y="3943350"/>
+              <a:ext cx="489215" cy="584220"/>
+            </a:xfrm>
+            <a:prstGeom prst="rect">
+              <a:avLst/>
+            </a:prstGeom>
+            <a:solidFill>
+              <a:schemeClr val="tx2">
+                <a:lumMod val="75000"/>
+              </a:schemeClr>
+            </a:solidFill>
+          </p:spPr>
+          <p:style>
+            <a:lnRef idx="2">
+              <a:schemeClr val="accent1">
+                <a:shade val="50000"/>
+              </a:schemeClr>
+            </a:lnRef>
+            <a:fillRef idx="1">
+              <a:schemeClr val="accent1"/>
+            </a:fillRef>
+            <a:effectRef idx="0">
+              <a:schemeClr val="accent1"/>
+            </a:effectRef>
+            <a:fontRef idx="minor">
+              <a:schemeClr val="lt1"/>
+            </a:fontRef>
+          </p:style>
+          <p:txBody>
+            <a:bodyPr rtlCol="0" anchor="t"/>
+            <a:lstStyle/>
+            <a:p>
+              <a:pPr algn="ctr"/>
+              <a:r>
+                <a:rPr lang="en-US" sz="1000" dirty="0" smtClean="0"/>
+                <a:t>VM3</a:t>
+              </a:r>
+              <a:endParaRPr lang="en-US" sz="1000" dirty="0"/>
+            </a:p>
+          </p:txBody>
+        </p:sp>
+        <p:sp>
+          <p:nvSpPr>
+            <p:cNvPr id="122" name="Rectangle 121"/>
+            <p:cNvSpPr/>
+            <p:nvPr/>
+          </p:nvSpPr>
+          <p:spPr>
+            <a:xfrm>
+              <a:off x="2196823" y="3943350"/>
+              <a:ext cx="489215" cy="584220"/>
+            </a:xfrm>
+            <a:prstGeom prst="rect">
+              <a:avLst/>
+            </a:prstGeom>
+            <a:solidFill>
+              <a:schemeClr val="tx2">
+                <a:lumMod val="75000"/>
+              </a:schemeClr>
+            </a:solidFill>
+          </p:spPr>
+          <p:style>
+            <a:lnRef idx="2">
+              <a:schemeClr val="accent1">
+                <a:shade val="50000"/>
+              </a:schemeClr>
+            </a:lnRef>
+            <a:fillRef idx="1">
+              <a:schemeClr val="accent1"/>
+            </a:fillRef>
+            <a:effectRef idx="0">
+              <a:schemeClr val="accent1"/>
+            </a:effectRef>
+            <a:fontRef idx="minor">
+              <a:schemeClr val="lt1"/>
+            </a:fontRef>
+          </p:style>
+          <p:txBody>
+            <a:bodyPr rtlCol="0" anchor="t"/>
+            <a:lstStyle/>
+            <a:p>
+              <a:pPr algn="ctr"/>
+              <a:r>
+                <a:rPr lang="en-US" sz="1000" dirty="0" smtClean="0"/>
+                <a:t>VM4</a:t>
+              </a:r>
+              <a:endParaRPr lang="en-US" sz="1000" dirty="0"/>
+            </a:p>
+          </p:txBody>
+        </p:sp>
+        <p:sp>
+          <p:nvSpPr>
+            <p:cNvPr id="123" name="Rectangle 122"/>
+            <p:cNvSpPr/>
+            <p:nvPr/>
+          </p:nvSpPr>
+          <p:spPr>
+            <a:xfrm>
+              <a:off x="1327929" y="2942268"/>
+              <a:ext cx="625087" cy="625087"/>
+            </a:xfrm>
+            <a:prstGeom prst="rect">
+              <a:avLst/>
+            </a:prstGeom>
+            <a:solidFill>
+              <a:schemeClr val="tx1">
+                <a:lumMod val="75000"/>
+                <a:lumOff val="25000"/>
+              </a:schemeClr>
+            </a:solidFill>
+          </p:spPr>
+          <p:style>
+            <a:lnRef idx="2">
+              <a:schemeClr val="accent1">
+                <a:shade val="50000"/>
+              </a:schemeClr>
+            </a:lnRef>
+            <a:fillRef idx="1">
+              <a:schemeClr val="accent1"/>
+            </a:fillRef>
+            <a:effectRef idx="0">
+              <a:schemeClr val="accent1"/>
+            </a:effectRef>
+            <a:fontRef idx="minor">
+              <a:schemeClr val="lt1"/>
+            </a:fontRef>
+          </p:style>
+          <p:txBody>
+            <a:bodyPr rtlCol="0" anchor="ctr"/>
+            <a:lstStyle/>
+            <a:p>
+              <a:pPr algn="ctr"/>
+              <a:r>
+                <a:rPr lang="en-US" sz="1200" dirty="0" smtClean="0"/>
+                <a:t>R3</a:t>
+              </a:r>
+              <a:endParaRPr lang="en-US" sz="1200" dirty="0"/>
+            </a:p>
+          </p:txBody>
+        </p:sp>
+        <p:sp>
+          <p:nvSpPr>
+            <p:cNvPr id="124" name="Rectangle 123"/>
+            <p:cNvSpPr/>
+            <p:nvPr/>
+          </p:nvSpPr>
+          <p:spPr>
+            <a:xfrm>
+              <a:off x="631152" y="4209600"/>
+              <a:ext cx="416724" cy="312543"/>
+            </a:xfrm>
+            <a:prstGeom prst="rect">
+              <a:avLst/>
+            </a:prstGeom>
+            <a:solidFill>
+              <a:schemeClr val="bg1">
+                <a:lumMod val="95000"/>
+              </a:schemeClr>
+            </a:solidFill>
+          </p:spPr>
+          <p:style>
+            <a:lnRef idx="2">
+              <a:schemeClr val="accent1">
+                <a:shade val="50000"/>
+              </a:schemeClr>
+            </a:lnRef>
+            <a:fillRef idx="1">
+              <a:schemeClr val="accent1"/>
+            </a:fillRef>
+            <a:effectRef idx="0">
+              <a:schemeClr val="accent1"/>
+            </a:effectRef>
+            <a:fontRef idx="minor">
+              <a:schemeClr val="lt1"/>
+            </a:fontRef>
+          </p:style>
+          <p:txBody>
+            <a:bodyPr rtlCol="0" anchor="ctr"/>
+            <a:lstStyle/>
+            <a:p>
+              <a:pPr algn="ctr"/>
+              <a:r>
+                <a:rPr lang="en-US" sz="800" dirty="0" smtClean="0">
+                  <a:solidFill>
+                    <a:schemeClr val="tx1"/>
+                  </a:solidFill>
+                </a:rPr>
+                <a:t>DNS</a:t>
+              </a:r>
+              <a:endParaRPr lang="en-US" sz="800" dirty="0">
+                <a:solidFill>
+                  <a:schemeClr val="tx1"/>
+                </a:solidFill>
+              </a:endParaRPr>
+            </a:p>
+          </p:txBody>
+        </p:sp>
+        <p:sp>
+          <p:nvSpPr>
+            <p:cNvPr id="125" name="Rectangle 124"/>
+            <p:cNvSpPr/>
+            <p:nvPr/>
+          </p:nvSpPr>
+          <p:spPr>
+            <a:xfrm>
+              <a:off x="1165855" y="4209600"/>
+              <a:ext cx="416724" cy="312543"/>
+            </a:xfrm>
+            <a:prstGeom prst="rect">
+              <a:avLst/>
+            </a:prstGeom>
+            <a:solidFill>
+              <a:schemeClr val="bg1">
+                <a:lumMod val="95000"/>
+              </a:schemeClr>
+            </a:solidFill>
+          </p:spPr>
+          <p:style>
+            <a:lnRef idx="2">
+              <a:schemeClr val="accent1">
+                <a:shade val="50000"/>
+              </a:schemeClr>
+            </a:lnRef>
+            <a:fillRef idx="1">
+              <a:schemeClr val="accent1"/>
+            </a:fillRef>
+            <a:effectRef idx="0">
+              <a:schemeClr val="accent1"/>
+            </a:effectRef>
+            <a:fontRef idx="minor">
+              <a:schemeClr val="lt1"/>
+            </a:fontRef>
+          </p:style>
+          <p:txBody>
+            <a:bodyPr rtlCol="0" anchor="ctr"/>
+            <a:lstStyle/>
+            <a:p>
+              <a:pPr algn="ctr"/>
+              <a:r>
+                <a:rPr lang="en-US" sz="800" dirty="0" smtClean="0">
+                  <a:solidFill>
+                    <a:schemeClr val="tx1"/>
+                  </a:solidFill>
+                </a:rPr>
+                <a:t>LB</a:t>
+              </a:r>
+              <a:endParaRPr lang="en-US" sz="800" dirty="0">
+                <a:solidFill>
+                  <a:schemeClr val="tx1"/>
+                </a:solidFill>
+              </a:endParaRPr>
+            </a:p>
+          </p:txBody>
+        </p:sp>
+        <p:sp>
+          <p:nvSpPr>
+            <p:cNvPr id="126" name="Rectangle 125"/>
+            <p:cNvSpPr/>
+            <p:nvPr/>
+          </p:nvSpPr>
+          <p:spPr>
+            <a:xfrm>
+              <a:off x="1698365" y="4209600"/>
+              <a:ext cx="416724" cy="312543"/>
+            </a:xfrm>
+            <a:prstGeom prst="rect">
+              <a:avLst/>
+            </a:prstGeom>
+            <a:solidFill>
+              <a:schemeClr val="bg1">
+                <a:lumMod val="95000"/>
+              </a:schemeClr>
+            </a:solidFill>
+          </p:spPr>
+          <p:style>
+            <a:lnRef idx="2">
+              <a:schemeClr val="accent1">
+                <a:shade val="50000"/>
+              </a:schemeClr>
+            </a:lnRef>
+            <a:fillRef idx="1">
+              <a:schemeClr val="accent1"/>
+            </a:fillRef>
+            <a:effectRef idx="0">
+              <a:schemeClr val="accent1"/>
+            </a:effectRef>
+            <a:fontRef idx="minor">
+              <a:schemeClr val="lt1"/>
+            </a:fontRef>
+          </p:style>
+          <p:txBody>
+            <a:bodyPr rtlCol="0" anchor="ctr"/>
+            <a:lstStyle/>
+            <a:p>
+              <a:pPr algn="ctr"/>
+              <a:r>
+                <a:rPr lang="en-US" sz="800" dirty="0" smtClean="0">
+                  <a:solidFill>
+                    <a:schemeClr val="tx1"/>
+                  </a:solidFill>
+                </a:rPr>
+                <a:t>FW</a:t>
+              </a:r>
+              <a:endParaRPr lang="en-US" sz="800" dirty="0">
+                <a:solidFill>
+                  <a:schemeClr val="tx1"/>
+                </a:solidFill>
+              </a:endParaRPr>
+            </a:p>
+          </p:txBody>
+        </p:sp>
+        <p:sp>
+          <p:nvSpPr>
+            <p:cNvPr id="127" name="Rectangle 126"/>
+            <p:cNvSpPr/>
+            <p:nvPr/>
+          </p:nvSpPr>
+          <p:spPr>
+            <a:xfrm>
+              <a:off x="2233068" y="4209600"/>
+              <a:ext cx="416724" cy="312543"/>
+            </a:xfrm>
+            <a:prstGeom prst="rect">
+              <a:avLst/>
+            </a:prstGeom>
+            <a:solidFill>
+              <a:schemeClr val="bg1">
+                <a:lumMod val="95000"/>
+              </a:schemeClr>
+            </a:solidFill>
+          </p:spPr>
+          <p:style>
+            <a:lnRef idx="2">
+              <a:schemeClr val="accent1">
+                <a:shade val="50000"/>
+              </a:schemeClr>
+            </a:lnRef>
+            <a:fillRef idx="1">
+              <a:schemeClr val="accent1"/>
+            </a:fillRef>
+            <a:effectRef idx="0">
+              <a:schemeClr val="accent1"/>
+            </a:effectRef>
+            <a:fontRef idx="minor">
+              <a:schemeClr val="lt1"/>
+            </a:fontRef>
+          </p:style>
+          <p:txBody>
+            <a:bodyPr rtlCol="0" anchor="ctr"/>
+            <a:lstStyle/>
+            <a:p>
+              <a:pPr algn="ctr"/>
+              <a:r>
+                <a:rPr lang="en-US" sz="800" dirty="0" smtClean="0">
+                  <a:solidFill>
+                    <a:schemeClr val="tx1"/>
+                  </a:solidFill>
+                </a:rPr>
+                <a:t>NAT</a:t>
+              </a:r>
+              <a:endParaRPr lang="en-US" sz="800" dirty="0">
+                <a:solidFill>
+                  <a:schemeClr val="tx1"/>
+                </a:solidFill>
+              </a:endParaRPr>
+            </a:p>
+          </p:txBody>
+        </p:sp>
+        <p:cxnSp>
+          <p:nvCxnSpPr>
+            <p:cNvPr id="128" name="Straight Connector 127"/>
+            <p:cNvCxnSpPr>
+              <a:endCxn id="123" idx="2"/>
+            </p:cNvCxnSpPr>
+            <p:nvPr/>
+          </p:nvCxnSpPr>
+          <p:spPr>
+            <a:xfrm flipV="1">
+              <a:off x="914400" y="3567355"/>
+              <a:ext cx="726073" cy="367163"/>
+            </a:xfrm>
+            <a:prstGeom prst="line">
+              <a:avLst/>
+            </a:prstGeom>
+            <a:ln w="12700">
+              <a:solidFill>
+                <a:schemeClr val="tx1"/>
+              </a:solidFill>
+            </a:ln>
+          </p:spPr>
+          <p:style>
+            <a:lnRef idx="1">
+              <a:schemeClr val="accent1"/>
+            </a:lnRef>
+            <a:fillRef idx="0">
+              <a:schemeClr val="accent1"/>
+            </a:fillRef>
+            <a:effectRef idx="0">
+              <a:schemeClr val="accent1"/>
+            </a:effectRef>
+            <a:fontRef idx="minor">
+              <a:schemeClr val="tx1"/>
+            </a:fontRef>
+          </p:style>
+        </p:cxnSp>
+        <p:cxnSp>
+          <p:nvCxnSpPr>
+            <p:cNvPr id="129" name="Straight Connector 128"/>
+            <p:cNvCxnSpPr>
+              <a:stCxn id="120" idx="0"/>
+              <a:endCxn id="123" idx="2"/>
+            </p:cNvCxnSpPr>
+            <p:nvPr/>
+          </p:nvCxnSpPr>
+          <p:spPr>
+            <a:xfrm flipV="1">
+              <a:off x="1374218" y="3567355"/>
+              <a:ext cx="266255" cy="375995"/>
+            </a:xfrm>
+            <a:prstGeom prst="line">
+              <a:avLst/>
+            </a:prstGeom>
+            <a:ln w="12700">
+              <a:solidFill>
+                <a:schemeClr val="tx1"/>
+              </a:solidFill>
+            </a:ln>
+          </p:spPr>
+          <p:style>
+            <a:lnRef idx="1">
+              <a:schemeClr val="accent1"/>
+            </a:lnRef>
+            <a:fillRef idx="0">
+              <a:schemeClr val="accent1"/>
+            </a:fillRef>
+            <a:effectRef idx="0">
+              <a:schemeClr val="accent1"/>
+            </a:effectRef>
+            <a:fontRef idx="minor">
+              <a:schemeClr val="tx1"/>
+            </a:fontRef>
+          </p:style>
+        </p:cxnSp>
+        <p:cxnSp>
+          <p:nvCxnSpPr>
+            <p:cNvPr id="130" name="Straight Connector 129"/>
+            <p:cNvCxnSpPr>
+              <a:stCxn id="121" idx="0"/>
+              <a:endCxn id="123" idx="2"/>
+            </p:cNvCxnSpPr>
+            <p:nvPr/>
+          </p:nvCxnSpPr>
+          <p:spPr>
+            <a:xfrm flipH="1" flipV="1">
+              <a:off x="1640473" y="3567355"/>
+              <a:ext cx="266255" cy="375995"/>
+            </a:xfrm>
+            <a:prstGeom prst="line">
+              <a:avLst/>
+            </a:prstGeom>
+            <a:ln w="12700">
+              <a:solidFill>
+                <a:schemeClr val="tx1"/>
+              </a:solidFill>
+            </a:ln>
+          </p:spPr>
+          <p:style>
+            <a:lnRef idx="1">
+              <a:schemeClr val="accent1"/>
+            </a:lnRef>
+            <a:fillRef idx="0">
+              <a:schemeClr val="accent1"/>
+            </a:fillRef>
+            <a:effectRef idx="0">
+              <a:schemeClr val="accent1"/>
+            </a:effectRef>
+            <a:fontRef idx="minor">
+              <a:schemeClr val="tx1"/>
+            </a:fontRef>
+          </p:style>
+        </p:cxnSp>
+        <p:cxnSp>
+          <p:nvCxnSpPr>
+            <p:cNvPr id="131" name="Straight Connector 130"/>
+            <p:cNvCxnSpPr>
+              <a:stCxn id="122" idx="0"/>
+              <a:endCxn id="123" idx="2"/>
+            </p:cNvCxnSpPr>
+            <p:nvPr/>
+          </p:nvCxnSpPr>
+          <p:spPr>
+            <a:xfrm flipH="1" flipV="1">
+              <a:off x="1640473" y="3567355"/>
+              <a:ext cx="800958" cy="375995"/>
+            </a:xfrm>
+            <a:prstGeom prst="line">
+              <a:avLst/>
+            </a:prstGeom>
+            <a:ln w="12700">
+              <a:solidFill>
+                <a:schemeClr val="tx1"/>
+              </a:solidFill>
+            </a:ln>
+          </p:spPr>
+          <p:style>
+            <a:lnRef idx="1">
+              <a:schemeClr val="accent1"/>
+            </a:lnRef>
+            <a:fillRef idx="0">
+              <a:schemeClr val="accent1"/>
+            </a:fillRef>
+            <a:effectRef idx="0">
+              <a:schemeClr val="accent1"/>
+            </a:effectRef>
+            <a:fontRef idx="minor">
+              <a:schemeClr val="tx1"/>
+            </a:fontRef>
+          </p:style>
+        </p:cxnSp>
+      </p:grpSp>
+      <p:sp>
+        <p:nvSpPr>
+          <p:cNvPr id="63" name="TextBox 62"/>
+          <p:cNvSpPr txBox="1"/>
+          <p:nvPr/>
+        </p:nvSpPr>
+        <p:spPr>
+          <a:xfrm>
+            <a:off x="3393823" y="3588965"/>
+            <a:ext cx="761747" cy="230832"/>
+          </a:xfrm>
+          <a:prstGeom prst="rect">
+            <a:avLst/>
+          </a:prstGeom>
+          <a:noFill/>
+        </p:spPr>
+        <p:txBody>
+          <a:bodyPr wrap="none" rtlCol="0">
+            <a:spAutoFit/>
+          </a:bodyPr>
+          <a:lstStyle/>
+          <a:p>
+            <a:r>
+              <a:rPr lang="en-US" sz="900" dirty="0" smtClean="0"/>
+              <a:t>10.2.1.1/24</a:t>
+            </a:r>
+            <a:endParaRPr lang="en-US" sz="900" dirty="0"/>
+          </a:p>
+        </p:txBody>
+      </p:sp>
+      <p:sp>
+        <p:nvSpPr>
+          <p:cNvPr id="64" name="TextBox 63"/>
+          <p:cNvSpPr txBox="1"/>
+          <p:nvPr/>
+        </p:nvSpPr>
+        <p:spPr>
+          <a:xfrm>
+            <a:off x="309214" y="3649483"/>
+            <a:ext cx="761747" cy="230832"/>
+          </a:xfrm>
+          <a:prstGeom prst="rect">
+            <a:avLst/>
+          </a:prstGeom>
+          <a:noFill/>
+        </p:spPr>
+        <p:txBody>
+          <a:bodyPr wrap="none" rtlCol="0">
+            <a:spAutoFit/>
+          </a:bodyPr>
+          <a:lstStyle/>
+          <a:p>
+            <a:r>
+              <a:rPr lang="en-US" sz="900" dirty="0" smtClean="0"/>
+              <a:t>10.1.1.1/24</a:t>
+            </a:r>
+            <a:endParaRPr lang="en-US" sz="900" dirty="0"/>
+          </a:p>
+        </p:txBody>
+      </p:sp>
+      <p:sp>
+        <p:nvSpPr>
+          <p:cNvPr id="65" name="TextBox 64"/>
+          <p:cNvSpPr txBox="1"/>
+          <p:nvPr/>
+        </p:nvSpPr>
+        <p:spPr>
+          <a:xfrm>
+            <a:off x="6322343" y="3549758"/>
+            <a:ext cx="761747" cy="230832"/>
+          </a:xfrm>
+          <a:prstGeom prst="rect">
+            <a:avLst/>
+          </a:prstGeom>
+          <a:noFill/>
+        </p:spPr>
+        <p:txBody>
+          <a:bodyPr wrap="none" rtlCol="0">
+            <a:spAutoFit/>
+          </a:bodyPr>
+          <a:lstStyle/>
+          <a:p>
+            <a:r>
+              <a:rPr lang="en-US" sz="900" dirty="0" smtClean="0"/>
+              <a:t>10.3.1.1/24</a:t>
+            </a:r>
+            <a:endParaRPr lang="en-US" sz="900" dirty="0"/>
+          </a:p>
+        </p:txBody>
+      </p:sp>
+      <p:sp>
+        <p:nvSpPr>
+          <p:cNvPr id="67" name="TextBox 66"/>
+          <p:cNvSpPr txBox="1"/>
+          <p:nvPr/>
+        </p:nvSpPr>
+        <p:spPr>
+          <a:xfrm>
+            <a:off x="7706556" y="3539311"/>
+            <a:ext cx="761747" cy="230832"/>
+          </a:xfrm>
+          <a:prstGeom prst="rect">
+            <a:avLst/>
+          </a:prstGeom>
+          <a:noFill/>
+        </p:spPr>
+        <p:txBody>
+          <a:bodyPr wrap="none" rtlCol="0">
+            <a:spAutoFit/>
+          </a:bodyPr>
+          <a:lstStyle/>
+          <a:p>
+            <a:r>
+              <a:rPr lang="en-US" sz="900" dirty="0" smtClean="0"/>
+              <a:t>10.3.4.1/24</a:t>
+            </a:r>
+            <a:endParaRPr lang="en-US" sz="900" dirty="0"/>
+          </a:p>
+        </p:txBody>
+      </p:sp>
+      <p:sp>
+        <p:nvSpPr>
+          <p:cNvPr id="69" name="TextBox 68"/>
+          <p:cNvSpPr txBox="1"/>
+          <p:nvPr/>
+        </p:nvSpPr>
+        <p:spPr>
+          <a:xfrm>
+            <a:off x="2521886" y="1073955"/>
+            <a:ext cx="1412566" cy="646331"/>
+          </a:xfrm>
+          <a:prstGeom prst="rect">
+            <a:avLst/>
+          </a:prstGeom>
+          <a:noFill/>
+        </p:spPr>
+        <p:txBody>
+          <a:bodyPr wrap="none" rtlCol="0">
+            <a:spAutoFit/>
+          </a:bodyPr>
+          <a:lstStyle/>
+          <a:p>
+            <a:pPr defTabSz="746125"/>
+            <a:r>
+              <a:rPr lang="en-US" sz="900" smtClean="0"/>
+              <a:t>0.0.0.0	via Spine</a:t>
+            </a:r>
+          </a:p>
+          <a:p>
+            <a:pPr defTabSz="133350"/>
+            <a:r>
+              <a:rPr lang="en-US" sz="900" smtClean="0"/>
+              <a:t>10.1.0.0/16 via Node 1</a:t>
+            </a:r>
+          </a:p>
+          <a:p>
+            <a:pPr defTabSz="133350"/>
+            <a:r>
+              <a:rPr lang="en-US" sz="900" smtClean="0"/>
+              <a:t>10.2.0.0/16 via Node 2</a:t>
+            </a:r>
+          </a:p>
+          <a:p>
+            <a:pPr defTabSz="133350"/>
+            <a:r>
+              <a:rPr lang="en-US" sz="900" smtClean="0"/>
+              <a:t>10.3.0.0/16 via Node 3</a:t>
+            </a:r>
+            <a:endParaRPr lang="en-US" sz="900" dirty="0" smtClean="0"/>
+          </a:p>
+        </p:txBody>
+      </p:sp>
+      <p:sp>
+        <p:nvSpPr>
+          <p:cNvPr id="73" name="Rectangle 72"/>
+          <p:cNvSpPr/>
+          <p:nvPr/>
+        </p:nvSpPr>
+        <p:spPr>
+          <a:xfrm>
+            <a:off x="5091661" y="290353"/>
+            <a:ext cx="775739" cy="457200"/>
+          </a:xfrm>
+          <a:prstGeom prst="rect">
+            <a:avLst/>
+          </a:prstGeom>
+        </p:spPr>
+        <p:style>
+          <a:lnRef idx="2">
+            <a:schemeClr val="accent1">
+              <a:shade val="50000"/>
+            </a:schemeClr>
+          </a:lnRef>
+          <a:fillRef idx="1">
+            <a:schemeClr val="accent1"/>
+          </a:fillRef>
+          <a:effectRef idx="0">
+            <a:schemeClr val="accent1"/>
+          </a:effectRef>
+          <a:fontRef idx="minor">
+            <a:schemeClr val="lt1"/>
+          </a:fontRef>
+        </p:style>
+        <p:txBody>
+          <a:bodyPr rtlCol="0" anchor="ctr"/>
+          <a:lstStyle/>
+          <a:p>
+            <a:pPr algn="ctr"/>
+            <a:r>
+              <a:rPr lang="en-US" sz="1200" dirty="0" smtClean="0"/>
+              <a:t>R Spine</a:t>
+            </a:r>
+            <a:endParaRPr lang="en-US" sz="1200" dirty="0"/>
+          </a:p>
+        </p:txBody>
+      </p:sp>
+      <p:cxnSp>
+        <p:nvCxnSpPr>
+          <p:cNvPr id="13" name="Straight Connector 12"/>
+          <p:cNvCxnSpPr>
+            <a:stCxn id="34" idx="0"/>
+            <a:endCxn id="73" idx="2"/>
+          </p:cNvCxnSpPr>
+          <p:nvPr/>
+        </p:nvCxnSpPr>
+        <p:spPr>
+          <a:xfrm flipV="1">
+            <a:off x="4508607" y="747553"/>
+            <a:ext cx="970924" cy="446004"/>
+          </a:xfrm>
+          <a:prstGeom prst="line">
+            <a:avLst/>
+          </a:prstGeom>
+          <a:ln w="12700">
+            <a:solidFill>
+              <a:schemeClr val="tx1"/>
+            </a:solidFill>
+          </a:ln>
+        </p:spPr>
+        <p:style>
+          <a:lnRef idx="1">
+            <a:schemeClr val="accent1"/>
+          </a:lnRef>
+          <a:fillRef idx="0">
+            <a:schemeClr val="accent1"/>
+          </a:fillRef>
+          <a:effectRef idx="0">
+            <a:schemeClr val="accent1"/>
+          </a:effectRef>
+          <a:fontRef idx="minor">
+            <a:schemeClr val="tx1"/>
+          </a:fontRef>
+        </p:style>
+      </p:cxnSp>
+      <p:sp>
+        <p:nvSpPr>
+          <p:cNvPr id="77" name="TextBox 76"/>
+          <p:cNvSpPr txBox="1"/>
+          <p:nvPr/>
+        </p:nvSpPr>
+        <p:spPr>
+          <a:xfrm>
+            <a:off x="6007826" y="229284"/>
+            <a:ext cx="1508746" cy="507831"/>
+          </a:xfrm>
+          <a:prstGeom prst="rect">
+            <a:avLst/>
+          </a:prstGeom>
+          <a:noFill/>
+        </p:spPr>
+        <p:txBody>
+          <a:bodyPr wrap="none" rtlCol="0">
+            <a:spAutoFit/>
+          </a:bodyPr>
+          <a:lstStyle/>
+          <a:p>
+            <a:pPr defTabSz="746125"/>
+            <a:r>
+              <a:rPr lang="en-US" sz="900" dirty="0" smtClean="0"/>
+              <a:t>0.0.0.0	via Internet</a:t>
+            </a:r>
+          </a:p>
+          <a:p>
+            <a:pPr defTabSz="133350"/>
+            <a:r>
+              <a:rPr lang="en-US" sz="900" dirty="0" smtClean="0"/>
+              <a:t>10.0.0.0/9         via Leaf 1</a:t>
+            </a:r>
+          </a:p>
+          <a:p>
+            <a:pPr defTabSz="133350"/>
+            <a:r>
+              <a:rPr lang="en-US" sz="900" dirty="0" smtClean="0"/>
+              <a:t>10.128.0.0/9     via Leaf 2</a:t>
+            </a:r>
+          </a:p>
+        </p:txBody>
+      </p:sp>
+      <p:sp>
+        <p:nvSpPr>
+          <p:cNvPr id="89" name="TextBox 88"/>
+          <p:cNvSpPr txBox="1"/>
+          <p:nvPr/>
+        </p:nvSpPr>
+        <p:spPr>
+          <a:xfrm>
+            <a:off x="1905000" y="2699215"/>
+            <a:ext cx="1184940" cy="369332"/>
+          </a:xfrm>
+          <a:prstGeom prst="rect">
+            <a:avLst/>
+          </a:prstGeom>
+          <a:noFill/>
+        </p:spPr>
+        <p:txBody>
+          <a:bodyPr wrap="none" rtlCol="0">
+            <a:spAutoFit/>
+          </a:bodyPr>
+          <a:lstStyle/>
+          <a:p>
+            <a:r>
+              <a:rPr lang="en-US" sz="900" dirty="0" smtClean="0"/>
+              <a:t>0.0.0.0    via Leaf 1</a:t>
+            </a:r>
+            <a:endParaRPr lang="en-US" sz="900" dirty="0"/>
+          </a:p>
+          <a:p>
+            <a:r>
+              <a:rPr lang="en-US" sz="900" dirty="0" smtClean="0"/>
+              <a:t>G/W: 10.1.0.1/16</a:t>
+            </a:r>
+            <a:endParaRPr lang="en-US" sz="900" dirty="0"/>
+          </a:p>
+        </p:txBody>
+      </p:sp>
+      <p:sp>
+        <p:nvSpPr>
+          <p:cNvPr id="97" name="TextBox 96"/>
+          <p:cNvSpPr txBox="1"/>
+          <p:nvPr/>
+        </p:nvSpPr>
+        <p:spPr>
+          <a:xfrm>
+            <a:off x="4784420" y="2757973"/>
+            <a:ext cx="1184940" cy="369332"/>
+          </a:xfrm>
+          <a:prstGeom prst="rect">
+            <a:avLst/>
+          </a:prstGeom>
+          <a:noFill/>
+        </p:spPr>
+        <p:txBody>
+          <a:bodyPr wrap="none" rtlCol="0">
+            <a:spAutoFit/>
+          </a:bodyPr>
+          <a:lstStyle/>
+          <a:p>
+            <a:r>
+              <a:rPr lang="en-US" sz="900" dirty="0" smtClean="0"/>
+              <a:t>0.0.0.0    via Leaf 1</a:t>
+            </a:r>
+            <a:endParaRPr lang="en-US" sz="900" dirty="0"/>
+          </a:p>
+          <a:p>
+            <a:r>
+              <a:rPr lang="en-US" sz="900" dirty="0" smtClean="0"/>
+              <a:t>G/W: 10.2.0.1/16</a:t>
+            </a:r>
+            <a:endParaRPr lang="en-US" sz="900" dirty="0"/>
+          </a:p>
+        </p:txBody>
+      </p:sp>
+      <p:sp>
+        <p:nvSpPr>
+          <p:cNvPr id="98" name="TextBox 97"/>
+          <p:cNvSpPr txBox="1"/>
+          <p:nvPr/>
+        </p:nvSpPr>
+        <p:spPr>
+          <a:xfrm>
+            <a:off x="7710205" y="2770425"/>
+            <a:ext cx="1184940" cy="369332"/>
+          </a:xfrm>
+          <a:prstGeom prst="rect">
+            <a:avLst/>
+          </a:prstGeom>
+          <a:noFill/>
+        </p:spPr>
+        <p:txBody>
+          <a:bodyPr wrap="none" rtlCol="0">
+            <a:spAutoFit/>
+          </a:bodyPr>
+          <a:lstStyle/>
+          <a:p>
+            <a:r>
+              <a:rPr lang="en-US" sz="900" dirty="0" smtClean="0"/>
+              <a:t>0.0.0.0    via Leaf 1</a:t>
+            </a:r>
+            <a:endParaRPr lang="en-US" sz="900" dirty="0"/>
+          </a:p>
+          <a:p>
+            <a:r>
+              <a:rPr lang="en-US" sz="900" dirty="0" smtClean="0"/>
+              <a:t>G/W: 10.3.0.1/16</a:t>
+            </a:r>
+            <a:endParaRPr lang="en-US" sz="900" dirty="0"/>
+          </a:p>
+        </p:txBody>
+      </p:sp>
+      <p:sp>
+        <p:nvSpPr>
+          <p:cNvPr id="3" name="TextBox 2"/>
+          <p:cNvSpPr txBox="1"/>
+          <p:nvPr/>
+        </p:nvSpPr>
+        <p:spPr>
+          <a:xfrm>
+            <a:off x="457200" y="1022502"/>
+            <a:ext cx="1474321" cy="646331"/>
+          </a:xfrm>
+          <a:prstGeom prst="rect">
+            <a:avLst/>
+          </a:prstGeom>
+          <a:noFill/>
+        </p:spPr>
+        <p:txBody>
+          <a:bodyPr wrap="square" rtlCol="0">
+            <a:spAutoFit/>
+          </a:bodyPr>
+          <a:lstStyle/>
+          <a:p>
+            <a:pPr marL="171450" indent="-171450">
+              <a:buFont typeface="Arial" panose="020B0604020202020204" pitchFamily="34" charset="0"/>
+              <a:buChar char="•"/>
+            </a:pPr>
+            <a:r>
+              <a:rPr lang="en-US" sz="1200" dirty="0" smtClean="0"/>
+              <a:t>Simple example</a:t>
+            </a:r>
+          </a:p>
+          <a:p>
+            <a:pPr marL="231775" lvl="1" indent="-112713">
+              <a:buFont typeface="Arial" panose="020B0604020202020204" pitchFamily="34" charset="0"/>
+              <a:buChar char="•"/>
+            </a:pPr>
+            <a:r>
+              <a:rPr lang="en-US" sz="1200" dirty="0" smtClean="0"/>
+              <a:t>8 Host bits</a:t>
+            </a:r>
+          </a:p>
+          <a:p>
+            <a:pPr marL="112713" lvl="1" indent="119063">
+              <a:buFont typeface="Arial" panose="020B0604020202020204" pitchFamily="34" charset="0"/>
+              <a:buChar char="•"/>
+            </a:pPr>
+            <a:r>
+              <a:rPr lang="en-US" sz="1200" dirty="0"/>
+              <a:t>8 Segment bits</a:t>
+            </a:r>
+          </a:p>
+        </p:txBody>
+      </p:sp>
+    </p:spTree>
+    <p:extLst>
+      <p:ext uri="{BB962C8B-B14F-4D97-AF65-F5344CB8AC3E}">
+        <p14:creationId xmlns:p14="http://schemas.microsoft.com/office/powerpoint/2010/main" val="2819720666"/>
+      </p:ext>
+    </p:extLst>
+  </p:cSld>
+  <p:clrMapOvr>
+    <a:masterClrMapping/>
+  </p:clrMapOvr>
+  <p:timing>
+    <p:tnLst>
+      <p:par>
+        <p:cTn id="1" dur="indefinite" restart="never" nodeType="tmRoot"/>
+      </p:par>
+    </p:tnLst>
+  </p:timing>
+</p:sld>
+</file>
+
+<file path=ppt/slides/slide11.xml><?xml version="1.0" encoding="utf-8"?>
+<p:sld xmlns:a="http://schemas.openxmlformats.org/drawingml/2006/main" xmlns:r="http://schemas.openxmlformats.org/officeDocument/2006/relationships" xmlns:p="http://schemas.openxmlformats.org/presentationml/2006/main">
+  <p:cSld>
+    <p:spTree>
+      <p:nvGrpSpPr>
+        <p:cNvPr id="1" name=""/>
+        <p:cNvGrpSpPr/>
+        <p:nvPr/>
+      </p:nvGrpSpPr>
+      <p:grpSpPr>
+        <a:xfrm>
+          <a:off x="0" y="0"/>
+          <a:ext cx="0" cy="0"/>
+          <a:chOff x="0" y="0"/>
+          <a:chExt cx="0" cy="0"/>
+        </a:xfrm>
+      </p:grpSpPr>
+      <p:sp>
+        <p:nvSpPr>
           <p:cNvPr id="4" name="Title 3"/>
           <p:cNvSpPr>
             <a:spLocks noGrp="1"/>
@@ -4641,7 +7637,7 @@
                 </a:solidFill>
               </a:rPr>
               <a:pPr/>
-              <a:t>9</a:t>
+              <a:t>10</a:t>
             </a:fld>
             <a:endParaRPr lang="en-US" altLang="en-US" smtClean="0">
               <a:solidFill>
@@ -7301,7 +10297,7 @@
 </p:sld>
 </file>
 
-<file path=ppt/slides/slide11.xml><?xml version="1.0" encoding="utf-8"?>
+<file path=ppt/slides/slide12.xml><?xml version="1.0" encoding="utf-8"?>
 <p:sld xmlns:a="http://schemas.openxmlformats.org/drawingml/2006/main" xmlns:r="http://schemas.openxmlformats.org/officeDocument/2006/relationships" xmlns:p="http://schemas.openxmlformats.org/presentationml/2006/main">
   <p:cSld>
     <p:spTree>
@@ -7464,7 +10460,7 @@
             <a:fld id="{20226001-41CB-4095-9F1D-D251132A51FA}" type="slidenum">
               <a:rPr lang="en-US" altLang="en-US" smtClean="0"/>
               <a:pPr/>
-              <a:t>10</a:t>
+              <a:t>11</a:t>
             </a:fld>
             <a:endParaRPr lang="en-US" altLang="en-US" dirty="0"/>
           </a:p>
@@ -10263,7 +13259,7 @@
 </p:sld>
 </file>
 
-<file path=ppt/slides/slide12.xml><?xml version="1.0" encoding="utf-8"?>
+<file path=ppt/slides/slide13.xml><?xml version="1.0" encoding="utf-8"?>
 <p:sld xmlns:a="http://schemas.openxmlformats.org/drawingml/2006/main" xmlns:r="http://schemas.openxmlformats.org/officeDocument/2006/relationships" xmlns:p="http://schemas.openxmlformats.org/presentationml/2006/main">
   <p:cSld>
     <p:spTree>
@@ -10695,7 +13691,7 @@
             <a:fld id="{20226001-41CB-4095-9F1D-D251132A51FA}" type="slidenum">
               <a:rPr lang="en-US" altLang="en-US" smtClean="0"/>
               <a:pPr/>
-              <a:t>11</a:t>
+              <a:t>12</a:t>
             </a:fld>
             <a:endParaRPr lang="en-US" altLang="en-US" dirty="0"/>
           </a:p>
@@ -16289,7 +19285,7 @@
 </p:sld>
 </file>
 
-<file path=ppt/slides/slide13.xml><?xml version="1.0" encoding="utf-8"?>
+<file path=ppt/slides/slide14.xml><?xml version="1.0" encoding="utf-8"?>
 <p:sld xmlns:a="http://schemas.openxmlformats.org/drawingml/2006/main" xmlns:r="http://schemas.openxmlformats.org/officeDocument/2006/relationships" xmlns:p="http://schemas.openxmlformats.org/presentationml/2006/main">
   <p:cSld>
     <p:spTree>
@@ -16444,7 +19440,7 @@
               <a:pPr>
                 <a:defRPr/>
               </a:pPr>
-              <a:t>12</a:t>
+              <a:t>13</a:t>
             </a:fld>
             <a:endParaRPr lang="en-US" altLang="en-US"/>
           </a:p>
@@ -24188,11 +27184,7 @@
             <a:pPr algn="ctr"/>
             <a:r>
               <a:rPr lang="en-US" sz="800" dirty="0" smtClean="0"/>
-              <a:t>Host </a:t>
-            </a:r>
-            <a:r>
-              <a:rPr lang="en-US" sz="800" dirty="0" smtClean="0"/>
-              <a:t>Routing</a:t>
+              <a:t>Host Routing</a:t>
             </a:r>
             <a:endParaRPr lang="en-US" sz="800" dirty="0"/>
           </a:p>
@@ -33186,32 +36178,7 @@
       </p:grpSpPr>
       <p:sp>
         <p:nvSpPr>
-          <p:cNvPr id="2" name="Title 1"/>
-          <p:cNvSpPr>
-            <a:spLocks noGrp="1"/>
-          </p:cNvSpPr>
-          <p:nvPr>
-            <p:ph type="title"/>
-          </p:nvPr>
-        </p:nvSpPr>
-        <p:spPr/>
-        <p:txBody>
-          <a:bodyPr>
-            <a:normAutofit fontScale="90000"/>
-          </a:bodyPr>
-          <a:lstStyle/>
-          <a:p>
-            <a:r>
-              <a:rPr lang="en-US" dirty="0" smtClean="0"/>
-              <a:t>Route Aggregation</a:t>
-            </a:r>
-            <a:endParaRPr lang="en-US" dirty="0"/>
-          </a:p>
-        </p:txBody>
-      </p:sp>
-      <p:sp>
-        <p:nvSpPr>
-          <p:cNvPr id="4" name="Date Placeholder 3"/>
+          <p:cNvPr id="2" name="Date Placeholder 1"/>
           <p:cNvSpPr>
             <a:spLocks noGrp="1"/>
           </p:cNvSpPr>
@@ -33224,6 +36191,9 @@
           <a:bodyPr/>
           <a:lstStyle/>
           <a:p>
+            <a:pPr>
+              <a:defRPr/>
+            </a:pPr>
             <a:r>
               <a:rPr lang="en-US" smtClean="0"/>
               <a:t>October 2015</a:t>
@@ -33234,7 +36204,7 @@
       </p:sp>
       <p:sp>
         <p:nvSpPr>
-          <p:cNvPr id="5" name="Footer Placeholder 4"/>
+          <p:cNvPr id="3" name="Footer Placeholder 2"/>
           <p:cNvSpPr>
             <a:spLocks noGrp="1"/>
           </p:cNvSpPr>
@@ -33247,17 +36217,20 @@
           <a:bodyPr/>
           <a:lstStyle/>
           <a:p>
+            <a:pPr>
+              <a:defRPr/>
+            </a:pPr>
             <a:r>
               <a:rPr lang="en-US" smtClean="0"/>
               <a:t>CONFIDENTIAL</a:t>
             </a:r>
-            <a:endParaRPr lang="en-US" dirty="0"/>
+            <a:endParaRPr lang="en-US"/>
           </a:p>
         </p:txBody>
       </p:sp>
       <p:sp>
         <p:nvSpPr>
-          <p:cNvPr id="6" name="Slide Number Placeholder 5"/>
+          <p:cNvPr id="4" name="Slide Number Placeholder 3"/>
           <p:cNvSpPr>
             <a:spLocks noGrp="1"/>
           </p:cNvSpPr>
@@ -33270,2895 +36243,58 @@
           <a:bodyPr/>
           <a:lstStyle/>
           <a:p>
+            <a:pPr>
+              <a:defRPr/>
+            </a:pPr>
             <a:r>
               <a:rPr lang="en-US" altLang="en-US" smtClean="0"/>
               <a:t>Slide </a:t>
             </a:r>
-            <a:fld id="{14F857B0-40D7-47E8-A7EE-F9989D1955A0}" type="slidenum">
+            <a:fld id="{F0C817E8-7D42-4848-94AA-0482061E0E26}" type="slidenum">
               <a:rPr lang="en-US" altLang="en-US" smtClean="0"/>
-              <a:pPr/>
+              <a:pPr>
+                <a:defRPr/>
+              </a:pPr>
               <a:t>8</a:t>
             </a:fld>
-            <a:endParaRPr lang="en-US" altLang="en-US" dirty="0"/>
+            <a:endParaRPr lang="en-US" altLang="en-US"/>
           </a:p>
         </p:txBody>
       </p:sp>
-      <p:sp>
-        <p:nvSpPr>
-          <p:cNvPr id="34" name="Rectangle 33"/>
-          <p:cNvSpPr/>
+      <p:pic>
+        <p:nvPicPr>
+          <p:cNvPr id="5" name="Picture 4"/>
+          <p:cNvPicPr>
+            <a:picLocks noChangeAspect="1"/>
+          </p:cNvPicPr>
           <p:nvPr/>
-        </p:nvSpPr>
+        </p:nvPicPr>
+        <p:blipFill>
+          <a:blip r:embed="rId2"/>
+          <a:stretch>
+            <a:fillRect/>
+          </a:stretch>
+        </p:blipFill>
         <p:spPr>
           <a:xfrm>
-            <a:off x="4136989" y="1193557"/>
-            <a:ext cx="743235" cy="457200"/>
+            <a:off x="449263" y="57150"/>
+            <a:ext cx="8153400" cy="3806794"/>
           </a:xfrm>
           <a:prstGeom prst="rect">
             <a:avLst/>
           </a:prstGeom>
         </p:spPr>
-        <p:style>
-          <a:lnRef idx="2">
-            <a:schemeClr val="accent1">
-              <a:shade val="50000"/>
-            </a:schemeClr>
-          </a:lnRef>
-          <a:fillRef idx="1">
-            <a:schemeClr val="accent1"/>
-          </a:fillRef>
-          <a:effectRef idx="0">
-            <a:schemeClr val="accent1"/>
-          </a:effectRef>
-          <a:fontRef idx="minor">
-            <a:schemeClr val="lt1"/>
-          </a:fontRef>
-        </p:style>
-        <p:txBody>
-          <a:bodyPr rtlCol="0" anchor="ctr"/>
-          <a:lstStyle/>
-          <a:p>
-            <a:pPr algn="ctr"/>
-            <a:r>
-              <a:rPr lang="en-US" sz="1200" dirty="0" smtClean="0"/>
-              <a:t>R    Leaf 1</a:t>
-            </a:r>
-            <a:endParaRPr lang="en-US" sz="1200" dirty="0"/>
-          </a:p>
-        </p:txBody>
-      </p:sp>
-      <p:cxnSp>
-        <p:nvCxnSpPr>
-          <p:cNvPr id="41" name="Elbow Connector 40"/>
-          <p:cNvCxnSpPr>
-            <a:stCxn id="20" idx="0"/>
-            <a:endCxn id="34" idx="2"/>
-          </p:cNvCxnSpPr>
-          <p:nvPr/>
-        </p:nvCxnSpPr>
-        <p:spPr>
-          <a:xfrm rot="5400000" flipH="1" flipV="1">
-            <a:off x="2683436" y="607794"/>
-            <a:ext cx="782208" cy="2868134"/>
-          </a:xfrm>
-          <a:prstGeom prst="bentConnector3">
-            <a:avLst>
-              <a:gd name="adj1" fmla="val 50000"/>
-            </a:avLst>
-          </a:prstGeom>
-          <a:ln w="12700">
-            <a:solidFill>
-              <a:schemeClr val="tx1"/>
-            </a:solidFill>
-          </a:ln>
-        </p:spPr>
-        <p:style>
-          <a:lnRef idx="1">
-            <a:schemeClr val="accent1"/>
-          </a:lnRef>
-          <a:fillRef idx="0">
-            <a:schemeClr val="accent1"/>
-          </a:fillRef>
-          <a:effectRef idx="0">
-            <a:schemeClr val="accent1"/>
-          </a:effectRef>
-          <a:fontRef idx="minor">
-            <a:schemeClr val="tx1"/>
-          </a:fontRef>
-        </p:style>
-      </p:cxnSp>
-      <p:cxnSp>
-        <p:nvCxnSpPr>
-          <p:cNvPr id="43" name="Elbow Connector 42"/>
-          <p:cNvCxnSpPr>
-            <a:stCxn id="118" idx="0"/>
-          </p:cNvCxnSpPr>
-          <p:nvPr/>
-        </p:nvCxnSpPr>
-        <p:spPr>
-          <a:xfrm rot="16200000" flipV="1">
-            <a:off x="5814074" y="760951"/>
-            <a:ext cx="369164" cy="2922006"/>
-          </a:xfrm>
-          <a:prstGeom prst="bentConnector2">
-            <a:avLst/>
-          </a:prstGeom>
-          <a:ln w="12700">
-            <a:solidFill>
-              <a:schemeClr val="tx1"/>
-            </a:solidFill>
-          </a:ln>
-        </p:spPr>
-        <p:style>
-          <a:lnRef idx="1">
-            <a:schemeClr val="accent1"/>
-          </a:lnRef>
-          <a:fillRef idx="0">
-            <a:schemeClr val="accent1"/>
-          </a:fillRef>
-          <a:effectRef idx="0">
-            <a:schemeClr val="accent1"/>
-          </a:effectRef>
-          <a:fontRef idx="minor">
-            <a:schemeClr val="tx1"/>
-          </a:fontRef>
-        </p:style>
-      </p:cxnSp>
-      <p:cxnSp>
-        <p:nvCxnSpPr>
-          <p:cNvPr id="45" name="Straight Connector 44"/>
-          <p:cNvCxnSpPr>
-            <a:stCxn id="93" idx="0"/>
-            <a:endCxn id="34" idx="2"/>
-          </p:cNvCxnSpPr>
-          <p:nvPr/>
-        </p:nvCxnSpPr>
-        <p:spPr>
-          <a:xfrm flipH="1" flipV="1">
-            <a:off x="4508607" y="1650757"/>
-            <a:ext cx="8164" cy="755779"/>
-          </a:xfrm>
-          <a:prstGeom prst="line">
-            <a:avLst/>
-          </a:prstGeom>
-          <a:ln w="12700">
-            <a:solidFill>
-              <a:schemeClr val="tx1"/>
-            </a:solidFill>
-          </a:ln>
-        </p:spPr>
-        <p:style>
-          <a:lnRef idx="1">
-            <a:schemeClr val="accent1"/>
-          </a:lnRef>
-          <a:fillRef idx="0">
-            <a:schemeClr val="accent1"/>
-          </a:fillRef>
-          <a:effectRef idx="0">
-            <a:schemeClr val="accent1"/>
-          </a:effectRef>
-          <a:fontRef idx="minor">
-            <a:schemeClr val="tx1"/>
-          </a:fontRef>
-        </p:style>
-      </p:cxnSp>
-      <p:sp>
-        <p:nvSpPr>
-          <p:cNvPr id="91" name="TextBox 90"/>
-          <p:cNvSpPr txBox="1"/>
-          <p:nvPr/>
-        </p:nvSpPr>
-        <p:spPr>
-          <a:xfrm>
-            <a:off x="4947463" y="1053046"/>
-            <a:ext cx="3510898" cy="1061829"/>
-          </a:xfrm>
-          <a:prstGeom prst="rect">
-            <a:avLst/>
-          </a:prstGeom>
-          <a:noFill/>
-        </p:spPr>
-        <p:txBody>
-          <a:bodyPr wrap="none" rtlCol="0">
-            <a:spAutoFit/>
-          </a:bodyPr>
-          <a:lstStyle/>
-          <a:p>
-            <a:pPr>
-              <a:tabLst>
-                <a:tab pos="403225" algn="l"/>
-              </a:tabLst>
-            </a:pPr>
-            <a:r>
-              <a:rPr lang="en-US" sz="1050" dirty="0" smtClean="0"/>
-              <a:t>Leaf gets full /9 network and allocates /16 to each Host</a:t>
-            </a:r>
-          </a:p>
-          <a:p>
-            <a:pPr>
-              <a:tabLst>
-                <a:tab pos="403225" algn="l"/>
-              </a:tabLst>
-            </a:pPr>
-            <a:r>
-              <a:rPr lang="en-US" sz="1050" dirty="0" smtClean="0"/>
-              <a:t>Romana IPAM assigns each Host an IP from /16</a:t>
-            </a:r>
-          </a:p>
-          <a:p>
-            <a:pPr>
-              <a:tabLst>
-                <a:tab pos="403225" algn="l"/>
-              </a:tabLst>
-            </a:pPr>
-            <a:endParaRPr lang="en-US" sz="1050" dirty="0"/>
-          </a:p>
-          <a:p>
-            <a:pPr>
-              <a:tabLst>
-                <a:tab pos="403225" algn="l"/>
-              </a:tabLst>
-            </a:pPr>
-            <a:r>
-              <a:rPr lang="en-US" sz="1050" dirty="0" smtClean="0"/>
-              <a:t>For Containers on Host, Host is allocated its own /24</a:t>
-            </a:r>
-          </a:p>
-          <a:p>
-            <a:pPr>
-              <a:tabLst>
-                <a:tab pos="403225" algn="l"/>
-              </a:tabLst>
-            </a:pPr>
-            <a:r>
-              <a:rPr lang="en-US" sz="1050" dirty="0" smtClean="0"/>
-              <a:t>Containers on VM get IP out of VM’s /24</a:t>
-            </a:r>
-          </a:p>
-          <a:p>
-            <a:pPr>
-              <a:tabLst>
-                <a:tab pos="174625" algn="l"/>
-              </a:tabLst>
-            </a:pPr>
-            <a:r>
-              <a:rPr lang="en-US" sz="1050" dirty="0"/>
-              <a:t>	</a:t>
-            </a:r>
-          </a:p>
-        </p:txBody>
-      </p:sp>
-      <p:grpSp>
-        <p:nvGrpSpPr>
-          <p:cNvPr id="46" name="Group 45"/>
-          <p:cNvGrpSpPr/>
-          <p:nvPr/>
-        </p:nvGrpSpPr>
-        <p:grpSpPr>
-          <a:xfrm>
-            <a:off x="546571" y="2432965"/>
-            <a:ext cx="2372107" cy="2187803"/>
-            <a:chOff x="546571" y="2432965"/>
-            <a:chExt cx="2372107" cy="2187803"/>
-          </a:xfrm>
-        </p:grpSpPr>
-        <p:sp>
-          <p:nvSpPr>
-            <p:cNvPr id="20" name="Rectangle 19"/>
-            <p:cNvSpPr/>
-            <p:nvPr/>
-          </p:nvSpPr>
-          <p:spPr>
-            <a:xfrm>
-              <a:off x="546571" y="2432965"/>
-              <a:ext cx="2187803" cy="2187803"/>
-            </a:xfrm>
-            <a:prstGeom prst="rect">
-              <a:avLst/>
-            </a:prstGeom>
-            <a:solidFill>
-              <a:schemeClr val="tx2">
-                <a:lumMod val="40000"/>
-                <a:lumOff val="60000"/>
-              </a:schemeClr>
-            </a:solidFill>
-          </p:spPr>
-          <p:style>
-            <a:lnRef idx="2">
-              <a:schemeClr val="accent1">
-                <a:shade val="50000"/>
-              </a:schemeClr>
-            </a:lnRef>
-            <a:fillRef idx="1">
-              <a:schemeClr val="accent1"/>
-            </a:fillRef>
-            <a:effectRef idx="0">
-              <a:schemeClr val="accent1"/>
-            </a:effectRef>
-            <a:fontRef idx="minor">
-              <a:schemeClr val="lt1"/>
-            </a:fontRef>
-          </p:style>
-          <p:txBody>
-            <a:bodyPr rtlCol="0" anchor="t"/>
-            <a:lstStyle/>
-            <a:p>
-              <a:pPr algn="ctr"/>
-              <a:r>
-                <a:rPr lang="en-US" dirty="0" smtClean="0"/>
-                <a:t>Node 1</a:t>
-              </a:r>
-            </a:p>
-          </p:txBody>
-        </p:sp>
-        <p:sp>
-          <p:nvSpPr>
-            <p:cNvPr id="11" name="Rectangle 10"/>
-            <p:cNvSpPr/>
-            <p:nvPr/>
-          </p:nvSpPr>
-          <p:spPr>
-            <a:xfrm>
-              <a:off x="594907" y="3943350"/>
-              <a:ext cx="489215" cy="584220"/>
-            </a:xfrm>
-            <a:prstGeom prst="rect">
-              <a:avLst/>
-            </a:prstGeom>
-            <a:solidFill>
-              <a:schemeClr val="tx2">
-                <a:lumMod val="75000"/>
-              </a:schemeClr>
-            </a:solidFill>
-          </p:spPr>
-          <p:style>
-            <a:lnRef idx="2">
-              <a:schemeClr val="accent1">
-                <a:shade val="50000"/>
-              </a:schemeClr>
-            </a:lnRef>
-            <a:fillRef idx="1">
-              <a:schemeClr val="accent1"/>
-            </a:fillRef>
-            <a:effectRef idx="0">
-              <a:schemeClr val="accent1"/>
-            </a:effectRef>
-            <a:fontRef idx="minor">
-              <a:schemeClr val="lt1"/>
-            </a:fontRef>
-          </p:style>
-          <p:txBody>
-            <a:bodyPr rtlCol="0" anchor="t"/>
-            <a:lstStyle/>
-            <a:p>
-              <a:pPr algn="ctr"/>
-              <a:r>
-                <a:rPr lang="en-US" sz="1100" dirty="0" smtClean="0"/>
-                <a:t>VM1</a:t>
-              </a:r>
-              <a:endParaRPr lang="en-US" sz="1100" dirty="0"/>
-            </a:p>
-          </p:txBody>
-        </p:sp>
-        <p:sp>
-          <p:nvSpPr>
-            <p:cNvPr id="58" name="Rectangle 57"/>
-            <p:cNvSpPr/>
-            <p:nvPr/>
-          </p:nvSpPr>
-          <p:spPr>
-            <a:xfrm>
-              <a:off x="1129610" y="3943350"/>
-              <a:ext cx="489215" cy="584220"/>
-            </a:xfrm>
-            <a:prstGeom prst="rect">
-              <a:avLst/>
-            </a:prstGeom>
-            <a:solidFill>
-              <a:schemeClr val="tx2">
-                <a:lumMod val="75000"/>
-              </a:schemeClr>
-            </a:solidFill>
-          </p:spPr>
-          <p:style>
-            <a:lnRef idx="2">
-              <a:schemeClr val="accent1">
-                <a:shade val="50000"/>
-              </a:schemeClr>
-            </a:lnRef>
-            <a:fillRef idx="1">
-              <a:schemeClr val="accent1"/>
-            </a:fillRef>
-            <a:effectRef idx="0">
-              <a:schemeClr val="accent1"/>
-            </a:effectRef>
-            <a:fontRef idx="minor">
-              <a:schemeClr val="lt1"/>
-            </a:fontRef>
-          </p:style>
-          <p:txBody>
-            <a:bodyPr rtlCol="0" anchor="t"/>
-            <a:lstStyle/>
-            <a:p>
-              <a:pPr algn="ctr"/>
-              <a:r>
-                <a:rPr lang="en-US" sz="1000" dirty="0" smtClean="0"/>
-                <a:t>VM2</a:t>
-              </a:r>
-              <a:endParaRPr lang="en-US" sz="1000" dirty="0"/>
-            </a:p>
-          </p:txBody>
-        </p:sp>
-        <p:sp>
-          <p:nvSpPr>
-            <p:cNvPr id="60" name="Rectangle 59"/>
-            <p:cNvSpPr/>
-            <p:nvPr/>
-          </p:nvSpPr>
-          <p:spPr>
-            <a:xfrm>
-              <a:off x="1662120" y="3943350"/>
-              <a:ext cx="489215" cy="584220"/>
-            </a:xfrm>
-            <a:prstGeom prst="rect">
-              <a:avLst/>
-            </a:prstGeom>
-            <a:solidFill>
-              <a:schemeClr val="tx2">
-                <a:lumMod val="75000"/>
-              </a:schemeClr>
-            </a:solidFill>
-          </p:spPr>
-          <p:style>
-            <a:lnRef idx="2">
-              <a:schemeClr val="accent1">
-                <a:shade val="50000"/>
-              </a:schemeClr>
-            </a:lnRef>
-            <a:fillRef idx="1">
-              <a:schemeClr val="accent1"/>
-            </a:fillRef>
-            <a:effectRef idx="0">
-              <a:schemeClr val="accent1"/>
-            </a:effectRef>
-            <a:fontRef idx="minor">
-              <a:schemeClr val="lt1"/>
-            </a:fontRef>
-          </p:style>
-          <p:txBody>
-            <a:bodyPr rtlCol="0" anchor="t"/>
-            <a:lstStyle/>
-            <a:p>
-              <a:pPr algn="ctr"/>
-              <a:r>
-                <a:rPr lang="en-US" sz="1000" dirty="0" smtClean="0"/>
-                <a:t>VM3</a:t>
-              </a:r>
-              <a:endParaRPr lang="en-US" sz="1000" dirty="0"/>
-            </a:p>
-          </p:txBody>
-        </p:sp>
-        <p:sp>
-          <p:nvSpPr>
-            <p:cNvPr id="61" name="Rectangle 60"/>
-            <p:cNvSpPr/>
-            <p:nvPr/>
-          </p:nvSpPr>
-          <p:spPr>
-            <a:xfrm>
-              <a:off x="2196823" y="3943350"/>
-              <a:ext cx="489215" cy="584220"/>
-            </a:xfrm>
-            <a:prstGeom prst="rect">
-              <a:avLst/>
-            </a:prstGeom>
-            <a:solidFill>
-              <a:schemeClr val="tx2">
-                <a:lumMod val="75000"/>
-              </a:schemeClr>
-            </a:solidFill>
-          </p:spPr>
-          <p:style>
-            <a:lnRef idx="2">
-              <a:schemeClr val="accent1">
-                <a:shade val="50000"/>
-              </a:schemeClr>
-            </a:lnRef>
-            <a:fillRef idx="1">
-              <a:schemeClr val="accent1"/>
-            </a:fillRef>
-            <a:effectRef idx="0">
-              <a:schemeClr val="accent1"/>
-            </a:effectRef>
-            <a:fontRef idx="minor">
-              <a:schemeClr val="lt1"/>
-            </a:fontRef>
-          </p:style>
-          <p:txBody>
-            <a:bodyPr rtlCol="0" anchor="t"/>
-            <a:lstStyle/>
-            <a:p>
-              <a:pPr algn="ctr"/>
-              <a:r>
-                <a:rPr lang="en-US" sz="1000" dirty="0" smtClean="0"/>
-                <a:t>VM4</a:t>
-              </a:r>
-              <a:endParaRPr lang="en-US" sz="1000" dirty="0"/>
-            </a:p>
-          </p:txBody>
-        </p:sp>
-        <p:sp>
-          <p:nvSpPr>
-            <p:cNvPr id="21" name="Rectangle 20"/>
-            <p:cNvSpPr/>
-            <p:nvPr/>
-          </p:nvSpPr>
-          <p:spPr>
-            <a:xfrm>
-              <a:off x="1327929" y="2942268"/>
-              <a:ext cx="625087" cy="625087"/>
-            </a:xfrm>
-            <a:prstGeom prst="rect">
-              <a:avLst/>
-            </a:prstGeom>
-            <a:solidFill>
-              <a:schemeClr val="tx1">
-                <a:lumMod val="75000"/>
-                <a:lumOff val="25000"/>
-              </a:schemeClr>
-            </a:solidFill>
-          </p:spPr>
-          <p:style>
-            <a:lnRef idx="2">
-              <a:schemeClr val="accent1">
-                <a:shade val="50000"/>
-              </a:schemeClr>
-            </a:lnRef>
-            <a:fillRef idx="1">
-              <a:schemeClr val="accent1"/>
-            </a:fillRef>
-            <a:effectRef idx="0">
-              <a:schemeClr val="accent1"/>
-            </a:effectRef>
-            <a:fontRef idx="minor">
-              <a:schemeClr val="lt1"/>
-            </a:fontRef>
-          </p:style>
-          <p:txBody>
-            <a:bodyPr rtlCol="0" anchor="ctr"/>
-            <a:lstStyle/>
-            <a:p>
-              <a:pPr algn="ctr"/>
-              <a:r>
-                <a:rPr lang="en-US" sz="1200" dirty="0" smtClean="0"/>
-                <a:t>R1</a:t>
-              </a:r>
-              <a:endParaRPr lang="en-US" sz="1200" dirty="0"/>
-            </a:p>
-          </p:txBody>
-        </p:sp>
-        <p:sp>
-          <p:nvSpPr>
-            <p:cNvPr id="22" name="Rectangle 21"/>
-            <p:cNvSpPr/>
-            <p:nvPr/>
-          </p:nvSpPr>
-          <p:spPr>
-            <a:xfrm>
-              <a:off x="631152" y="4209600"/>
-              <a:ext cx="416724" cy="312543"/>
-            </a:xfrm>
-            <a:prstGeom prst="rect">
-              <a:avLst/>
-            </a:prstGeom>
-            <a:solidFill>
-              <a:srgbClr val="FFFF00"/>
-            </a:solidFill>
-          </p:spPr>
-          <p:style>
-            <a:lnRef idx="2">
-              <a:schemeClr val="accent1">
-                <a:shade val="50000"/>
-              </a:schemeClr>
-            </a:lnRef>
-            <a:fillRef idx="1">
-              <a:schemeClr val="accent1"/>
-            </a:fillRef>
-            <a:effectRef idx="0">
-              <a:schemeClr val="accent1"/>
-            </a:effectRef>
-            <a:fontRef idx="minor">
-              <a:schemeClr val="lt1"/>
-            </a:fontRef>
-          </p:style>
-          <p:txBody>
-            <a:bodyPr rtlCol="0" anchor="ctr"/>
-            <a:lstStyle/>
-            <a:p>
-              <a:pPr algn="ctr"/>
-              <a:r>
-                <a:rPr lang="en-US" sz="900" dirty="0" smtClean="0">
-                  <a:solidFill>
-                    <a:schemeClr val="tx2"/>
-                  </a:solidFill>
-                </a:rPr>
-                <a:t>A1</a:t>
-              </a:r>
-              <a:endParaRPr lang="en-US" sz="900" dirty="0">
-                <a:solidFill>
-                  <a:schemeClr val="tx2"/>
-                </a:solidFill>
-              </a:endParaRPr>
-            </a:p>
-          </p:txBody>
-        </p:sp>
-        <p:sp>
-          <p:nvSpPr>
-            <p:cNvPr id="23" name="Rectangle 22"/>
-            <p:cNvSpPr/>
-            <p:nvPr/>
-          </p:nvSpPr>
-          <p:spPr>
-            <a:xfrm>
-              <a:off x="1165855" y="4209600"/>
-              <a:ext cx="416724" cy="312543"/>
-            </a:xfrm>
-            <a:prstGeom prst="rect">
-              <a:avLst/>
-            </a:prstGeom>
-            <a:solidFill>
-              <a:srgbClr val="C00000"/>
-            </a:solidFill>
-          </p:spPr>
-          <p:style>
-            <a:lnRef idx="2">
-              <a:schemeClr val="accent1">
-                <a:shade val="50000"/>
-              </a:schemeClr>
-            </a:lnRef>
-            <a:fillRef idx="1">
-              <a:schemeClr val="accent1"/>
-            </a:fillRef>
-            <a:effectRef idx="0">
-              <a:schemeClr val="accent1"/>
-            </a:effectRef>
-            <a:fontRef idx="minor">
-              <a:schemeClr val="lt1"/>
-            </a:fontRef>
-          </p:style>
-          <p:txBody>
-            <a:bodyPr rtlCol="0" anchor="ctr"/>
-            <a:lstStyle/>
-            <a:p>
-              <a:pPr algn="ctr"/>
-              <a:r>
-                <a:rPr lang="en-US" sz="900" dirty="0" smtClean="0"/>
-                <a:t>B1</a:t>
-              </a:r>
-              <a:endParaRPr lang="en-US" sz="900" dirty="0"/>
-            </a:p>
-          </p:txBody>
-        </p:sp>
-        <p:sp>
-          <p:nvSpPr>
-            <p:cNvPr id="24" name="Rectangle 23"/>
-            <p:cNvSpPr/>
-            <p:nvPr/>
-          </p:nvSpPr>
-          <p:spPr>
-            <a:xfrm>
-              <a:off x="1698365" y="4209600"/>
-              <a:ext cx="416724" cy="312543"/>
-            </a:xfrm>
-            <a:prstGeom prst="rect">
-              <a:avLst/>
-            </a:prstGeom>
-            <a:solidFill>
-              <a:srgbClr val="FFFF00"/>
-            </a:solidFill>
-          </p:spPr>
-          <p:style>
-            <a:lnRef idx="2">
-              <a:schemeClr val="accent1">
-                <a:shade val="50000"/>
-              </a:schemeClr>
-            </a:lnRef>
-            <a:fillRef idx="1">
-              <a:schemeClr val="accent1"/>
-            </a:fillRef>
-            <a:effectRef idx="0">
-              <a:schemeClr val="accent1"/>
-            </a:effectRef>
-            <a:fontRef idx="minor">
-              <a:schemeClr val="lt1"/>
-            </a:fontRef>
-          </p:style>
-          <p:txBody>
-            <a:bodyPr rtlCol="0" anchor="ctr"/>
-            <a:lstStyle/>
-            <a:p>
-              <a:pPr algn="ctr"/>
-              <a:r>
-                <a:rPr lang="en-US" sz="900" dirty="0" smtClean="0">
-                  <a:solidFill>
-                    <a:schemeClr val="tx2"/>
-                  </a:solidFill>
-                </a:rPr>
-                <a:t>A2</a:t>
-              </a:r>
-              <a:endParaRPr lang="en-US" sz="900" dirty="0">
-                <a:solidFill>
-                  <a:schemeClr val="tx2"/>
-                </a:solidFill>
-              </a:endParaRPr>
-            </a:p>
-          </p:txBody>
-        </p:sp>
-        <p:sp>
-          <p:nvSpPr>
-            <p:cNvPr id="25" name="Rectangle 24"/>
-            <p:cNvSpPr/>
-            <p:nvPr/>
-          </p:nvSpPr>
-          <p:spPr>
-            <a:xfrm>
-              <a:off x="2233068" y="4209600"/>
-              <a:ext cx="416724" cy="312543"/>
-            </a:xfrm>
-            <a:prstGeom prst="rect">
-              <a:avLst/>
-            </a:prstGeom>
-            <a:solidFill>
-              <a:srgbClr val="00B0F0"/>
-            </a:solidFill>
-          </p:spPr>
-          <p:style>
-            <a:lnRef idx="2">
-              <a:schemeClr val="accent1">
-                <a:shade val="50000"/>
-              </a:schemeClr>
-            </a:lnRef>
-            <a:fillRef idx="1">
-              <a:schemeClr val="accent1"/>
-            </a:fillRef>
-            <a:effectRef idx="0">
-              <a:schemeClr val="accent1"/>
-            </a:effectRef>
-            <a:fontRef idx="minor">
-              <a:schemeClr val="lt1"/>
-            </a:fontRef>
-          </p:style>
-          <p:txBody>
-            <a:bodyPr rtlCol="0" anchor="ctr"/>
-            <a:lstStyle/>
-            <a:p>
-              <a:pPr algn="ctr"/>
-              <a:r>
-                <a:rPr lang="en-US" sz="900" dirty="0" smtClean="0"/>
-                <a:t>C1</a:t>
-              </a:r>
-              <a:endParaRPr lang="en-US" sz="900" dirty="0"/>
-            </a:p>
-          </p:txBody>
-        </p:sp>
-        <p:cxnSp>
-          <p:nvCxnSpPr>
-            <p:cNvPr id="53" name="Straight Connector 52"/>
-            <p:cNvCxnSpPr>
-              <a:endCxn id="21" idx="2"/>
-            </p:cNvCxnSpPr>
-            <p:nvPr/>
-          </p:nvCxnSpPr>
-          <p:spPr>
-            <a:xfrm flipV="1">
-              <a:off x="914400" y="3567355"/>
-              <a:ext cx="726073" cy="367163"/>
-            </a:xfrm>
-            <a:prstGeom prst="line">
-              <a:avLst/>
-            </a:prstGeom>
-            <a:ln w="12700">
-              <a:solidFill>
-                <a:schemeClr val="tx1"/>
-              </a:solidFill>
-            </a:ln>
-          </p:spPr>
-          <p:style>
-            <a:lnRef idx="1">
-              <a:schemeClr val="accent1"/>
-            </a:lnRef>
-            <a:fillRef idx="0">
-              <a:schemeClr val="accent1"/>
-            </a:fillRef>
-            <a:effectRef idx="0">
-              <a:schemeClr val="accent1"/>
-            </a:effectRef>
-            <a:fontRef idx="minor">
-              <a:schemeClr val="tx1"/>
-            </a:fontRef>
-          </p:style>
-        </p:cxnSp>
-        <p:cxnSp>
-          <p:nvCxnSpPr>
-            <p:cNvPr id="55" name="Straight Connector 54"/>
-            <p:cNvCxnSpPr>
-              <a:stCxn id="58" idx="0"/>
-              <a:endCxn id="21" idx="2"/>
-            </p:cNvCxnSpPr>
-            <p:nvPr/>
-          </p:nvCxnSpPr>
-          <p:spPr>
-            <a:xfrm flipV="1">
-              <a:off x="1374218" y="3567355"/>
-              <a:ext cx="266255" cy="375995"/>
-            </a:xfrm>
-            <a:prstGeom prst="line">
-              <a:avLst/>
-            </a:prstGeom>
-            <a:ln w="12700">
-              <a:solidFill>
-                <a:schemeClr val="tx1"/>
-              </a:solidFill>
-            </a:ln>
-          </p:spPr>
-          <p:style>
-            <a:lnRef idx="1">
-              <a:schemeClr val="accent1"/>
-            </a:lnRef>
-            <a:fillRef idx="0">
-              <a:schemeClr val="accent1"/>
-            </a:fillRef>
-            <a:effectRef idx="0">
-              <a:schemeClr val="accent1"/>
-            </a:effectRef>
-            <a:fontRef idx="minor">
-              <a:schemeClr val="tx1"/>
-            </a:fontRef>
-          </p:style>
-        </p:cxnSp>
-        <p:cxnSp>
-          <p:nvCxnSpPr>
-            <p:cNvPr id="57" name="Straight Connector 56"/>
-            <p:cNvCxnSpPr>
-              <a:stCxn id="60" idx="0"/>
-              <a:endCxn id="21" idx="2"/>
-            </p:cNvCxnSpPr>
-            <p:nvPr/>
-          </p:nvCxnSpPr>
-          <p:spPr>
-            <a:xfrm flipH="1" flipV="1">
-              <a:off x="1640473" y="3567355"/>
-              <a:ext cx="266255" cy="375995"/>
-            </a:xfrm>
-            <a:prstGeom prst="line">
-              <a:avLst/>
-            </a:prstGeom>
-            <a:ln w="12700">
-              <a:solidFill>
-                <a:schemeClr val="tx1"/>
-              </a:solidFill>
-            </a:ln>
-          </p:spPr>
-          <p:style>
-            <a:lnRef idx="1">
-              <a:schemeClr val="accent1"/>
-            </a:lnRef>
-            <a:fillRef idx="0">
-              <a:schemeClr val="accent1"/>
-            </a:fillRef>
-            <a:effectRef idx="0">
-              <a:schemeClr val="accent1"/>
-            </a:effectRef>
-            <a:fontRef idx="minor">
-              <a:schemeClr val="tx1"/>
-            </a:fontRef>
-          </p:style>
-        </p:cxnSp>
-        <p:cxnSp>
-          <p:nvCxnSpPr>
-            <p:cNvPr id="59" name="Straight Connector 58"/>
-            <p:cNvCxnSpPr>
-              <a:stCxn id="61" idx="0"/>
-              <a:endCxn id="21" idx="2"/>
-            </p:cNvCxnSpPr>
-            <p:nvPr/>
-          </p:nvCxnSpPr>
-          <p:spPr>
-            <a:xfrm flipH="1" flipV="1">
-              <a:off x="1640473" y="3567355"/>
-              <a:ext cx="800958" cy="375995"/>
-            </a:xfrm>
-            <a:prstGeom prst="line">
-              <a:avLst/>
-            </a:prstGeom>
-            <a:ln w="12700">
-              <a:solidFill>
-                <a:schemeClr val="tx1"/>
-              </a:solidFill>
-            </a:ln>
-          </p:spPr>
-          <p:style>
-            <a:lnRef idx="1">
-              <a:schemeClr val="accent1"/>
-            </a:lnRef>
-            <a:fillRef idx="0">
-              <a:schemeClr val="accent1"/>
-            </a:fillRef>
-            <a:effectRef idx="0">
-              <a:schemeClr val="accent1"/>
-            </a:effectRef>
-            <a:fontRef idx="minor">
-              <a:schemeClr val="tx1"/>
-            </a:fontRef>
-          </p:style>
-        </p:cxnSp>
-        <p:sp>
-          <p:nvSpPr>
-            <p:cNvPr id="117" name="TextBox 116"/>
-            <p:cNvSpPr txBox="1"/>
-            <p:nvPr/>
-          </p:nvSpPr>
-          <p:spPr>
-            <a:xfrm>
-              <a:off x="2156931" y="3627088"/>
-              <a:ext cx="761747" cy="230832"/>
-            </a:xfrm>
-            <a:prstGeom prst="rect">
-              <a:avLst/>
-            </a:prstGeom>
-            <a:noFill/>
-          </p:spPr>
-          <p:txBody>
-            <a:bodyPr wrap="none" rtlCol="0">
-              <a:spAutoFit/>
-            </a:bodyPr>
-            <a:lstStyle/>
-            <a:p>
-              <a:r>
-                <a:rPr lang="en-US" sz="900" dirty="0" smtClean="0"/>
-                <a:t>10.1.4.1/24</a:t>
-              </a:r>
-              <a:endParaRPr lang="en-US" sz="900" dirty="0"/>
-            </a:p>
-          </p:txBody>
-        </p:sp>
-      </p:grpSp>
-      <p:sp>
-        <p:nvSpPr>
-          <p:cNvPr id="74" name="TextBox 73"/>
-          <p:cNvSpPr txBox="1"/>
-          <p:nvPr/>
-        </p:nvSpPr>
-        <p:spPr>
-          <a:xfrm>
-            <a:off x="1291815" y="4620768"/>
-            <a:ext cx="1293944" cy="230832"/>
-          </a:xfrm>
-          <a:prstGeom prst="rect">
-            <a:avLst/>
-          </a:prstGeom>
-          <a:noFill/>
-        </p:spPr>
-        <p:txBody>
-          <a:bodyPr wrap="none" rtlCol="0">
-            <a:spAutoFit/>
-          </a:bodyPr>
-          <a:lstStyle/>
-          <a:p>
-            <a:pPr algn="r"/>
-            <a:r>
-              <a:rPr lang="en-US" sz="900" dirty="0"/>
-              <a:t>A</a:t>
-            </a:r>
-            <a:r>
-              <a:rPr lang="en-US" sz="900" dirty="0" smtClean="0"/>
-              <a:t>1 POD IP: 10.1.1.18</a:t>
-            </a:r>
-            <a:endParaRPr lang="en-US" sz="900" dirty="0"/>
-          </a:p>
-        </p:txBody>
-      </p:sp>
-      <p:cxnSp>
-        <p:nvCxnSpPr>
-          <p:cNvPr id="39" name="Straight Arrow Connector 38"/>
-          <p:cNvCxnSpPr>
-            <a:stCxn id="74" idx="1"/>
-          </p:cNvCxnSpPr>
-          <p:nvPr/>
-        </p:nvCxnSpPr>
-        <p:spPr>
-          <a:xfrm flipH="1" flipV="1">
-            <a:off x="869528" y="4458742"/>
-            <a:ext cx="422287" cy="277442"/>
-          </a:xfrm>
-          <a:prstGeom prst="straightConnector1">
-            <a:avLst/>
-          </a:prstGeom>
-          <a:ln w="12700">
-            <a:solidFill>
-              <a:schemeClr val="tx1"/>
-            </a:solidFill>
-            <a:tailEnd type="triangle"/>
-          </a:ln>
-        </p:spPr>
-        <p:style>
-          <a:lnRef idx="1">
-            <a:schemeClr val="accent1"/>
-          </a:lnRef>
-          <a:fillRef idx="0">
-            <a:schemeClr val="accent1"/>
-          </a:fillRef>
-          <a:effectRef idx="0">
-            <a:schemeClr val="accent1"/>
-          </a:effectRef>
-          <a:fontRef idx="minor">
-            <a:schemeClr val="tx1"/>
-          </a:fontRef>
-        </p:style>
-      </p:cxnSp>
-      <p:grpSp>
-        <p:nvGrpSpPr>
-          <p:cNvPr id="82" name="Group 81"/>
-          <p:cNvGrpSpPr/>
-          <p:nvPr/>
-        </p:nvGrpSpPr>
-        <p:grpSpPr>
-          <a:xfrm>
-            <a:off x="3422869" y="2406536"/>
-            <a:ext cx="2187803" cy="2187803"/>
-            <a:chOff x="546571" y="2432965"/>
-            <a:chExt cx="2187803" cy="2187803"/>
-          </a:xfrm>
-        </p:grpSpPr>
-        <p:sp>
-          <p:nvSpPr>
-            <p:cNvPr id="93" name="Rectangle 92"/>
-            <p:cNvSpPr/>
-            <p:nvPr/>
-          </p:nvSpPr>
-          <p:spPr>
-            <a:xfrm>
-              <a:off x="546571" y="2432965"/>
-              <a:ext cx="2187803" cy="2187803"/>
-            </a:xfrm>
-            <a:prstGeom prst="rect">
-              <a:avLst/>
-            </a:prstGeom>
-            <a:solidFill>
-              <a:schemeClr val="tx2">
-                <a:lumMod val="40000"/>
-                <a:lumOff val="60000"/>
-              </a:schemeClr>
-            </a:solidFill>
-          </p:spPr>
-          <p:style>
-            <a:lnRef idx="2">
-              <a:schemeClr val="accent1">
-                <a:shade val="50000"/>
-              </a:schemeClr>
-            </a:lnRef>
-            <a:fillRef idx="1">
-              <a:schemeClr val="accent1"/>
-            </a:fillRef>
-            <a:effectRef idx="0">
-              <a:schemeClr val="accent1"/>
-            </a:effectRef>
-            <a:fontRef idx="minor">
-              <a:schemeClr val="lt1"/>
-            </a:fontRef>
-          </p:style>
-          <p:txBody>
-            <a:bodyPr rtlCol="0" anchor="t"/>
-            <a:lstStyle/>
-            <a:p>
-              <a:pPr algn="ctr"/>
-              <a:r>
-                <a:rPr lang="en-US" dirty="0" smtClean="0"/>
-                <a:t>Node 2</a:t>
-              </a:r>
-            </a:p>
-          </p:txBody>
-        </p:sp>
-        <p:sp>
-          <p:nvSpPr>
-            <p:cNvPr id="94" name="Rectangle 93"/>
-            <p:cNvSpPr/>
-            <p:nvPr/>
-          </p:nvSpPr>
-          <p:spPr>
-            <a:xfrm>
-              <a:off x="594907" y="3943350"/>
-              <a:ext cx="489215" cy="584220"/>
-            </a:xfrm>
-            <a:prstGeom prst="rect">
-              <a:avLst/>
-            </a:prstGeom>
-            <a:solidFill>
-              <a:schemeClr val="tx2">
-                <a:lumMod val="75000"/>
-              </a:schemeClr>
-            </a:solidFill>
-          </p:spPr>
-          <p:style>
-            <a:lnRef idx="2">
-              <a:schemeClr val="accent1">
-                <a:shade val="50000"/>
-              </a:schemeClr>
-            </a:lnRef>
-            <a:fillRef idx="1">
-              <a:schemeClr val="accent1"/>
-            </a:fillRef>
-            <a:effectRef idx="0">
-              <a:schemeClr val="accent1"/>
-            </a:effectRef>
-            <a:fontRef idx="minor">
-              <a:schemeClr val="lt1"/>
-            </a:fontRef>
-          </p:style>
-          <p:txBody>
-            <a:bodyPr rtlCol="0" anchor="t"/>
-            <a:lstStyle/>
-            <a:p>
-              <a:pPr algn="ctr"/>
-              <a:r>
-                <a:rPr lang="en-US" sz="1100" dirty="0" smtClean="0"/>
-                <a:t>VM1</a:t>
-              </a:r>
-              <a:endParaRPr lang="en-US" sz="1100" dirty="0"/>
-            </a:p>
-          </p:txBody>
-        </p:sp>
-        <p:sp>
-          <p:nvSpPr>
-            <p:cNvPr id="95" name="Rectangle 94"/>
-            <p:cNvSpPr/>
-            <p:nvPr/>
-          </p:nvSpPr>
-          <p:spPr>
-            <a:xfrm>
-              <a:off x="1129610" y="3943350"/>
-              <a:ext cx="489215" cy="584220"/>
-            </a:xfrm>
-            <a:prstGeom prst="rect">
-              <a:avLst/>
-            </a:prstGeom>
-            <a:solidFill>
-              <a:schemeClr val="tx2">
-                <a:lumMod val="75000"/>
-              </a:schemeClr>
-            </a:solidFill>
-          </p:spPr>
-          <p:style>
-            <a:lnRef idx="2">
-              <a:schemeClr val="accent1">
-                <a:shade val="50000"/>
-              </a:schemeClr>
-            </a:lnRef>
-            <a:fillRef idx="1">
-              <a:schemeClr val="accent1"/>
-            </a:fillRef>
-            <a:effectRef idx="0">
-              <a:schemeClr val="accent1"/>
-            </a:effectRef>
-            <a:fontRef idx="minor">
-              <a:schemeClr val="lt1"/>
-            </a:fontRef>
-          </p:style>
-          <p:txBody>
-            <a:bodyPr rtlCol="0" anchor="t"/>
-            <a:lstStyle/>
-            <a:p>
-              <a:pPr algn="ctr"/>
-              <a:r>
-                <a:rPr lang="en-US" sz="1000" dirty="0" smtClean="0"/>
-                <a:t>VM2</a:t>
-              </a:r>
-              <a:endParaRPr lang="en-US" sz="1000" dirty="0"/>
-            </a:p>
-          </p:txBody>
-        </p:sp>
-        <p:sp>
-          <p:nvSpPr>
-            <p:cNvPr id="96" name="Rectangle 95"/>
-            <p:cNvSpPr/>
-            <p:nvPr/>
-          </p:nvSpPr>
-          <p:spPr>
-            <a:xfrm>
-              <a:off x="1662120" y="3943350"/>
-              <a:ext cx="489215" cy="584220"/>
-            </a:xfrm>
-            <a:prstGeom prst="rect">
-              <a:avLst/>
-            </a:prstGeom>
-            <a:solidFill>
-              <a:schemeClr val="tx2">
-                <a:lumMod val="75000"/>
-              </a:schemeClr>
-            </a:solidFill>
-          </p:spPr>
-          <p:style>
-            <a:lnRef idx="2">
-              <a:schemeClr val="accent1">
-                <a:shade val="50000"/>
-              </a:schemeClr>
-            </a:lnRef>
-            <a:fillRef idx="1">
-              <a:schemeClr val="accent1"/>
-            </a:fillRef>
-            <a:effectRef idx="0">
-              <a:schemeClr val="accent1"/>
-            </a:effectRef>
-            <a:fontRef idx="minor">
-              <a:schemeClr val="lt1"/>
-            </a:fontRef>
-          </p:style>
-          <p:txBody>
-            <a:bodyPr rtlCol="0" anchor="t"/>
-            <a:lstStyle/>
-            <a:p>
-              <a:pPr algn="ctr"/>
-              <a:r>
-                <a:rPr lang="en-US" sz="1000" dirty="0" smtClean="0"/>
-                <a:t>VM3</a:t>
-              </a:r>
-              <a:endParaRPr lang="en-US" sz="1000" dirty="0"/>
-            </a:p>
-          </p:txBody>
-        </p:sp>
-        <p:sp>
-          <p:nvSpPr>
-            <p:cNvPr id="101" name="Rectangle 100"/>
-            <p:cNvSpPr/>
-            <p:nvPr/>
-          </p:nvSpPr>
-          <p:spPr>
-            <a:xfrm>
-              <a:off x="2196823" y="3943350"/>
-              <a:ext cx="489215" cy="584220"/>
-            </a:xfrm>
-            <a:prstGeom prst="rect">
-              <a:avLst/>
-            </a:prstGeom>
-            <a:solidFill>
-              <a:schemeClr val="tx2">
-                <a:lumMod val="75000"/>
-              </a:schemeClr>
-            </a:solidFill>
-          </p:spPr>
-          <p:style>
-            <a:lnRef idx="2">
-              <a:schemeClr val="accent1">
-                <a:shade val="50000"/>
-              </a:schemeClr>
-            </a:lnRef>
-            <a:fillRef idx="1">
-              <a:schemeClr val="accent1"/>
-            </a:fillRef>
-            <a:effectRef idx="0">
-              <a:schemeClr val="accent1"/>
-            </a:effectRef>
-            <a:fontRef idx="minor">
-              <a:schemeClr val="lt1"/>
-            </a:fontRef>
-          </p:style>
-          <p:txBody>
-            <a:bodyPr rtlCol="0" anchor="t"/>
-            <a:lstStyle/>
-            <a:p>
-              <a:pPr algn="ctr"/>
-              <a:r>
-                <a:rPr lang="en-US" sz="1000" dirty="0" smtClean="0"/>
-                <a:t>VM4</a:t>
-              </a:r>
-              <a:endParaRPr lang="en-US" sz="1000" dirty="0"/>
-            </a:p>
-          </p:txBody>
-        </p:sp>
-        <p:sp>
-          <p:nvSpPr>
-            <p:cNvPr id="102" name="Rectangle 101"/>
-            <p:cNvSpPr/>
-            <p:nvPr/>
-          </p:nvSpPr>
-          <p:spPr>
-            <a:xfrm>
-              <a:off x="1327929" y="2942268"/>
-              <a:ext cx="625087" cy="625087"/>
-            </a:xfrm>
-            <a:prstGeom prst="rect">
-              <a:avLst/>
-            </a:prstGeom>
-            <a:solidFill>
-              <a:schemeClr val="tx1">
-                <a:lumMod val="75000"/>
-                <a:lumOff val="25000"/>
-              </a:schemeClr>
-            </a:solidFill>
-          </p:spPr>
-          <p:style>
-            <a:lnRef idx="2">
-              <a:schemeClr val="accent1">
-                <a:shade val="50000"/>
-              </a:schemeClr>
-            </a:lnRef>
-            <a:fillRef idx="1">
-              <a:schemeClr val="accent1"/>
-            </a:fillRef>
-            <a:effectRef idx="0">
-              <a:schemeClr val="accent1"/>
-            </a:effectRef>
-            <a:fontRef idx="minor">
-              <a:schemeClr val="lt1"/>
-            </a:fontRef>
-          </p:style>
-          <p:txBody>
-            <a:bodyPr rtlCol="0" anchor="ctr"/>
-            <a:lstStyle/>
-            <a:p>
-              <a:pPr algn="ctr"/>
-              <a:r>
-                <a:rPr lang="en-US" sz="1200" dirty="0" smtClean="0"/>
-                <a:t>R2</a:t>
-              </a:r>
-              <a:endParaRPr lang="en-US" sz="1200" dirty="0"/>
-            </a:p>
-          </p:txBody>
-        </p:sp>
-        <p:sp>
-          <p:nvSpPr>
-            <p:cNvPr id="103" name="Rectangle 102"/>
-            <p:cNvSpPr/>
-            <p:nvPr/>
-          </p:nvSpPr>
-          <p:spPr>
-            <a:xfrm>
-              <a:off x="631152" y="4209600"/>
-              <a:ext cx="416724" cy="312543"/>
-            </a:xfrm>
-            <a:prstGeom prst="rect">
-              <a:avLst/>
-            </a:prstGeom>
-            <a:solidFill>
-              <a:srgbClr val="00B0F0"/>
-            </a:solidFill>
-          </p:spPr>
-          <p:style>
-            <a:lnRef idx="2">
-              <a:schemeClr val="accent1">
-                <a:shade val="50000"/>
-              </a:schemeClr>
-            </a:lnRef>
-            <a:fillRef idx="1">
-              <a:schemeClr val="accent1"/>
-            </a:fillRef>
-            <a:effectRef idx="0">
-              <a:schemeClr val="accent1"/>
-            </a:effectRef>
-            <a:fontRef idx="minor">
-              <a:schemeClr val="lt1"/>
-            </a:fontRef>
-          </p:style>
-          <p:txBody>
-            <a:bodyPr rtlCol="0" anchor="ctr"/>
-            <a:lstStyle/>
-            <a:p>
-              <a:pPr algn="ctr"/>
-              <a:r>
-                <a:rPr lang="en-US" sz="1000" dirty="0" smtClean="0">
-                  <a:solidFill>
-                    <a:schemeClr val="bg1"/>
-                  </a:solidFill>
-                </a:rPr>
-                <a:t>C2</a:t>
-              </a:r>
-              <a:endParaRPr lang="en-US" sz="1000" dirty="0">
-                <a:solidFill>
-                  <a:schemeClr val="bg1"/>
-                </a:solidFill>
-              </a:endParaRPr>
-            </a:p>
-          </p:txBody>
-        </p:sp>
-        <p:sp>
-          <p:nvSpPr>
-            <p:cNvPr id="104" name="Rectangle 103"/>
-            <p:cNvSpPr/>
-            <p:nvPr/>
-          </p:nvSpPr>
-          <p:spPr>
-            <a:xfrm>
-              <a:off x="1165855" y="4209600"/>
-              <a:ext cx="416724" cy="312543"/>
-            </a:xfrm>
-            <a:prstGeom prst="rect">
-              <a:avLst/>
-            </a:prstGeom>
-            <a:solidFill>
-              <a:srgbClr val="C00000"/>
-            </a:solidFill>
-          </p:spPr>
-          <p:style>
-            <a:lnRef idx="2">
-              <a:schemeClr val="accent1">
-                <a:shade val="50000"/>
-              </a:schemeClr>
-            </a:lnRef>
-            <a:fillRef idx="1">
-              <a:schemeClr val="accent1"/>
-            </a:fillRef>
-            <a:effectRef idx="0">
-              <a:schemeClr val="accent1"/>
-            </a:effectRef>
-            <a:fontRef idx="minor">
-              <a:schemeClr val="lt1"/>
-            </a:fontRef>
-          </p:style>
-          <p:txBody>
-            <a:bodyPr rtlCol="0" anchor="ctr"/>
-            <a:lstStyle/>
-            <a:p>
-              <a:pPr algn="ctr"/>
-              <a:r>
-                <a:rPr lang="en-US" sz="1000" dirty="0" smtClean="0"/>
-                <a:t>B2</a:t>
-              </a:r>
-              <a:endParaRPr lang="en-US" sz="1000" dirty="0"/>
-            </a:p>
-          </p:txBody>
-        </p:sp>
-        <p:sp>
-          <p:nvSpPr>
-            <p:cNvPr id="105" name="Rectangle 104"/>
-            <p:cNvSpPr/>
-            <p:nvPr/>
-          </p:nvSpPr>
-          <p:spPr>
-            <a:xfrm>
-              <a:off x="1698365" y="4209600"/>
-              <a:ext cx="416724" cy="312543"/>
-            </a:xfrm>
-            <a:prstGeom prst="rect">
-              <a:avLst/>
-            </a:prstGeom>
-            <a:solidFill>
-              <a:srgbClr val="FFFF00"/>
-            </a:solidFill>
-          </p:spPr>
-          <p:style>
-            <a:lnRef idx="2">
-              <a:schemeClr val="accent1">
-                <a:shade val="50000"/>
-              </a:schemeClr>
-            </a:lnRef>
-            <a:fillRef idx="1">
-              <a:schemeClr val="accent1"/>
-            </a:fillRef>
-            <a:effectRef idx="0">
-              <a:schemeClr val="accent1"/>
-            </a:effectRef>
-            <a:fontRef idx="minor">
-              <a:schemeClr val="lt1"/>
-            </a:fontRef>
-          </p:style>
-          <p:txBody>
-            <a:bodyPr rtlCol="0" anchor="ctr"/>
-            <a:lstStyle/>
-            <a:p>
-              <a:pPr algn="ctr"/>
-              <a:r>
-                <a:rPr lang="en-US" sz="1000" dirty="0" smtClean="0">
-                  <a:solidFill>
-                    <a:schemeClr val="tx2"/>
-                  </a:solidFill>
-                </a:rPr>
-                <a:t>A3</a:t>
-              </a:r>
-              <a:endParaRPr lang="en-US" sz="1000" dirty="0">
-                <a:solidFill>
-                  <a:schemeClr val="tx2"/>
-                </a:solidFill>
-              </a:endParaRPr>
-            </a:p>
-          </p:txBody>
-        </p:sp>
-        <p:sp>
-          <p:nvSpPr>
-            <p:cNvPr id="106" name="Rectangle 105"/>
-            <p:cNvSpPr/>
-            <p:nvPr/>
-          </p:nvSpPr>
-          <p:spPr>
-            <a:xfrm>
-              <a:off x="2233068" y="4209600"/>
-              <a:ext cx="416724" cy="312543"/>
-            </a:xfrm>
-            <a:prstGeom prst="rect">
-              <a:avLst/>
-            </a:prstGeom>
-            <a:solidFill>
-              <a:srgbClr val="00B0F0"/>
-            </a:solidFill>
-          </p:spPr>
-          <p:style>
-            <a:lnRef idx="2">
-              <a:schemeClr val="accent1">
-                <a:shade val="50000"/>
-              </a:schemeClr>
-            </a:lnRef>
-            <a:fillRef idx="1">
-              <a:schemeClr val="accent1"/>
-            </a:fillRef>
-            <a:effectRef idx="0">
-              <a:schemeClr val="accent1"/>
-            </a:effectRef>
-            <a:fontRef idx="minor">
-              <a:schemeClr val="lt1"/>
-            </a:fontRef>
-          </p:style>
-          <p:txBody>
-            <a:bodyPr rtlCol="0" anchor="ctr"/>
-            <a:lstStyle/>
-            <a:p>
-              <a:pPr algn="ctr"/>
-              <a:r>
-                <a:rPr lang="en-US" sz="1000" dirty="0" smtClean="0"/>
-                <a:t>C3</a:t>
-              </a:r>
-              <a:endParaRPr lang="en-US" sz="1000" dirty="0"/>
-            </a:p>
-          </p:txBody>
-        </p:sp>
-        <p:cxnSp>
-          <p:nvCxnSpPr>
-            <p:cNvPr id="107" name="Straight Connector 106"/>
-            <p:cNvCxnSpPr>
-              <a:endCxn id="102" idx="2"/>
-            </p:cNvCxnSpPr>
-            <p:nvPr/>
-          </p:nvCxnSpPr>
-          <p:spPr>
-            <a:xfrm flipV="1">
-              <a:off x="914400" y="3567355"/>
-              <a:ext cx="726073" cy="367163"/>
-            </a:xfrm>
-            <a:prstGeom prst="line">
-              <a:avLst/>
-            </a:prstGeom>
-            <a:ln w="12700">
-              <a:solidFill>
-                <a:schemeClr val="tx1"/>
-              </a:solidFill>
-            </a:ln>
-          </p:spPr>
-          <p:style>
-            <a:lnRef idx="1">
-              <a:schemeClr val="accent1"/>
-            </a:lnRef>
-            <a:fillRef idx="0">
-              <a:schemeClr val="accent1"/>
-            </a:fillRef>
-            <a:effectRef idx="0">
-              <a:schemeClr val="accent1"/>
-            </a:effectRef>
-            <a:fontRef idx="minor">
-              <a:schemeClr val="tx1"/>
-            </a:fontRef>
-          </p:style>
-        </p:cxnSp>
-        <p:cxnSp>
-          <p:nvCxnSpPr>
-            <p:cNvPr id="109" name="Straight Connector 108"/>
-            <p:cNvCxnSpPr>
-              <a:stCxn id="95" idx="0"/>
-              <a:endCxn id="102" idx="2"/>
-            </p:cNvCxnSpPr>
-            <p:nvPr/>
-          </p:nvCxnSpPr>
-          <p:spPr>
-            <a:xfrm flipV="1">
-              <a:off x="1374218" y="3567355"/>
-              <a:ext cx="266255" cy="375995"/>
-            </a:xfrm>
-            <a:prstGeom prst="line">
-              <a:avLst/>
-            </a:prstGeom>
-            <a:ln w="12700">
-              <a:solidFill>
-                <a:schemeClr val="tx1"/>
-              </a:solidFill>
-            </a:ln>
-          </p:spPr>
-          <p:style>
-            <a:lnRef idx="1">
-              <a:schemeClr val="accent1"/>
-            </a:lnRef>
-            <a:fillRef idx="0">
-              <a:schemeClr val="accent1"/>
-            </a:fillRef>
-            <a:effectRef idx="0">
-              <a:schemeClr val="accent1"/>
-            </a:effectRef>
-            <a:fontRef idx="minor">
-              <a:schemeClr val="tx1"/>
-            </a:fontRef>
-          </p:style>
-        </p:cxnSp>
-        <p:cxnSp>
-          <p:nvCxnSpPr>
-            <p:cNvPr id="110" name="Straight Connector 109"/>
-            <p:cNvCxnSpPr>
-              <a:stCxn id="96" idx="0"/>
-              <a:endCxn id="102" idx="2"/>
-            </p:cNvCxnSpPr>
-            <p:nvPr/>
-          </p:nvCxnSpPr>
-          <p:spPr>
-            <a:xfrm flipH="1" flipV="1">
-              <a:off x="1640473" y="3567355"/>
-              <a:ext cx="266255" cy="375995"/>
-            </a:xfrm>
-            <a:prstGeom prst="line">
-              <a:avLst/>
-            </a:prstGeom>
-            <a:ln w="12700">
-              <a:solidFill>
-                <a:schemeClr val="tx1"/>
-              </a:solidFill>
-            </a:ln>
-          </p:spPr>
-          <p:style>
-            <a:lnRef idx="1">
-              <a:schemeClr val="accent1"/>
-            </a:lnRef>
-            <a:fillRef idx="0">
-              <a:schemeClr val="accent1"/>
-            </a:fillRef>
-            <a:effectRef idx="0">
-              <a:schemeClr val="accent1"/>
-            </a:effectRef>
-            <a:fontRef idx="minor">
-              <a:schemeClr val="tx1"/>
-            </a:fontRef>
-          </p:style>
-        </p:cxnSp>
-        <p:cxnSp>
-          <p:nvCxnSpPr>
-            <p:cNvPr id="111" name="Straight Connector 110"/>
-            <p:cNvCxnSpPr>
-              <a:stCxn id="101" idx="0"/>
-              <a:endCxn id="102" idx="2"/>
-            </p:cNvCxnSpPr>
-            <p:nvPr/>
-          </p:nvCxnSpPr>
-          <p:spPr>
-            <a:xfrm flipH="1" flipV="1">
-              <a:off x="1640473" y="3567355"/>
-              <a:ext cx="800958" cy="375995"/>
-            </a:xfrm>
-            <a:prstGeom prst="line">
-              <a:avLst/>
-            </a:prstGeom>
-            <a:ln w="12700">
-              <a:solidFill>
-                <a:schemeClr val="tx1"/>
-              </a:solidFill>
-            </a:ln>
-          </p:spPr>
-          <p:style>
-            <a:lnRef idx="1">
-              <a:schemeClr val="accent1"/>
-            </a:lnRef>
-            <a:fillRef idx="0">
-              <a:schemeClr val="accent1"/>
-            </a:fillRef>
-            <a:effectRef idx="0">
-              <a:schemeClr val="accent1"/>
-            </a:effectRef>
-            <a:fontRef idx="minor">
-              <a:schemeClr val="tx1"/>
-            </a:fontRef>
-          </p:style>
-        </p:cxnSp>
-        <p:sp>
-          <p:nvSpPr>
-            <p:cNvPr id="112" name="TextBox 111"/>
-            <p:cNvSpPr txBox="1"/>
-            <p:nvPr/>
-          </p:nvSpPr>
-          <p:spPr>
-            <a:xfrm>
-              <a:off x="1958126" y="3591365"/>
-              <a:ext cx="761747" cy="230832"/>
-            </a:xfrm>
-            <a:prstGeom prst="rect">
-              <a:avLst/>
-            </a:prstGeom>
-            <a:noFill/>
-          </p:spPr>
-          <p:txBody>
-            <a:bodyPr wrap="none" rtlCol="0">
-              <a:spAutoFit/>
-            </a:bodyPr>
-            <a:lstStyle/>
-            <a:p>
-              <a:r>
-                <a:rPr lang="en-US" sz="900" dirty="0" smtClean="0"/>
-                <a:t>10.2.4.1/24</a:t>
-              </a:r>
-              <a:endParaRPr lang="en-US" sz="900" dirty="0"/>
-            </a:p>
-          </p:txBody>
-        </p:sp>
-      </p:grpSp>
-      <p:grpSp>
-        <p:nvGrpSpPr>
-          <p:cNvPr id="115" name="Group 114"/>
-          <p:cNvGrpSpPr/>
-          <p:nvPr/>
-        </p:nvGrpSpPr>
-        <p:grpSpPr>
-          <a:xfrm>
-            <a:off x="6365757" y="2406536"/>
-            <a:ext cx="2187803" cy="2187803"/>
-            <a:chOff x="546571" y="2432965"/>
-            <a:chExt cx="2187803" cy="2187803"/>
-          </a:xfrm>
-        </p:grpSpPr>
-        <p:sp>
-          <p:nvSpPr>
-            <p:cNvPr id="118" name="Rectangle 117"/>
-            <p:cNvSpPr/>
-            <p:nvPr/>
-          </p:nvSpPr>
-          <p:spPr>
-            <a:xfrm>
-              <a:off x="546571" y="2432965"/>
-              <a:ext cx="2187803" cy="2187803"/>
-            </a:xfrm>
-            <a:prstGeom prst="rect">
-              <a:avLst/>
-            </a:prstGeom>
-            <a:solidFill>
-              <a:schemeClr val="tx2">
-                <a:lumMod val="40000"/>
-                <a:lumOff val="60000"/>
-              </a:schemeClr>
-            </a:solidFill>
-          </p:spPr>
-          <p:style>
-            <a:lnRef idx="2">
-              <a:schemeClr val="accent1">
-                <a:shade val="50000"/>
-              </a:schemeClr>
-            </a:lnRef>
-            <a:fillRef idx="1">
-              <a:schemeClr val="accent1"/>
-            </a:fillRef>
-            <a:effectRef idx="0">
-              <a:schemeClr val="accent1"/>
-            </a:effectRef>
-            <a:fontRef idx="minor">
-              <a:schemeClr val="lt1"/>
-            </a:fontRef>
-          </p:style>
-          <p:txBody>
-            <a:bodyPr rtlCol="0" anchor="t"/>
-            <a:lstStyle/>
-            <a:p>
-              <a:pPr algn="ctr"/>
-              <a:r>
-                <a:rPr lang="en-US" dirty="0" smtClean="0"/>
-                <a:t>Node 3</a:t>
-              </a:r>
-            </a:p>
-          </p:txBody>
-        </p:sp>
-        <p:sp>
-          <p:nvSpPr>
-            <p:cNvPr id="119" name="Rectangle 118"/>
-            <p:cNvSpPr/>
-            <p:nvPr/>
-          </p:nvSpPr>
-          <p:spPr>
-            <a:xfrm>
-              <a:off x="594907" y="3943350"/>
-              <a:ext cx="489215" cy="584220"/>
-            </a:xfrm>
-            <a:prstGeom prst="rect">
-              <a:avLst/>
-            </a:prstGeom>
-            <a:solidFill>
-              <a:schemeClr val="tx2">
-                <a:lumMod val="75000"/>
-              </a:schemeClr>
-            </a:solidFill>
-          </p:spPr>
-          <p:style>
-            <a:lnRef idx="2">
-              <a:schemeClr val="accent1">
-                <a:shade val="50000"/>
-              </a:schemeClr>
-            </a:lnRef>
-            <a:fillRef idx="1">
-              <a:schemeClr val="accent1"/>
-            </a:fillRef>
-            <a:effectRef idx="0">
-              <a:schemeClr val="accent1"/>
-            </a:effectRef>
-            <a:fontRef idx="minor">
-              <a:schemeClr val="lt1"/>
-            </a:fontRef>
-          </p:style>
-          <p:txBody>
-            <a:bodyPr rtlCol="0" anchor="t"/>
-            <a:lstStyle/>
-            <a:p>
-              <a:pPr algn="ctr"/>
-              <a:r>
-                <a:rPr lang="en-US" sz="1100" dirty="0" smtClean="0"/>
-                <a:t>VM1</a:t>
-              </a:r>
-              <a:endParaRPr lang="en-US" sz="1100" dirty="0"/>
-            </a:p>
-          </p:txBody>
-        </p:sp>
-        <p:sp>
-          <p:nvSpPr>
-            <p:cNvPr id="120" name="Rectangle 119"/>
-            <p:cNvSpPr/>
-            <p:nvPr/>
-          </p:nvSpPr>
-          <p:spPr>
-            <a:xfrm>
-              <a:off x="1129610" y="3943350"/>
-              <a:ext cx="489215" cy="584220"/>
-            </a:xfrm>
-            <a:prstGeom prst="rect">
-              <a:avLst/>
-            </a:prstGeom>
-            <a:solidFill>
-              <a:schemeClr val="tx2">
-                <a:lumMod val="75000"/>
-              </a:schemeClr>
-            </a:solidFill>
-          </p:spPr>
-          <p:style>
-            <a:lnRef idx="2">
-              <a:schemeClr val="accent1">
-                <a:shade val="50000"/>
-              </a:schemeClr>
-            </a:lnRef>
-            <a:fillRef idx="1">
-              <a:schemeClr val="accent1"/>
-            </a:fillRef>
-            <a:effectRef idx="0">
-              <a:schemeClr val="accent1"/>
-            </a:effectRef>
-            <a:fontRef idx="minor">
-              <a:schemeClr val="lt1"/>
-            </a:fontRef>
-          </p:style>
-          <p:txBody>
-            <a:bodyPr rtlCol="0" anchor="t"/>
-            <a:lstStyle/>
-            <a:p>
-              <a:pPr algn="ctr"/>
-              <a:r>
-                <a:rPr lang="en-US" sz="1000" dirty="0" smtClean="0"/>
-                <a:t>VM2</a:t>
-              </a:r>
-              <a:endParaRPr lang="en-US" sz="1000" dirty="0"/>
-            </a:p>
-          </p:txBody>
-        </p:sp>
-        <p:sp>
-          <p:nvSpPr>
-            <p:cNvPr id="121" name="Rectangle 120"/>
-            <p:cNvSpPr/>
-            <p:nvPr/>
-          </p:nvSpPr>
-          <p:spPr>
-            <a:xfrm>
-              <a:off x="1662120" y="3943350"/>
-              <a:ext cx="489215" cy="584220"/>
-            </a:xfrm>
-            <a:prstGeom prst="rect">
-              <a:avLst/>
-            </a:prstGeom>
-            <a:solidFill>
-              <a:schemeClr val="tx2">
-                <a:lumMod val="75000"/>
-              </a:schemeClr>
-            </a:solidFill>
-          </p:spPr>
-          <p:style>
-            <a:lnRef idx="2">
-              <a:schemeClr val="accent1">
-                <a:shade val="50000"/>
-              </a:schemeClr>
-            </a:lnRef>
-            <a:fillRef idx="1">
-              <a:schemeClr val="accent1"/>
-            </a:fillRef>
-            <a:effectRef idx="0">
-              <a:schemeClr val="accent1"/>
-            </a:effectRef>
-            <a:fontRef idx="minor">
-              <a:schemeClr val="lt1"/>
-            </a:fontRef>
-          </p:style>
-          <p:txBody>
-            <a:bodyPr rtlCol="0" anchor="t"/>
-            <a:lstStyle/>
-            <a:p>
-              <a:pPr algn="ctr"/>
-              <a:r>
-                <a:rPr lang="en-US" sz="1000" dirty="0" smtClean="0"/>
-                <a:t>VM3</a:t>
-              </a:r>
-              <a:endParaRPr lang="en-US" sz="1000" dirty="0"/>
-            </a:p>
-          </p:txBody>
-        </p:sp>
-        <p:sp>
-          <p:nvSpPr>
-            <p:cNvPr id="122" name="Rectangle 121"/>
-            <p:cNvSpPr/>
-            <p:nvPr/>
-          </p:nvSpPr>
-          <p:spPr>
-            <a:xfrm>
-              <a:off x="2196823" y="3943350"/>
-              <a:ext cx="489215" cy="584220"/>
-            </a:xfrm>
-            <a:prstGeom prst="rect">
-              <a:avLst/>
-            </a:prstGeom>
-            <a:solidFill>
-              <a:schemeClr val="tx2">
-                <a:lumMod val="75000"/>
-              </a:schemeClr>
-            </a:solidFill>
-          </p:spPr>
-          <p:style>
-            <a:lnRef idx="2">
-              <a:schemeClr val="accent1">
-                <a:shade val="50000"/>
-              </a:schemeClr>
-            </a:lnRef>
-            <a:fillRef idx="1">
-              <a:schemeClr val="accent1"/>
-            </a:fillRef>
-            <a:effectRef idx="0">
-              <a:schemeClr val="accent1"/>
-            </a:effectRef>
-            <a:fontRef idx="minor">
-              <a:schemeClr val="lt1"/>
-            </a:fontRef>
-          </p:style>
-          <p:txBody>
-            <a:bodyPr rtlCol="0" anchor="t"/>
-            <a:lstStyle/>
-            <a:p>
-              <a:pPr algn="ctr"/>
-              <a:r>
-                <a:rPr lang="en-US" sz="1000" dirty="0" smtClean="0"/>
-                <a:t>VM4</a:t>
-              </a:r>
-              <a:endParaRPr lang="en-US" sz="1000" dirty="0"/>
-            </a:p>
-          </p:txBody>
-        </p:sp>
-        <p:sp>
-          <p:nvSpPr>
-            <p:cNvPr id="123" name="Rectangle 122"/>
-            <p:cNvSpPr/>
-            <p:nvPr/>
-          </p:nvSpPr>
-          <p:spPr>
-            <a:xfrm>
-              <a:off x="1327929" y="2942268"/>
-              <a:ext cx="625087" cy="625087"/>
-            </a:xfrm>
-            <a:prstGeom prst="rect">
-              <a:avLst/>
-            </a:prstGeom>
-            <a:solidFill>
-              <a:schemeClr val="tx1">
-                <a:lumMod val="75000"/>
-                <a:lumOff val="25000"/>
-              </a:schemeClr>
-            </a:solidFill>
-          </p:spPr>
-          <p:style>
-            <a:lnRef idx="2">
-              <a:schemeClr val="accent1">
-                <a:shade val="50000"/>
-              </a:schemeClr>
-            </a:lnRef>
-            <a:fillRef idx="1">
-              <a:schemeClr val="accent1"/>
-            </a:fillRef>
-            <a:effectRef idx="0">
-              <a:schemeClr val="accent1"/>
-            </a:effectRef>
-            <a:fontRef idx="minor">
-              <a:schemeClr val="lt1"/>
-            </a:fontRef>
-          </p:style>
-          <p:txBody>
-            <a:bodyPr rtlCol="0" anchor="ctr"/>
-            <a:lstStyle/>
-            <a:p>
-              <a:pPr algn="ctr"/>
-              <a:r>
-                <a:rPr lang="en-US" sz="1200" dirty="0" smtClean="0"/>
-                <a:t>R3</a:t>
-              </a:r>
-              <a:endParaRPr lang="en-US" sz="1200" dirty="0"/>
-            </a:p>
-          </p:txBody>
-        </p:sp>
-        <p:sp>
-          <p:nvSpPr>
-            <p:cNvPr id="124" name="Rectangle 123"/>
-            <p:cNvSpPr/>
-            <p:nvPr/>
-          </p:nvSpPr>
-          <p:spPr>
-            <a:xfrm>
-              <a:off x="631152" y="4209600"/>
-              <a:ext cx="416724" cy="312543"/>
-            </a:xfrm>
-            <a:prstGeom prst="rect">
-              <a:avLst/>
-            </a:prstGeom>
-            <a:solidFill>
-              <a:schemeClr val="bg1">
-                <a:lumMod val="95000"/>
-              </a:schemeClr>
-            </a:solidFill>
-          </p:spPr>
-          <p:style>
-            <a:lnRef idx="2">
-              <a:schemeClr val="accent1">
-                <a:shade val="50000"/>
-              </a:schemeClr>
-            </a:lnRef>
-            <a:fillRef idx="1">
-              <a:schemeClr val="accent1"/>
-            </a:fillRef>
-            <a:effectRef idx="0">
-              <a:schemeClr val="accent1"/>
-            </a:effectRef>
-            <a:fontRef idx="minor">
-              <a:schemeClr val="lt1"/>
-            </a:fontRef>
-          </p:style>
-          <p:txBody>
-            <a:bodyPr rtlCol="0" anchor="ctr"/>
-            <a:lstStyle/>
-            <a:p>
-              <a:pPr algn="ctr"/>
-              <a:r>
-                <a:rPr lang="en-US" sz="800" dirty="0" smtClean="0">
-                  <a:solidFill>
-                    <a:schemeClr val="tx1"/>
-                  </a:solidFill>
-                </a:rPr>
-                <a:t>DNS</a:t>
-              </a:r>
-              <a:endParaRPr lang="en-US" sz="800" dirty="0">
-                <a:solidFill>
-                  <a:schemeClr val="tx1"/>
-                </a:solidFill>
-              </a:endParaRPr>
-            </a:p>
-          </p:txBody>
-        </p:sp>
-        <p:sp>
-          <p:nvSpPr>
-            <p:cNvPr id="125" name="Rectangle 124"/>
-            <p:cNvSpPr/>
-            <p:nvPr/>
-          </p:nvSpPr>
-          <p:spPr>
-            <a:xfrm>
-              <a:off x="1165855" y="4209600"/>
-              <a:ext cx="416724" cy="312543"/>
-            </a:xfrm>
-            <a:prstGeom prst="rect">
-              <a:avLst/>
-            </a:prstGeom>
-            <a:solidFill>
-              <a:schemeClr val="bg1">
-                <a:lumMod val="95000"/>
-              </a:schemeClr>
-            </a:solidFill>
-          </p:spPr>
-          <p:style>
-            <a:lnRef idx="2">
-              <a:schemeClr val="accent1">
-                <a:shade val="50000"/>
-              </a:schemeClr>
-            </a:lnRef>
-            <a:fillRef idx="1">
-              <a:schemeClr val="accent1"/>
-            </a:fillRef>
-            <a:effectRef idx="0">
-              <a:schemeClr val="accent1"/>
-            </a:effectRef>
-            <a:fontRef idx="minor">
-              <a:schemeClr val="lt1"/>
-            </a:fontRef>
-          </p:style>
-          <p:txBody>
-            <a:bodyPr rtlCol="0" anchor="ctr"/>
-            <a:lstStyle/>
-            <a:p>
-              <a:pPr algn="ctr"/>
-              <a:r>
-                <a:rPr lang="en-US" sz="800" dirty="0" smtClean="0">
-                  <a:solidFill>
-                    <a:schemeClr val="tx1"/>
-                  </a:solidFill>
-                </a:rPr>
-                <a:t>LB</a:t>
-              </a:r>
-              <a:endParaRPr lang="en-US" sz="800" dirty="0">
-                <a:solidFill>
-                  <a:schemeClr val="tx1"/>
-                </a:solidFill>
-              </a:endParaRPr>
-            </a:p>
-          </p:txBody>
-        </p:sp>
-        <p:sp>
-          <p:nvSpPr>
-            <p:cNvPr id="126" name="Rectangle 125"/>
-            <p:cNvSpPr/>
-            <p:nvPr/>
-          </p:nvSpPr>
-          <p:spPr>
-            <a:xfrm>
-              <a:off x="1698365" y="4209600"/>
-              <a:ext cx="416724" cy="312543"/>
-            </a:xfrm>
-            <a:prstGeom prst="rect">
-              <a:avLst/>
-            </a:prstGeom>
-            <a:solidFill>
-              <a:schemeClr val="bg1">
-                <a:lumMod val="95000"/>
-              </a:schemeClr>
-            </a:solidFill>
-          </p:spPr>
-          <p:style>
-            <a:lnRef idx="2">
-              <a:schemeClr val="accent1">
-                <a:shade val="50000"/>
-              </a:schemeClr>
-            </a:lnRef>
-            <a:fillRef idx="1">
-              <a:schemeClr val="accent1"/>
-            </a:fillRef>
-            <a:effectRef idx="0">
-              <a:schemeClr val="accent1"/>
-            </a:effectRef>
-            <a:fontRef idx="minor">
-              <a:schemeClr val="lt1"/>
-            </a:fontRef>
-          </p:style>
-          <p:txBody>
-            <a:bodyPr rtlCol="0" anchor="ctr"/>
-            <a:lstStyle/>
-            <a:p>
-              <a:pPr algn="ctr"/>
-              <a:r>
-                <a:rPr lang="en-US" sz="800" dirty="0" smtClean="0">
-                  <a:solidFill>
-                    <a:schemeClr val="tx1"/>
-                  </a:solidFill>
-                </a:rPr>
-                <a:t>FW</a:t>
-              </a:r>
-              <a:endParaRPr lang="en-US" sz="800" dirty="0">
-                <a:solidFill>
-                  <a:schemeClr val="tx1"/>
-                </a:solidFill>
-              </a:endParaRPr>
-            </a:p>
-          </p:txBody>
-        </p:sp>
-        <p:sp>
-          <p:nvSpPr>
-            <p:cNvPr id="127" name="Rectangle 126"/>
-            <p:cNvSpPr/>
-            <p:nvPr/>
-          </p:nvSpPr>
-          <p:spPr>
-            <a:xfrm>
-              <a:off x="2233068" y="4209600"/>
-              <a:ext cx="416724" cy="312543"/>
-            </a:xfrm>
-            <a:prstGeom prst="rect">
-              <a:avLst/>
-            </a:prstGeom>
-            <a:solidFill>
-              <a:schemeClr val="bg1">
-                <a:lumMod val="95000"/>
-              </a:schemeClr>
-            </a:solidFill>
-          </p:spPr>
-          <p:style>
-            <a:lnRef idx="2">
-              <a:schemeClr val="accent1">
-                <a:shade val="50000"/>
-              </a:schemeClr>
-            </a:lnRef>
-            <a:fillRef idx="1">
-              <a:schemeClr val="accent1"/>
-            </a:fillRef>
-            <a:effectRef idx="0">
-              <a:schemeClr val="accent1"/>
-            </a:effectRef>
-            <a:fontRef idx="minor">
-              <a:schemeClr val="lt1"/>
-            </a:fontRef>
-          </p:style>
-          <p:txBody>
-            <a:bodyPr rtlCol="0" anchor="ctr"/>
-            <a:lstStyle/>
-            <a:p>
-              <a:pPr algn="ctr"/>
-              <a:r>
-                <a:rPr lang="en-US" sz="800" dirty="0" smtClean="0">
-                  <a:solidFill>
-                    <a:schemeClr val="tx1"/>
-                  </a:solidFill>
-                </a:rPr>
-                <a:t>NAT</a:t>
-              </a:r>
-              <a:endParaRPr lang="en-US" sz="800" dirty="0">
-                <a:solidFill>
-                  <a:schemeClr val="tx1"/>
-                </a:solidFill>
-              </a:endParaRPr>
-            </a:p>
-          </p:txBody>
-        </p:sp>
-        <p:cxnSp>
-          <p:nvCxnSpPr>
-            <p:cNvPr id="128" name="Straight Connector 127"/>
-            <p:cNvCxnSpPr>
-              <a:endCxn id="123" idx="2"/>
-            </p:cNvCxnSpPr>
-            <p:nvPr/>
-          </p:nvCxnSpPr>
-          <p:spPr>
-            <a:xfrm flipV="1">
-              <a:off x="914400" y="3567355"/>
-              <a:ext cx="726073" cy="367163"/>
-            </a:xfrm>
-            <a:prstGeom prst="line">
-              <a:avLst/>
-            </a:prstGeom>
-            <a:ln w="12700">
-              <a:solidFill>
-                <a:schemeClr val="tx1"/>
-              </a:solidFill>
-            </a:ln>
-          </p:spPr>
-          <p:style>
-            <a:lnRef idx="1">
-              <a:schemeClr val="accent1"/>
-            </a:lnRef>
-            <a:fillRef idx="0">
-              <a:schemeClr val="accent1"/>
-            </a:fillRef>
-            <a:effectRef idx="0">
-              <a:schemeClr val="accent1"/>
-            </a:effectRef>
-            <a:fontRef idx="minor">
-              <a:schemeClr val="tx1"/>
-            </a:fontRef>
-          </p:style>
-        </p:cxnSp>
-        <p:cxnSp>
-          <p:nvCxnSpPr>
-            <p:cNvPr id="129" name="Straight Connector 128"/>
-            <p:cNvCxnSpPr>
-              <a:stCxn id="120" idx="0"/>
-              <a:endCxn id="123" idx="2"/>
-            </p:cNvCxnSpPr>
-            <p:nvPr/>
-          </p:nvCxnSpPr>
-          <p:spPr>
-            <a:xfrm flipV="1">
-              <a:off x="1374218" y="3567355"/>
-              <a:ext cx="266255" cy="375995"/>
-            </a:xfrm>
-            <a:prstGeom prst="line">
-              <a:avLst/>
-            </a:prstGeom>
-            <a:ln w="12700">
-              <a:solidFill>
-                <a:schemeClr val="tx1"/>
-              </a:solidFill>
-            </a:ln>
-          </p:spPr>
-          <p:style>
-            <a:lnRef idx="1">
-              <a:schemeClr val="accent1"/>
-            </a:lnRef>
-            <a:fillRef idx="0">
-              <a:schemeClr val="accent1"/>
-            </a:fillRef>
-            <a:effectRef idx="0">
-              <a:schemeClr val="accent1"/>
-            </a:effectRef>
-            <a:fontRef idx="minor">
-              <a:schemeClr val="tx1"/>
-            </a:fontRef>
-          </p:style>
-        </p:cxnSp>
-        <p:cxnSp>
-          <p:nvCxnSpPr>
-            <p:cNvPr id="130" name="Straight Connector 129"/>
-            <p:cNvCxnSpPr>
-              <a:stCxn id="121" idx="0"/>
-              <a:endCxn id="123" idx="2"/>
-            </p:cNvCxnSpPr>
-            <p:nvPr/>
-          </p:nvCxnSpPr>
-          <p:spPr>
-            <a:xfrm flipH="1" flipV="1">
-              <a:off x="1640473" y="3567355"/>
-              <a:ext cx="266255" cy="375995"/>
-            </a:xfrm>
-            <a:prstGeom prst="line">
-              <a:avLst/>
-            </a:prstGeom>
-            <a:ln w="12700">
-              <a:solidFill>
-                <a:schemeClr val="tx1"/>
-              </a:solidFill>
-            </a:ln>
-          </p:spPr>
-          <p:style>
-            <a:lnRef idx="1">
-              <a:schemeClr val="accent1"/>
-            </a:lnRef>
-            <a:fillRef idx="0">
-              <a:schemeClr val="accent1"/>
-            </a:fillRef>
-            <a:effectRef idx="0">
-              <a:schemeClr val="accent1"/>
-            </a:effectRef>
-            <a:fontRef idx="minor">
-              <a:schemeClr val="tx1"/>
-            </a:fontRef>
-          </p:style>
-        </p:cxnSp>
-        <p:cxnSp>
-          <p:nvCxnSpPr>
-            <p:cNvPr id="131" name="Straight Connector 130"/>
-            <p:cNvCxnSpPr>
-              <a:stCxn id="122" idx="0"/>
-              <a:endCxn id="123" idx="2"/>
-            </p:cNvCxnSpPr>
-            <p:nvPr/>
-          </p:nvCxnSpPr>
-          <p:spPr>
-            <a:xfrm flipH="1" flipV="1">
-              <a:off x="1640473" y="3567355"/>
-              <a:ext cx="800958" cy="375995"/>
-            </a:xfrm>
-            <a:prstGeom prst="line">
-              <a:avLst/>
-            </a:prstGeom>
-            <a:ln w="12700">
-              <a:solidFill>
-                <a:schemeClr val="tx1"/>
-              </a:solidFill>
-            </a:ln>
-          </p:spPr>
-          <p:style>
-            <a:lnRef idx="1">
-              <a:schemeClr val="accent1"/>
-            </a:lnRef>
-            <a:fillRef idx="0">
-              <a:schemeClr val="accent1"/>
-            </a:fillRef>
-            <a:effectRef idx="0">
-              <a:schemeClr val="accent1"/>
-            </a:effectRef>
-            <a:fontRef idx="minor">
-              <a:schemeClr val="tx1"/>
-            </a:fontRef>
-          </p:style>
-        </p:cxnSp>
-      </p:grpSp>
-      <p:sp>
-        <p:nvSpPr>
-          <p:cNvPr id="63" name="TextBox 62"/>
-          <p:cNvSpPr txBox="1"/>
-          <p:nvPr/>
-        </p:nvSpPr>
-        <p:spPr>
-          <a:xfrm>
-            <a:off x="3393823" y="3588965"/>
-            <a:ext cx="761747" cy="230832"/>
-          </a:xfrm>
-          <a:prstGeom prst="rect">
-            <a:avLst/>
-          </a:prstGeom>
-          <a:noFill/>
-        </p:spPr>
-        <p:txBody>
-          <a:bodyPr wrap="none" rtlCol="0">
-            <a:spAutoFit/>
-          </a:bodyPr>
-          <a:lstStyle/>
-          <a:p>
-            <a:r>
-              <a:rPr lang="en-US" sz="900" dirty="0" smtClean="0"/>
-              <a:t>10.2.1.1/24</a:t>
-            </a:r>
-            <a:endParaRPr lang="en-US" sz="900" dirty="0"/>
-          </a:p>
-        </p:txBody>
-      </p:sp>
-      <p:sp>
-        <p:nvSpPr>
-          <p:cNvPr id="64" name="TextBox 63"/>
-          <p:cNvSpPr txBox="1"/>
-          <p:nvPr/>
-        </p:nvSpPr>
-        <p:spPr>
-          <a:xfrm>
-            <a:off x="309214" y="3649483"/>
-            <a:ext cx="761747" cy="230832"/>
-          </a:xfrm>
-          <a:prstGeom prst="rect">
-            <a:avLst/>
-          </a:prstGeom>
-          <a:noFill/>
-        </p:spPr>
-        <p:txBody>
-          <a:bodyPr wrap="none" rtlCol="0">
-            <a:spAutoFit/>
-          </a:bodyPr>
-          <a:lstStyle/>
-          <a:p>
-            <a:r>
-              <a:rPr lang="en-US" sz="900" dirty="0" smtClean="0"/>
-              <a:t>10.1.1.1/24</a:t>
-            </a:r>
-            <a:endParaRPr lang="en-US" sz="900" dirty="0"/>
-          </a:p>
-        </p:txBody>
-      </p:sp>
-      <p:sp>
-        <p:nvSpPr>
-          <p:cNvPr id="65" name="TextBox 64"/>
-          <p:cNvSpPr txBox="1"/>
-          <p:nvPr/>
-        </p:nvSpPr>
-        <p:spPr>
-          <a:xfrm>
-            <a:off x="6322343" y="3549758"/>
-            <a:ext cx="761747" cy="230832"/>
-          </a:xfrm>
-          <a:prstGeom prst="rect">
-            <a:avLst/>
-          </a:prstGeom>
-          <a:noFill/>
-        </p:spPr>
-        <p:txBody>
-          <a:bodyPr wrap="none" rtlCol="0">
-            <a:spAutoFit/>
-          </a:bodyPr>
-          <a:lstStyle/>
-          <a:p>
-            <a:r>
-              <a:rPr lang="en-US" sz="900" dirty="0" smtClean="0"/>
-              <a:t>10.3.1.1/24</a:t>
-            </a:r>
-            <a:endParaRPr lang="en-US" sz="900" dirty="0"/>
-          </a:p>
-        </p:txBody>
-      </p:sp>
-      <p:sp>
-        <p:nvSpPr>
-          <p:cNvPr id="67" name="TextBox 66"/>
-          <p:cNvSpPr txBox="1"/>
-          <p:nvPr/>
-        </p:nvSpPr>
-        <p:spPr>
-          <a:xfrm>
-            <a:off x="7706556" y="3539311"/>
-            <a:ext cx="761747" cy="230832"/>
-          </a:xfrm>
-          <a:prstGeom prst="rect">
-            <a:avLst/>
-          </a:prstGeom>
-          <a:noFill/>
-        </p:spPr>
-        <p:txBody>
-          <a:bodyPr wrap="none" rtlCol="0">
-            <a:spAutoFit/>
-          </a:bodyPr>
-          <a:lstStyle/>
-          <a:p>
-            <a:r>
-              <a:rPr lang="en-US" sz="900" dirty="0" smtClean="0"/>
-              <a:t>10.3.4.1/24</a:t>
-            </a:r>
-            <a:endParaRPr lang="en-US" sz="900" dirty="0"/>
-          </a:p>
-        </p:txBody>
-      </p:sp>
-      <p:sp>
-        <p:nvSpPr>
-          <p:cNvPr id="69" name="TextBox 68"/>
-          <p:cNvSpPr txBox="1"/>
-          <p:nvPr/>
-        </p:nvSpPr>
-        <p:spPr>
-          <a:xfrm>
-            <a:off x="2521886" y="1073955"/>
-            <a:ext cx="1412566" cy="646331"/>
-          </a:xfrm>
-          <a:prstGeom prst="rect">
-            <a:avLst/>
-          </a:prstGeom>
-          <a:noFill/>
-        </p:spPr>
-        <p:txBody>
-          <a:bodyPr wrap="none" rtlCol="0">
-            <a:spAutoFit/>
-          </a:bodyPr>
-          <a:lstStyle/>
-          <a:p>
-            <a:pPr defTabSz="746125"/>
-            <a:r>
-              <a:rPr lang="en-US" sz="900" smtClean="0"/>
-              <a:t>0.0.0.0	via Spine</a:t>
-            </a:r>
-          </a:p>
-          <a:p>
-            <a:pPr defTabSz="133350"/>
-            <a:r>
-              <a:rPr lang="en-US" sz="900" smtClean="0"/>
-              <a:t>10.1.0.0/16 via Node 1</a:t>
-            </a:r>
-          </a:p>
-          <a:p>
-            <a:pPr defTabSz="133350"/>
-            <a:r>
-              <a:rPr lang="en-US" sz="900" smtClean="0"/>
-              <a:t>10.2.0.0/16 via Node 2</a:t>
-            </a:r>
-          </a:p>
-          <a:p>
-            <a:pPr defTabSz="133350"/>
-            <a:r>
-              <a:rPr lang="en-US" sz="900" smtClean="0"/>
-              <a:t>10.3.0.0/16 via Node 3</a:t>
-            </a:r>
-            <a:endParaRPr lang="en-US" sz="900" dirty="0" smtClean="0"/>
-          </a:p>
-        </p:txBody>
-      </p:sp>
-      <p:sp>
-        <p:nvSpPr>
-          <p:cNvPr id="73" name="Rectangle 72"/>
-          <p:cNvSpPr/>
-          <p:nvPr/>
-        </p:nvSpPr>
-        <p:spPr>
-          <a:xfrm>
-            <a:off x="5091661" y="290353"/>
-            <a:ext cx="775739" cy="457200"/>
-          </a:xfrm>
-          <a:prstGeom prst="rect">
-            <a:avLst/>
-          </a:prstGeom>
-        </p:spPr>
-        <p:style>
-          <a:lnRef idx="2">
-            <a:schemeClr val="accent1">
-              <a:shade val="50000"/>
-            </a:schemeClr>
-          </a:lnRef>
-          <a:fillRef idx="1">
-            <a:schemeClr val="accent1"/>
-          </a:fillRef>
-          <a:effectRef idx="0">
-            <a:schemeClr val="accent1"/>
-          </a:effectRef>
-          <a:fontRef idx="minor">
-            <a:schemeClr val="lt1"/>
-          </a:fontRef>
-        </p:style>
-        <p:txBody>
-          <a:bodyPr rtlCol="0" anchor="ctr"/>
-          <a:lstStyle/>
-          <a:p>
-            <a:pPr algn="ctr"/>
-            <a:r>
-              <a:rPr lang="en-US" sz="1200" dirty="0" smtClean="0"/>
-              <a:t>R Spine</a:t>
-            </a:r>
-            <a:endParaRPr lang="en-US" sz="1200" dirty="0"/>
-          </a:p>
-        </p:txBody>
-      </p:sp>
-      <p:cxnSp>
-        <p:nvCxnSpPr>
-          <p:cNvPr id="13" name="Straight Connector 12"/>
-          <p:cNvCxnSpPr>
-            <a:stCxn id="34" idx="0"/>
-            <a:endCxn id="73" idx="2"/>
-          </p:cNvCxnSpPr>
-          <p:nvPr/>
-        </p:nvCxnSpPr>
-        <p:spPr>
-          <a:xfrm flipV="1">
-            <a:off x="4508607" y="747553"/>
-            <a:ext cx="970924" cy="446004"/>
-          </a:xfrm>
-          <a:prstGeom prst="line">
-            <a:avLst/>
-          </a:prstGeom>
-          <a:ln w="12700">
-            <a:solidFill>
-              <a:schemeClr val="tx1"/>
-            </a:solidFill>
-          </a:ln>
-        </p:spPr>
-        <p:style>
-          <a:lnRef idx="1">
-            <a:schemeClr val="accent1"/>
-          </a:lnRef>
-          <a:fillRef idx="0">
-            <a:schemeClr val="accent1"/>
-          </a:fillRef>
-          <a:effectRef idx="0">
-            <a:schemeClr val="accent1"/>
-          </a:effectRef>
-          <a:fontRef idx="minor">
-            <a:schemeClr val="tx1"/>
-          </a:fontRef>
-        </p:style>
-      </p:cxnSp>
-      <p:sp>
-        <p:nvSpPr>
-          <p:cNvPr id="77" name="TextBox 76"/>
-          <p:cNvSpPr txBox="1"/>
-          <p:nvPr/>
-        </p:nvSpPr>
-        <p:spPr>
-          <a:xfrm>
-            <a:off x="6007826" y="229284"/>
-            <a:ext cx="1508746" cy="507831"/>
-          </a:xfrm>
-          <a:prstGeom prst="rect">
-            <a:avLst/>
-          </a:prstGeom>
-          <a:noFill/>
-        </p:spPr>
-        <p:txBody>
-          <a:bodyPr wrap="none" rtlCol="0">
-            <a:spAutoFit/>
-          </a:bodyPr>
-          <a:lstStyle/>
-          <a:p>
-            <a:pPr defTabSz="746125"/>
-            <a:r>
-              <a:rPr lang="en-US" sz="900" dirty="0" smtClean="0"/>
-              <a:t>0.0.0.0	via Internet</a:t>
-            </a:r>
-          </a:p>
-          <a:p>
-            <a:pPr defTabSz="133350"/>
-            <a:r>
-              <a:rPr lang="en-US" sz="900" dirty="0" smtClean="0"/>
-              <a:t>10.0.0.0/9         via Leaf 1</a:t>
-            </a:r>
-          </a:p>
-          <a:p>
-            <a:pPr defTabSz="133350"/>
-            <a:r>
-              <a:rPr lang="en-US" sz="900" dirty="0" smtClean="0"/>
-              <a:t>10.128.0.0/9     via Leaf 2</a:t>
-            </a:r>
-          </a:p>
-        </p:txBody>
-      </p:sp>
-      <p:sp>
-        <p:nvSpPr>
-          <p:cNvPr id="89" name="TextBox 88"/>
-          <p:cNvSpPr txBox="1"/>
-          <p:nvPr/>
-        </p:nvSpPr>
-        <p:spPr>
-          <a:xfrm>
-            <a:off x="1905000" y="2699215"/>
-            <a:ext cx="1184940" cy="369332"/>
-          </a:xfrm>
-          <a:prstGeom prst="rect">
-            <a:avLst/>
-          </a:prstGeom>
-          <a:noFill/>
-        </p:spPr>
-        <p:txBody>
-          <a:bodyPr wrap="none" rtlCol="0">
-            <a:spAutoFit/>
-          </a:bodyPr>
-          <a:lstStyle/>
-          <a:p>
-            <a:r>
-              <a:rPr lang="en-US" sz="900" dirty="0" smtClean="0"/>
-              <a:t>0.0.0.0    via Leaf 1</a:t>
-            </a:r>
-            <a:endParaRPr lang="en-US" sz="900" dirty="0"/>
-          </a:p>
-          <a:p>
-            <a:r>
-              <a:rPr lang="en-US" sz="900" dirty="0" smtClean="0"/>
-              <a:t>G/W: 10.1.0.1/16</a:t>
-            </a:r>
-            <a:endParaRPr lang="en-US" sz="900" dirty="0"/>
-          </a:p>
-        </p:txBody>
-      </p:sp>
-      <p:sp>
-        <p:nvSpPr>
-          <p:cNvPr id="97" name="TextBox 96"/>
-          <p:cNvSpPr txBox="1"/>
-          <p:nvPr/>
-        </p:nvSpPr>
-        <p:spPr>
-          <a:xfrm>
-            <a:off x="4784420" y="2757973"/>
-            <a:ext cx="1184940" cy="369332"/>
-          </a:xfrm>
-          <a:prstGeom prst="rect">
-            <a:avLst/>
-          </a:prstGeom>
-          <a:noFill/>
-        </p:spPr>
-        <p:txBody>
-          <a:bodyPr wrap="none" rtlCol="0">
-            <a:spAutoFit/>
-          </a:bodyPr>
-          <a:lstStyle/>
-          <a:p>
-            <a:r>
-              <a:rPr lang="en-US" sz="900" dirty="0" smtClean="0"/>
-              <a:t>0.0.0.0    via Leaf 1</a:t>
-            </a:r>
-            <a:endParaRPr lang="en-US" sz="900" dirty="0"/>
-          </a:p>
-          <a:p>
-            <a:r>
-              <a:rPr lang="en-US" sz="900" dirty="0" smtClean="0"/>
-              <a:t>G/W: 10.2.0.1/16</a:t>
-            </a:r>
-            <a:endParaRPr lang="en-US" sz="900" dirty="0"/>
-          </a:p>
-        </p:txBody>
-      </p:sp>
-      <p:sp>
-        <p:nvSpPr>
-          <p:cNvPr id="98" name="TextBox 97"/>
-          <p:cNvSpPr txBox="1"/>
-          <p:nvPr/>
-        </p:nvSpPr>
-        <p:spPr>
-          <a:xfrm>
-            <a:off x="7710205" y="2770425"/>
-            <a:ext cx="1184940" cy="369332"/>
-          </a:xfrm>
-          <a:prstGeom prst="rect">
-            <a:avLst/>
-          </a:prstGeom>
-          <a:noFill/>
-        </p:spPr>
-        <p:txBody>
-          <a:bodyPr wrap="none" rtlCol="0">
-            <a:spAutoFit/>
-          </a:bodyPr>
-          <a:lstStyle/>
-          <a:p>
-            <a:r>
-              <a:rPr lang="en-US" sz="900" dirty="0" smtClean="0"/>
-              <a:t>0.0.0.0    via Leaf 1</a:t>
-            </a:r>
-            <a:endParaRPr lang="en-US" sz="900" dirty="0"/>
-          </a:p>
-          <a:p>
-            <a:r>
-              <a:rPr lang="en-US" sz="900" dirty="0" smtClean="0"/>
-              <a:t>G/W: 10.3.0.1/16</a:t>
-            </a:r>
-            <a:endParaRPr lang="en-US" sz="900" dirty="0"/>
-          </a:p>
-        </p:txBody>
-      </p:sp>
-      <p:sp>
-        <p:nvSpPr>
-          <p:cNvPr id="3" name="TextBox 2"/>
-          <p:cNvSpPr txBox="1"/>
-          <p:nvPr/>
-        </p:nvSpPr>
-        <p:spPr>
-          <a:xfrm>
-            <a:off x="457200" y="1022502"/>
-            <a:ext cx="1474321" cy="646331"/>
-          </a:xfrm>
-          <a:prstGeom prst="rect">
-            <a:avLst/>
-          </a:prstGeom>
-          <a:noFill/>
-        </p:spPr>
-        <p:txBody>
-          <a:bodyPr wrap="square" rtlCol="0">
-            <a:spAutoFit/>
-          </a:bodyPr>
-          <a:lstStyle/>
-          <a:p>
-            <a:pPr marL="171450" indent="-171450">
-              <a:buFont typeface="Arial" panose="020B0604020202020204" pitchFamily="34" charset="0"/>
-              <a:buChar char="•"/>
-            </a:pPr>
-            <a:r>
-              <a:rPr lang="en-US" sz="1200" dirty="0" smtClean="0"/>
-              <a:t>Simple example</a:t>
-            </a:r>
-          </a:p>
-          <a:p>
-            <a:pPr marL="231775" lvl="1" indent="-112713">
-              <a:buFont typeface="Arial" panose="020B0604020202020204" pitchFamily="34" charset="0"/>
-              <a:buChar char="•"/>
-            </a:pPr>
-            <a:r>
-              <a:rPr lang="en-US" sz="1200" dirty="0" smtClean="0"/>
-              <a:t>8 Host bits</a:t>
-            </a:r>
-          </a:p>
-          <a:p>
-            <a:pPr marL="112713" lvl="1" indent="119063">
-              <a:buFont typeface="Arial" panose="020B0604020202020204" pitchFamily="34" charset="0"/>
-              <a:buChar char="•"/>
-            </a:pPr>
-            <a:r>
-              <a:rPr lang="en-US" sz="1200" dirty="0"/>
-              <a:t>8 Segment bits</a:t>
-            </a:r>
-          </a:p>
-        </p:txBody>
-      </p:sp>
+      </p:pic>
     </p:spTree>
     <p:extLst>
       <p:ext uri="{BB962C8B-B14F-4D97-AF65-F5344CB8AC3E}">
-        <p14:creationId xmlns:p14="http://schemas.microsoft.com/office/powerpoint/2010/main" val="2819720666"/>
+        <p14:creationId xmlns:p14="http://schemas.microsoft.com/office/powerpoint/2010/main" val="754855080"/>
       </p:ext>
     </p:extLst>
   </p:cSld>
   <p:clrMapOvr>
     <a:masterClrMapping/>
   </p:clrMapOvr>
-  <p:timing>
-    <p:tnLst>
-      <p:par>
-        <p:cTn id="1" dur="indefinite" restart="never" nodeType="tmRoot"/>
-      </p:par>
-    </p:tnLst>
-  </p:timing>
 </p:sld>
 </file>
 
